--- a/plots/DCER.pptx
+++ b/plots/DCER.pptx
@@ -5,27 +5,28 @@
     <p:sldMasterId id="2147483671" r:id="rId1"/>
   </p:sldMasterIdLst>
   <p:notesMasterIdLst>
-    <p:notesMasterId r:id="rId3"/>
+    <p:notesMasterId r:id="rId4"/>
   </p:notesMasterIdLst>
   <p:sldIdLst>
     <p:sldId id="257" r:id="rId2"/>
+    <p:sldId id="258" r:id="rId3"/>
   </p:sldIdLst>
   <p:sldSz cx="9144000" cy="5143500" type="screen16x9"/>
   <p:notesSz cx="6858000" cy="9144000"/>
   <p:embeddedFontLst>
     <p:embeddedFont>
       <p:font typeface="Calibri" panose="020F0502020204030204" pitchFamily="34" charset="0"/>
-      <p:regular r:id="rId4"/>
-      <p:bold r:id="rId5"/>
-      <p:italic r:id="rId6"/>
-      <p:boldItalic r:id="rId7"/>
+      <p:regular r:id="rId5"/>
+      <p:bold r:id="rId6"/>
+      <p:italic r:id="rId7"/>
+      <p:boldItalic r:id="rId8"/>
     </p:embeddedFont>
     <p:embeddedFont>
       <p:font typeface="Palatino Linotype" panose="02040502050505030304" pitchFamily="18" charset="0"/>
-      <p:regular r:id="rId8"/>
-      <p:bold r:id="rId9"/>
-      <p:italic r:id="rId10"/>
-      <p:boldItalic r:id="rId11"/>
+      <p:regular r:id="rId9"/>
+      <p:bold r:id="rId10"/>
+      <p:italic r:id="rId11"/>
+      <p:boldItalic r:id="rId12"/>
     </p:embeddedFont>
   </p:embeddedFontLst>
   <p:defaultTextStyle>
@@ -814,6 +815,115 @@
         </p:spPr>
       </p:sp>
     </p:spTree>
+  </p:cSld>
+  <p:clrMapOvr>
+    <a:masterClrMapping/>
+  </p:clrMapOvr>
+</p:notes>
+</file>
+
+<file path=ppt/notesSlides/notesSlide2.xml><?xml version="1.0" encoding="utf-8"?>
+<p:notes xmlns:a="http://schemas.openxmlformats.org/drawingml/2006/main" xmlns:r="http://schemas.openxmlformats.org/officeDocument/2006/relationships" xmlns:p="http://schemas.openxmlformats.org/presentationml/2006/main" showMasterSp="0" showMasterPhAnim="0">
+  <p:cSld>
+    <p:spTree>
+      <p:nvGrpSpPr>
+        <p:cNvPr id="1" name="Shape 131"/>
+        <p:cNvGrpSpPr/>
+        <p:nvPr/>
+      </p:nvGrpSpPr>
+      <p:grpSpPr>
+        <a:xfrm>
+          <a:off x="0" y="0"/>
+          <a:ext cx="0" cy="0"/>
+          <a:chOff x="0" y="0"/>
+          <a:chExt cx="0" cy="0"/>
+        </a:xfrm>
+      </p:grpSpPr>
+      <p:sp>
+        <p:nvSpPr>
+          <p:cNvPr id="132" name="Google Shape;132;g12ba22db54f_7_18:notes"/>
+          <p:cNvSpPr txBox="1">
+            <a:spLocks noGrp="1"/>
+          </p:cNvSpPr>
+          <p:nvPr>
+            <p:ph type="body" idx="1"/>
+          </p:nvPr>
+        </p:nvSpPr>
+        <p:spPr>
+          <a:xfrm>
+            <a:off x="685800" y="4343400"/>
+            <a:ext cx="5486400" cy="4114800"/>
+          </a:xfrm>
+          <a:prstGeom prst="rect">
+            <a:avLst/>
+          </a:prstGeom>
+        </p:spPr>
+        <p:txBody>
+          <a:bodyPr spcFirstLastPara="1" wrap="square" lIns="91425" tIns="91425" rIns="91425" bIns="91425" anchor="t" anchorCtr="0">
+            <a:noAutofit/>
+          </a:bodyPr>
+          <a:lstStyle/>
+          <a:p>
+            <a:pPr marL="0" lvl="0" indent="0" algn="l" rtl="0">
+              <a:spcBef>
+                <a:spcPts val="0"/>
+              </a:spcBef>
+              <a:spcAft>
+                <a:spcPts val="0"/>
+              </a:spcAft>
+              <a:buNone/>
+            </a:pPr>
+            <a:endParaRPr/>
+          </a:p>
+        </p:txBody>
+      </p:sp>
+      <p:sp>
+        <p:nvSpPr>
+          <p:cNvPr id="133" name="Google Shape;133;g12ba22db54f_7_18:notes"/>
+          <p:cNvSpPr>
+            <a:spLocks noGrp="1" noRot="1" noChangeAspect="1"/>
+          </p:cNvSpPr>
+          <p:nvPr>
+            <p:ph type="sldImg" idx="2"/>
+          </p:nvPr>
+        </p:nvSpPr>
+        <p:spPr>
+          <a:xfrm>
+            <a:off x="381000" y="685800"/>
+            <a:ext cx="6096000" cy="3429000"/>
+          </a:xfrm>
+          <a:custGeom>
+            <a:avLst/>
+            <a:gdLst/>
+            <a:ahLst/>
+            <a:cxnLst/>
+            <a:rect l="l" t="t" r="r" b="b"/>
+            <a:pathLst>
+              <a:path w="120000" h="120000" extrusionOk="0">
+                <a:moveTo>
+                  <a:pt x="0" y="0"/>
+                </a:moveTo>
+                <a:lnTo>
+                  <a:pt x="120000" y="0"/>
+                </a:lnTo>
+                <a:lnTo>
+                  <a:pt x="120000" y="120000"/>
+                </a:lnTo>
+                <a:lnTo>
+                  <a:pt x="0" y="120000"/>
+                </a:lnTo>
+                <a:close/>
+              </a:path>
+            </a:pathLst>
+          </a:custGeom>
+        </p:spPr>
+      </p:sp>
+    </p:spTree>
+    <p:extLst>
+      <p:ext uri="{BB962C8B-B14F-4D97-AF65-F5344CB8AC3E}">
+        <p14:creationId xmlns:p14="http://schemas.microsoft.com/office/powerpoint/2010/main" val="4045860558"/>
+      </p:ext>
+    </p:extLst>
   </p:cSld>
   <p:clrMapOvr>
     <a:masterClrMapping/>
@@ -13130,7 +13240,7 @@
 </file>
 
 <file path=ppt/slides/slide1.xml><?xml version="1.0" encoding="utf-8"?>
-<p:sld xmlns:a="http://schemas.openxmlformats.org/drawingml/2006/main" xmlns:r="http://schemas.openxmlformats.org/officeDocument/2006/relationships" xmlns:p="http://schemas.openxmlformats.org/presentationml/2006/main">
+<p:sld xmlns:a="http://schemas.openxmlformats.org/drawingml/2006/main" xmlns:r="http://schemas.openxmlformats.org/officeDocument/2006/relationships" xmlns:p="http://schemas.openxmlformats.org/presentationml/2006/main" show="0">
   <p:cSld>
     <p:spTree>
       <p:nvGrpSpPr>
@@ -13213,7 +13323,13 @@
         <p:nvGraphicFramePr>
           <p:cNvPr id="136" name="Google Shape;136;p26"/>
           <p:cNvGraphicFramePr/>
-          <p:nvPr/>
+          <p:nvPr>
+            <p:extLst>
+              <p:ext uri="{D42A27DB-BD31-4B8C-83A1-F6EECF244321}">
+                <p14:modId xmlns:p14="http://schemas.microsoft.com/office/powerpoint/2010/main" val="4059091520"/>
+              </p:ext>
+            </p:extLst>
+          </p:nvPr>
         </p:nvGraphicFramePr>
         <p:xfrm>
           <a:off x="3497016" y="4081355"/>
@@ -13520,7 +13636,7 @@
                         <a:buFont typeface="Arial"/>
                         <a:buNone/>
                       </a:pPr>
-                      <a:endParaRPr sz="1400" u="none" strike="noStrike" cap="none"/>
+                      <a:endParaRPr sz="1400" u="none" strike="noStrike" cap="none" dirty="0"/>
                     </a:p>
                   </a:txBody>
                   <a:tcPr marL="68600" marR="68600" marT="34300" marB="34300">
@@ -13773,7 +13889,7 @@
                         </a:spcAft>
                         <a:buNone/>
                       </a:pPr>
-                      <a:endParaRPr sz="1400" u="none" strike="noStrike" cap="none"/>
+                      <a:endParaRPr sz="1400" u="none" strike="noStrike" cap="none" dirty="0"/>
                     </a:p>
                   </a:txBody>
                   <a:tcPr marL="68600" marR="68600" marT="34300" marB="34300">
@@ -13868,7 +13984,7 @@
               <a:buNone/>
             </a:pPr>
             <a:r>
-              <a:rPr lang="en" sz="700" i="0" u="none" strike="noStrike" cap="none">
+              <a:rPr lang="en" sz="700" i="0" u="none" strike="noStrike" cap="none" dirty="0">
                 <a:solidFill>
                   <a:schemeClr val="dk1"/>
                 </a:solidFill>
@@ -13879,7 +13995,7 @@
               </a:rPr>
               <a:t>COL1</a:t>
             </a:r>
-            <a:endParaRPr sz="1100" i="0" u="none" strike="noStrike" cap="none">
+            <a:endParaRPr sz="1100" i="0" u="none" strike="noStrike" cap="none" dirty="0">
               <a:solidFill>
                 <a:srgbClr val="000000"/>
               </a:solidFill>
@@ -13934,7 +14050,7 @@
               <a:buNone/>
             </a:pPr>
             <a:r>
-              <a:rPr lang="en" sz="700" i="0" u="none" strike="noStrike" cap="none">
+              <a:rPr lang="en" sz="700" i="0" u="none" strike="noStrike" cap="none" dirty="0">
                 <a:solidFill>
                   <a:schemeClr val="dk1"/>
                 </a:solidFill>
@@ -13945,7 +14061,7 @@
               </a:rPr>
               <a:t>COL2</a:t>
             </a:r>
-            <a:endParaRPr sz="700" i="0" u="none" strike="noStrike" cap="none">
+            <a:endParaRPr sz="700" i="0" u="none" strike="noStrike" cap="none" dirty="0">
               <a:solidFill>
                 <a:srgbClr val="000000"/>
               </a:solidFill>
@@ -14000,7 +14116,7 @@
               <a:buNone/>
             </a:pPr>
             <a:r>
-              <a:rPr lang="en" sz="700" i="0" u="none" strike="noStrike" cap="none">
+              <a:rPr lang="en" sz="700" i="0" u="none" strike="noStrike" cap="none" dirty="0">
                 <a:solidFill>
                   <a:schemeClr val="dk1"/>
                 </a:solidFill>
@@ -14011,7 +14127,7 @@
               </a:rPr>
               <a:t>COL3</a:t>
             </a:r>
-            <a:endParaRPr sz="1100" i="0" u="none" strike="noStrike" cap="none">
+            <a:endParaRPr sz="1100" i="0" u="none" strike="noStrike" cap="none" dirty="0">
               <a:solidFill>
                 <a:srgbClr val="000000"/>
               </a:solidFill>
@@ -14066,7 +14182,7 @@
               <a:buNone/>
             </a:pPr>
             <a:r>
-              <a:rPr lang="en" sz="700" i="0" u="none" strike="noStrike" cap="none">
+              <a:rPr lang="en" sz="700" i="0" u="none" strike="noStrike" cap="none" dirty="0">
                 <a:solidFill>
                   <a:schemeClr val="dk1"/>
                 </a:solidFill>
@@ -14077,7 +14193,7 @@
               </a:rPr>
               <a:t>ROW1</a:t>
             </a:r>
-            <a:endParaRPr sz="1100" i="0" u="none" strike="noStrike" cap="none">
+            <a:endParaRPr sz="1100" i="0" u="none" strike="noStrike" cap="none" dirty="0">
               <a:solidFill>
                 <a:srgbClr val="000000"/>
               </a:solidFill>
@@ -19162,6 +19278,6057 @@
         </p:txBody>
       </p:sp>
     </p:spTree>
+  </p:cSld>
+  <p:clrMapOvr>
+    <a:masterClrMapping/>
+  </p:clrMapOvr>
+</p:sld>
+</file>
+
+<file path=ppt/slides/slide2.xml><?xml version="1.0" encoding="utf-8"?>
+<p:sld xmlns:a="http://schemas.openxmlformats.org/drawingml/2006/main" xmlns:r="http://schemas.openxmlformats.org/officeDocument/2006/relationships" xmlns:p="http://schemas.openxmlformats.org/presentationml/2006/main">
+  <p:cSld>
+    <p:spTree>
+      <p:nvGrpSpPr>
+        <p:cNvPr id="1" name="Shape 134"/>
+        <p:cNvGrpSpPr/>
+        <p:nvPr/>
+      </p:nvGrpSpPr>
+      <p:grpSpPr>
+        <a:xfrm>
+          <a:off x="0" y="0"/>
+          <a:ext cx="0" cy="0"/>
+          <a:chOff x="0" y="0"/>
+          <a:chExt cx="0" cy="0"/>
+        </a:xfrm>
+      </p:grpSpPr>
+      <p:sp>
+        <p:nvSpPr>
+          <p:cNvPr id="135" name="Google Shape;135;p26"/>
+          <p:cNvSpPr/>
+          <p:nvPr/>
+        </p:nvSpPr>
+        <p:spPr>
+          <a:xfrm>
+            <a:off x="1047576" y="2737660"/>
+            <a:ext cx="6127800" cy="442500"/>
+          </a:xfrm>
+          <a:prstGeom prst="rect">
+            <a:avLst/>
+          </a:prstGeom>
+          <a:noFill/>
+          <a:ln w="9525" cap="flat" cmpd="sng">
+            <a:solidFill>
+              <a:schemeClr val="dk2"/>
+            </a:solidFill>
+            <a:prstDash val="dash"/>
+            <a:round/>
+            <a:headEnd type="none" w="sm" len="sm"/>
+            <a:tailEnd type="none" w="sm" len="sm"/>
+          </a:ln>
+        </p:spPr>
+        <p:txBody>
+          <a:bodyPr spcFirstLastPara="1" wrap="square" lIns="91425" tIns="45700" rIns="91425" bIns="45700" anchor="ctr" anchorCtr="0">
+            <a:noAutofit/>
+          </a:bodyPr>
+          <a:lstStyle/>
+          <a:p>
+            <a:pPr marL="0" marR="0" lvl="0" indent="0" algn="ctr" rtl="0">
+              <a:lnSpc>
+                <a:spcPct val="100000"/>
+              </a:lnSpc>
+              <a:spcBef>
+                <a:spcPts val="0"/>
+              </a:spcBef>
+              <a:spcAft>
+                <a:spcPts val="0"/>
+              </a:spcAft>
+              <a:buNone/>
+            </a:pPr>
+            <a:r>
+              <a:rPr lang="en">
+                <a:solidFill>
+                  <a:schemeClr val="lt1"/>
+                </a:solidFill>
+              </a:rPr>
+              <a:t>													</a:t>
+            </a:r>
+            <a:endParaRPr sz="1400" b="0" i="0" u="none" strike="noStrike" cap="none">
+              <a:solidFill>
+                <a:schemeClr val="lt1"/>
+              </a:solidFill>
+              <a:latin typeface="Arial"/>
+              <a:ea typeface="Arial"/>
+              <a:cs typeface="Arial"/>
+              <a:sym typeface="Arial"/>
+            </a:endParaRPr>
+          </a:p>
+        </p:txBody>
+      </p:sp>
+      <p:graphicFrame>
+        <p:nvGraphicFramePr>
+          <p:cNvPr id="136" name="Google Shape;136;p26"/>
+          <p:cNvGraphicFramePr/>
+          <p:nvPr>
+            <p:extLst>
+              <p:ext uri="{D42A27DB-BD31-4B8C-83A1-F6EECF244321}">
+                <p14:modId xmlns:p14="http://schemas.microsoft.com/office/powerpoint/2010/main" val="2091685375"/>
+              </p:ext>
+            </p:extLst>
+          </p:nvPr>
+        </p:nvGraphicFramePr>
+        <p:xfrm>
+          <a:off x="414467" y="3359568"/>
+          <a:ext cx="1011600" cy="845880"/>
+        </p:xfrm>
+        <a:graphic>
+          <a:graphicData uri="http://schemas.openxmlformats.org/drawingml/2006/table">
+            <a:tbl>
+              <a:tblPr firstRow="1" bandRow="1">
+                <a:noFill/>
+                <a:tableStyleId>{1C89F033-4119-434E-B069-B4AA77A8BFF3}</a:tableStyleId>
+              </a:tblPr>
+              <a:tblGrid>
+                <a:gridCol w="337200">
+                  <a:extLst>
+                    <a:ext uri="{9D8B030D-6E8A-4147-A177-3AD203B41FA5}">
+                      <a16:colId xmlns:a16="http://schemas.microsoft.com/office/drawing/2014/main" val="20000"/>
+                    </a:ext>
+                  </a:extLst>
+                </a:gridCol>
+                <a:gridCol w="337200">
+                  <a:extLst>
+                    <a:ext uri="{9D8B030D-6E8A-4147-A177-3AD203B41FA5}">
+                      <a16:colId xmlns:a16="http://schemas.microsoft.com/office/drawing/2014/main" val="20001"/>
+                    </a:ext>
+                  </a:extLst>
+                </a:gridCol>
+                <a:gridCol w="337200">
+                  <a:extLst>
+                    <a:ext uri="{9D8B030D-6E8A-4147-A177-3AD203B41FA5}">
+                      <a16:colId xmlns:a16="http://schemas.microsoft.com/office/drawing/2014/main" val="20002"/>
+                    </a:ext>
+                  </a:extLst>
+                </a:gridCol>
+              </a:tblGrid>
+              <a:tr h="0">
+                <a:tc>
+                  <a:txBody>
+                    <a:bodyPr/>
+                    <a:lstStyle/>
+                    <a:p>
+                      <a:pPr marL="0" marR="0" lvl="0" indent="0" algn="l" rtl="0">
+                        <a:lnSpc>
+                          <a:spcPct val="100000"/>
+                        </a:lnSpc>
+                        <a:spcBef>
+                          <a:spcPts val="0"/>
+                        </a:spcBef>
+                        <a:spcAft>
+                          <a:spcPts val="0"/>
+                        </a:spcAft>
+                        <a:buNone/>
+                      </a:pPr>
+                      <a:endParaRPr sz="1400" u="none" strike="noStrike" cap="none"/>
+                    </a:p>
+                  </a:txBody>
+                  <a:tcPr marL="68600" marR="68600" marT="34300" marB="34300">
+                    <a:lnL w="9525" cap="flat" cmpd="sng">
+                      <a:solidFill>
+                        <a:schemeClr val="dk1"/>
+                      </a:solidFill>
+                      <a:prstDash val="solid"/>
+                      <a:round/>
+                      <a:headEnd type="none" w="sm" len="sm"/>
+                      <a:tailEnd type="none" w="sm" len="sm"/>
+                    </a:lnL>
+                    <a:lnR w="9525" cap="flat" cmpd="sng">
+                      <a:solidFill>
+                        <a:schemeClr val="dk1"/>
+                      </a:solidFill>
+                      <a:prstDash val="solid"/>
+                      <a:round/>
+                      <a:headEnd type="none" w="sm" len="sm"/>
+                      <a:tailEnd type="none" w="sm" len="sm"/>
+                    </a:lnR>
+                    <a:lnT w="9525" cap="flat" cmpd="sng">
+                      <a:solidFill>
+                        <a:schemeClr val="dk1"/>
+                      </a:solidFill>
+                      <a:prstDash val="solid"/>
+                      <a:round/>
+                      <a:headEnd type="none" w="sm" len="sm"/>
+                      <a:tailEnd type="none" w="sm" len="sm"/>
+                    </a:lnT>
+                    <a:lnB w="9525" cap="flat" cmpd="sng">
+                      <a:solidFill>
+                        <a:schemeClr val="dk1"/>
+                      </a:solidFill>
+                      <a:prstDash val="solid"/>
+                      <a:round/>
+                      <a:headEnd type="none" w="sm" len="sm"/>
+                      <a:tailEnd type="none" w="sm" len="sm"/>
+                    </a:lnB>
+                  </a:tcPr>
+                </a:tc>
+                <a:tc>
+                  <a:txBody>
+                    <a:bodyPr/>
+                    <a:lstStyle/>
+                    <a:p>
+                      <a:pPr marL="0" marR="0" lvl="0" indent="0" algn="l" rtl="0">
+                        <a:lnSpc>
+                          <a:spcPct val="100000"/>
+                        </a:lnSpc>
+                        <a:spcBef>
+                          <a:spcPts val="0"/>
+                        </a:spcBef>
+                        <a:spcAft>
+                          <a:spcPts val="0"/>
+                        </a:spcAft>
+                        <a:buNone/>
+                      </a:pPr>
+                      <a:endParaRPr sz="1400" u="none" strike="noStrike" cap="none"/>
+                    </a:p>
+                  </a:txBody>
+                  <a:tcPr marL="68600" marR="68600" marT="34300" marB="34300">
+                    <a:lnL w="9525" cap="flat" cmpd="sng">
+                      <a:solidFill>
+                        <a:schemeClr val="dk1"/>
+                      </a:solidFill>
+                      <a:prstDash val="solid"/>
+                      <a:round/>
+                      <a:headEnd type="none" w="sm" len="sm"/>
+                      <a:tailEnd type="none" w="sm" len="sm"/>
+                    </a:lnL>
+                    <a:lnR w="9525" cap="flat" cmpd="sng">
+                      <a:solidFill>
+                        <a:schemeClr val="dk1"/>
+                      </a:solidFill>
+                      <a:prstDash val="solid"/>
+                      <a:round/>
+                      <a:headEnd type="none" w="sm" len="sm"/>
+                      <a:tailEnd type="none" w="sm" len="sm"/>
+                    </a:lnR>
+                    <a:lnT w="9525" cap="flat" cmpd="sng">
+                      <a:solidFill>
+                        <a:schemeClr val="dk1"/>
+                      </a:solidFill>
+                      <a:prstDash val="solid"/>
+                      <a:round/>
+                      <a:headEnd type="none" w="sm" len="sm"/>
+                      <a:tailEnd type="none" w="sm" len="sm"/>
+                    </a:lnT>
+                    <a:lnB w="9525" cap="flat" cmpd="sng">
+                      <a:solidFill>
+                        <a:schemeClr val="dk1"/>
+                      </a:solidFill>
+                      <a:prstDash val="solid"/>
+                      <a:round/>
+                      <a:headEnd type="none" w="sm" len="sm"/>
+                      <a:tailEnd type="none" w="sm" len="sm"/>
+                    </a:lnB>
+                  </a:tcPr>
+                </a:tc>
+                <a:tc>
+                  <a:txBody>
+                    <a:bodyPr/>
+                    <a:lstStyle/>
+                    <a:p>
+                      <a:pPr marL="0" marR="0" lvl="0" indent="0" algn="l" rtl="0">
+                        <a:lnSpc>
+                          <a:spcPct val="100000"/>
+                        </a:lnSpc>
+                        <a:spcBef>
+                          <a:spcPts val="0"/>
+                        </a:spcBef>
+                        <a:spcAft>
+                          <a:spcPts val="0"/>
+                        </a:spcAft>
+                        <a:buNone/>
+                      </a:pPr>
+                      <a:endParaRPr sz="1400" u="none" strike="noStrike" cap="none"/>
+                    </a:p>
+                  </a:txBody>
+                  <a:tcPr marL="68600" marR="68600" marT="34300" marB="34300">
+                    <a:lnL w="9525" cap="flat" cmpd="sng">
+                      <a:solidFill>
+                        <a:schemeClr val="dk1"/>
+                      </a:solidFill>
+                      <a:prstDash val="solid"/>
+                      <a:round/>
+                      <a:headEnd type="none" w="sm" len="sm"/>
+                      <a:tailEnd type="none" w="sm" len="sm"/>
+                    </a:lnL>
+                    <a:lnR w="9525" cap="flat" cmpd="sng">
+                      <a:solidFill>
+                        <a:schemeClr val="dk1"/>
+                      </a:solidFill>
+                      <a:prstDash val="solid"/>
+                      <a:round/>
+                      <a:headEnd type="none" w="sm" len="sm"/>
+                      <a:tailEnd type="none" w="sm" len="sm"/>
+                    </a:lnR>
+                    <a:lnT w="9525" cap="flat" cmpd="sng">
+                      <a:solidFill>
+                        <a:schemeClr val="dk1"/>
+                      </a:solidFill>
+                      <a:prstDash val="solid"/>
+                      <a:round/>
+                      <a:headEnd type="none" w="sm" len="sm"/>
+                      <a:tailEnd type="none" w="sm" len="sm"/>
+                    </a:lnT>
+                    <a:lnB w="9525" cap="flat" cmpd="sng">
+                      <a:solidFill>
+                        <a:schemeClr val="dk1"/>
+                      </a:solidFill>
+                      <a:prstDash val="solid"/>
+                      <a:round/>
+                      <a:headEnd type="none" w="sm" len="sm"/>
+                      <a:tailEnd type="none" w="sm" len="sm"/>
+                    </a:lnB>
+                  </a:tcPr>
+                </a:tc>
+                <a:extLst>
+                  <a:ext uri="{0D108BD9-81ED-4DB2-BD59-A6C34878D82A}">
+                    <a16:rowId xmlns:a16="http://schemas.microsoft.com/office/drawing/2014/main" val="10000"/>
+                  </a:ext>
+                </a:extLst>
+              </a:tr>
+              <a:tr h="0">
+                <a:tc>
+                  <a:txBody>
+                    <a:bodyPr/>
+                    <a:lstStyle/>
+                    <a:p>
+                      <a:pPr marL="0" marR="0" lvl="0" indent="0" algn="l" rtl="0">
+                        <a:lnSpc>
+                          <a:spcPct val="100000"/>
+                        </a:lnSpc>
+                        <a:spcBef>
+                          <a:spcPts val="0"/>
+                        </a:spcBef>
+                        <a:spcAft>
+                          <a:spcPts val="0"/>
+                        </a:spcAft>
+                        <a:buClr>
+                          <a:srgbClr val="000000"/>
+                        </a:buClr>
+                        <a:buSzPts val="1400"/>
+                        <a:buFont typeface="Arial"/>
+                        <a:buNone/>
+                      </a:pPr>
+                      <a:endParaRPr sz="1400" u="none" strike="noStrike" cap="none"/>
+                    </a:p>
+                  </a:txBody>
+                  <a:tcPr marL="68600" marR="68600" marT="34300" marB="34300">
+                    <a:lnL w="9525" cap="flat" cmpd="sng">
+                      <a:solidFill>
+                        <a:schemeClr val="dk1"/>
+                      </a:solidFill>
+                      <a:prstDash val="solid"/>
+                      <a:round/>
+                      <a:headEnd type="none" w="sm" len="sm"/>
+                      <a:tailEnd type="none" w="sm" len="sm"/>
+                    </a:lnL>
+                    <a:lnR w="9525" cap="flat" cmpd="sng">
+                      <a:solidFill>
+                        <a:schemeClr val="dk1"/>
+                      </a:solidFill>
+                      <a:prstDash val="solid"/>
+                      <a:round/>
+                      <a:headEnd type="none" w="sm" len="sm"/>
+                      <a:tailEnd type="none" w="sm" len="sm"/>
+                    </a:lnR>
+                    <a:lnT w="9525" cap="flat" cmpd="sng">
+                      <a:solidFill>
+                        <a:schemeClr val="dk1"/>
+                      </a:solidFill>
+                      <a:prstDash val="solid"/>
+                      <a:round/>
+                      <a:headEnd type="none" w="sm" len="sm"/>
+                      <a:tailEnd type="none" w="sm" len="sm"/>
+                    </a:lnT>
+                    <a:lnB w="9525" cap="flat" cmpd="sng">
+                      <a:solidFill>
+                        <a:schemeClr val="dk1"/>
+                      </a:solidFill>
+                      <a:prstDash val="solid"/>
+                      <a:round/>
+                      <a:headEnd type="none" w="sm" len="sm"/>
+                      <a:tailEnd type="none" w="sm" len="sm"/>
+                    </a:lnB>
+                  </a:tcPr>
+                </a:tc>
+                <a:tc>
+                  <a:txBody>
+                    <a:bodyPr/>
+                    <a:lstStyle/>
+                    <a:p>
+                      <a:pPr marL="0" marR="0" lvl="0" indent="0" algn="l" rtl="0">
+                        <a:lnSpc>
+                          <a:spcPct val="100000"/>
+                        </a:lnSpc>
+                        <a:spcBef>
+                          <a:spcPts val="0"/>
+                        </a:spcBef>
+                        <a:spcAft>
+                          <a:spcPts val="0"/>
+                        </a:spcAft>
+                        <a:buClr>
+                          <a:srgbClr val="000000"/>
+                        </a:buClr>
+                        <a:buSzPts val="1400"/>
+                        <a:buFont typeface="Arial"/>
+                        <a:buNone/>
+                      </a:pPr>
+                      <a:endParaRPr sz="1400" u="none" strike="noStrike" cap="none" dirty="0"/>
+                    </a:p>
+                  </a:txBody>
+                  <a:tcPr marL="68600" marR="68600" marT="34300" marB="34300">
+                    <a:lnL w="9525" cap="flat" cmpd="sng">
+                      <a:solidFill>
+                        <a:schemeClr val="dk1"/>
+                      </a:solidFill>
+                      <a:prstDash val="solid"/>
+                      <a:round/>
+                      <a:headEnd type="none" w="sm" len="sm"/>
+                      <a:tailEnd type="none" w="sm" len="sm"/>
+                    </a:lnL>
+                    <a:lnR w="9525" cap="flat" cmpd="sng">
+                      <a:solidFill>
+                        <a:schemeClr val="dk1"/>
+                      </a:solidFill>
+                      <a:prstDash val="solid"/>
+                      <a:round/>
+                      <a:headEnd type="none" w="sm" len="sm"/>
+                      <a:tailEnd type="none" w="sm" len="sm"/>
+                    </a:lnR>
+                    <a:lnT w="9525" cap="flat" cmpd="sng">
+                      <a:solidFill>
+                        <a:schemeClr val="dk1"/>
+                      </a:solidFill>
+                      <a:prstDash val="solid"/>
+                      <a:round/>
+                      <a:headEnd type="none" w="sm" len="sm"/>
+                      <a:tailEnd type="none" w="sm" len="sm"/>
+                    </a:lnT>
+                    <a:lnB w="9525" cap="flat" cmpd="sng">
+                      <a:solidFill>
+                        <a:schemeClr val="dk1"/>
+                      </a:solidFill>
+                      <a:prstDash val="solid"/>
+                      <a:round/>
+                      <a:headEnd type="none" w="sm" len="sm"/>
+                      <a:tailEnd type="none" w="sm" len="sm"/>
+                    </a:lnB>
+                  </a:tcPr>
+                </a:tc>
+                <a:tc>
+                  <a:txBody>
+                    <a:bodyPr/>
+                    <a:lstStyle/>
+                    <a:p>
+                      <a:pPr marL="0" marR="0" lvl="0" indent="0" algn="l" rtl="0">
+                        <a:lnSpc>
+                          <a:spcPct val="100000"/>
+                        </a:lnSpc>
+                        <a:spcBef>
+                          <a:spcPts val="0"/>
+                        </a:spcBef>
+                        <a:spcAft>
+                          <a:spcPts val="0"/>
+                        </a:spcAft>
+                        <a:buNone/>
+                      </a:pPr>
+                      <a:endParaRPr sz="1400" u="none" strike="noStrike" cap="none"/>
+                    </a:p>
+                  </a:txBody>
+                  <a:tcPr marL="68600" marR="68600" marT="34300" marB="34300">
+                    <a:lnL w="9525" cap="flat" cmpd="sng">
+                      <a:solidFill>
+                        <a:schemeClr val="dk1"/>
+                      </a:solidFill>
+                      <a:prstDash val="solid"/>
+                      <a:round/>
+                      <a:headEnd type="none" w="sm" len="sm"/>
+                      <a:tailEnd type="none" w="sm" len="sm"/>
+                    </a:lnL>
+                    <a:lnR w="9525" cap="flat" cmpd="sng">
+                      <a:solidFill>
+                        <a:schemeClr val="dk1"/>
+                      </a:solidFill>
+                      <a:prstDash val="solid"/>
+                      <a:round/>
+                      <a:headEnd type="none" w="sm" len="sm"/>
+                      <a:tailEnd type="none" w="sm" len="sm"/>
+                    </a:lnR>
+                    <a:lnT w="9525" cap="flat" cmpd="sng">
+                      <a:solidFill>
+                        <a:schemeClr val="dk1"/>
+                      </a:solidFill>
+                      <a:prstDash val="solid"/>
+                      <a:round/>
+                      <a:headEnd type="none" w="sm" len="sm"/>
+                      <a:tailEnd type="none" w="sm" len="sm"/>
+                    </a:lnT>
+                    <a:lnB w="9525" cap="flat" cmpd="sng">
+                      <a:solidFill>
+                        <a:schemeClr val="dk1"/>
+                      </a:solidFill>
+                      <a:prstDash val="solid"/>
+                      <a:round/>
+                      <a:headEnd type="none" w="sm" len="sm"/>
+                      <a:tailEnd type="none" w="sm" len="sm"/>
+                    </a:lnB>
+                  </a:tcPr>
+                </a:tc>
+                <a:extLst>
+                  <a:ext uri="{0D108BD9-81ED-4DB2-BD59-A6C34878D82A}">
+                    <a16:rowId xmlns:a16="http://schemas.microsoft.com/office/drawing/2014/main" val="10001"/>
+                  </a:ext>
+                </a:extLst>
+              </a:tr>
+              <a:tr h="0">
+                <a:tc>
+                  <a:txBody>
+                    <a:bodyPr/>
+                    <a:lstStyle/>
+                    <a:p>
+                      <a:pPr marL="0" marR="0" lvl="0" indent="0" algn="l" rtl="0">
+                        <a:lnSpc>
+                          <a:spcPct val="100000"/>
+                        </a:lnSpc>
+                        <a:spcBef>
+                          <a:spcPts val="0"/>
+                        </a:spcBef>
+                        <a:spcAft>
+                          <a:spcPts val="0"/>
+                        </a:spcAft>
+                        <a:buClr>
+                          <a:srgbClr val="000000"/>
+                        </a:buClr>
+                        <a:buSzPts val="1400"/>
+                        <a:buFont typeface="Arial"/>
+                        <a:buNone/>
+                      </a:pPr>
+                      <a:endParaRPr sz="1400" u="none" strike="noStrike" cap="none"/>
+                    </a:p>
+                  </a:txBody>
+                  <a:tcPr marL="68600" marR="68600" marT="34300" marB="34300">
+                    <a:lnL w="9525" cap="flat" cmpd="sng">
+                      <a:solidFill>
+                        <a:schemeClr val="dk1"/>
+                      </a:solidFill>
+                      <a:prstDash val="solid"/>
+                      <a:round/>
+                      <a:headEnd type="none" w="sm" len="sm"/>
+                      <a:tailEnd type="none" w="sm" len="sm"/>
+                    </a:lnL>
+                    <a:lnR w="9525" cap="flat" cmpd="sng">
+                      <a:solidFill>
+                        <a:schemeClr val="dk1"/>
+                      </a:solidFill>
+                      <a:prstDash val="solid"/>
+                      <a:round/>
+                      <a:headEnd type="none" w="sm" len="sm"/>
+                      <a:tailEnd type="none" w="sm" len="sm"/>
+                    </a:lnR>
+                    <a:lnT w="9525" cap="flat" cmpd="sng">
+                      <a:solidFill>
+                        <a:schemeClr val="dk1"/>
+                      </a:solidFill>
+                      <a:prstDash val="solid"/>
+                      <a:round/>
+                      <a:headEnd type="none" w="sm" len="sm"/>
+                      <a:tailEnd type="none" w="sm" len="sm"/>
+                    </a:lnT>
+                    <a:lnB w="9525" cap="flat" cmpd="sng">
+                      <a:solidFill>
+                        <a:schemeClr val="dk1"/>
+                      </a:solidFill>
+                      <a:prstDash val="solid"/>
+                      <a:round/>
+                      <a:headEnd type="none" w="sm" len="sm"/>
+                      <a:tailEnd type="none" w="sm" len="sm"/>
+                    </a:lnB>
+                  </a:tcPr>
+                </a:tc>
+                <a:tc>
+                  <a:txBody>
+                    <a:bodyPr/>
+                    <a:lstStyle/>
+                    <a:p>
+                      <a:pPr marL="0" marR="0" lvl="0" indent="0" algn="l" rtl="0">
+                        <a:lnSpc>
+                          <a:spcPct val="100000"/>
+                        </a:lnSpc>
+                        <a:spcBef>
+                          <a:spcPts val="0"/>
+                        </a:spcBef>
+                        <a:spcAft>
+                          <a:spcPts val="0"/>
+                        </a:spcAft>
+                        <a:buClr>
+                          <a:srgbClr val="000000"/>
+                        </a:buClr>
+                        <a:buSzPts val="1400"/>
+                        <a:buFont typeface="Arial"/>
+                        <a:buNone/>
+                      </a:pPr>
+                      <a:endParaRPr sz="1400" u="none" strike="noStrike" cap="none"/>
+                    </a:p>
+                  </a:txBody>
+                  <a:tcPr marL="68600" marR="68600" marT="34300" marB="34300">
+                    <a:lnL w="9525" cap="flat" cmpd="sng">
+                      <a:solidFill>
+                        <a:schemeClr val="dk1"/>
+                      </a:solidFill>
+                      <a:prstDash val="solid"/>
+                      <a:round/>
+                      <a:headEnd type="none" w="sm" len="sm"/>
+                      <a:tailEnd type="none" w="sm" len="sm"/>
+                    </a:lnL>
+                    <a:lnR w="9525" cap="flat" cmpd="sng">
+                      <a:solidFill>
+                        <a:schemeClr val="dk1"/>
+                      </a:solidFill>
+                      <a:prstDash val="solid"/>
+                      <a:round/>
+                      <a:headEnd type="none" w="sm" len="sm"/>
+                      <a:tailEnd type="none" w="sm" len="sm"/>
+                    </a:lnR>
+                    <a:lnT w="9525" cap="flat" cmpd="sng">
+                      <a:solidFill>
+                        <a:schemeClr val="dk1"/>
+                      </a:solidFill>
+                      <a:prstDash val="solid"/>
+                      <a:round/>
+                      <a:headEnd type="none" w="sm" len="sm"/>
+                      <a:tailEnd type="none" w="sm" len="sm"/>
+                    </a:lnT>
+                    <a:lnB w="9525" cap="flat" cmpd="sng">
+                      <a:solidFill>
+                        <a:schemeClr val="dk1"/>
+                      </a:solidFill>
+                      <a:prstDash val="solid"/>
+                      <a:round/>
+                      <a:headEnd type="none" w="sm" len="sm"/>
+                      <a:tailEnd type="none" w="sm" len="sm"/>
+                    </a:lnB>
+                  </a:tcPr>
+                </a:tc>
+                <a:tc>
+                  <a:txBody>
+                    <a:bodyPr/>
+                    <a:lstStyle/>
+                    <a:p>
+                      <a:pPr marL="0" marR="0" lvl="0" indent="0" algn="l" rtl="0">
+                        <a:lnSpc>
+                          <a:spcPct val="100000"/>
+                        </a:lnSpc>
+                        <a:spcBef>
+                          <a:spcPts val="0"/>
+                        </a:spcBef>
+                        <a:spcAft>
+                          <a:spcPts val="0"/>
+                        </a:spcAft>
+                        <a:buNone/>
+                      </a:pPr>
+                      <a:endParaRPr sz="1400" u="none" strike="noStrike" cap="none" dirty="0"/>
+                    </a:p>
+                  </a:txBody>
+                  <a:tcPr marL="68600" marR="68600" marT="34300" marB="34300">
+                    <a:lnL w="9525" cap="flat" cmpd="sng">
+                      <a:solidFill>
+                        <a:schemeClr val="dk1"/>
+                      </a:solidFill>
+                      <a:prstDash val="solid"/>
+                      <a:round/>
+                      <a:headEnd type="none" w="sm" len="sm"/>
+                      <a:tailEnd type="none" w="sm" len="sm"/>
+                    </a:lnL>
+                    <a:lnR w="9525" cap="flat" cmpd="sng">
+                      <a:solidFill>
+                        <a:schemeClr val="dk1"/>
+                      </a:solidFill>
+                      <a:prstDash val="solid"/>
+                      <a:round/>
+                      <a:headEnd type="none" w="sm" len="sm"/>
+                      <a:tailEnd type="none" w="sm" len="sm"/>
+                    </a:lnR>
+                    <a:lnT w="9525" cap="flat" cmpd="sng">
+                      <a:solidFill>
+                        <a:schemeClr val="dk1"/>
+                      </a:solidFill>
+                      <a:prstDash val="solid"/>
+                      <a:round/>
+                      <a:headEnd type="none" w="sm" len="sm"/>
+                      <a:tailEnd type="none" w="sm" len="sm"/>
+                    </a:lnT>
+                    <a:lnB w="9525" cap="flat" cmpd="sng">
+                      <a:solidFill>
+                        <a:schemeClr val="dk1"/>
+                      </a:solidFill>
+                      <a:prstDash val="solid"/>
+                      <a:round/>
+                      <a:headEnd type="none" w="sm" len="sm"/>
+                      <a:tailEnd type="none" w="sm" len="sm"/>
+                    </a:lnB>
+                  </a:tcPr>
+                </a:tc>
+                <a:extLst>
+                  <a:ext uri="{0D108BD9-81ED-4DB2-BD59-A6C34878D82A}">
+                    <a16:rowId xmlns:a16="http://schemas.microsoft.com/office/drawing/2014/main" val="10002"/>
+                  </a:ext>
+                </a:extLst>
+              </a:tr>
+            </a:tbl>
+          </a:graphicData>
+        </a:graphic>
+      </p:graphicFrame>
+      <p:sp>
+        <p:nvSpPr>
+          <p:cNvPr id="137" name="Google Shape;137;p26"/>
+          <p:cNvSpPr txBox="1"/>
+          <p:nvPr/>
+        </p:nvSpPr>
+        <p:spPr>
+          <a:xfrm>
+            <a:off x="341751" y="4220968"/>
+            <a:ext cx="408900" cy="177000"/>
+          </a:xfrm>
+          <a:prstGeom prst="rect">
+            <a:avLst/>
+          </a:prstGeom>
+          <a:noFill/>
+          <a:ln>
+            <a:noFill/>
+          </a:ln>
+        </p:spPr>
+        <p:txBody>
+          <a:bodyPr spcFirstLastPara="1" wrap="square" lIns="68575" tIns="34275" rIns="68575" bIns="34275" anchor="t" anchorCtr="0">
+            <a:spAutoFit/>
+          </a:bodyPr>
+          <a:lstStyle/>
+          <a:p>
+            <a:pPr marL="0" marR="0" lvl="0" indent="0" algn="l" rtl="0">
+              <a:lnSpc>
+                <a:spcPct val="100000"/>
+              </a:lnSpc>
+              <a:spcBef>
+                <a:spcPts val="0"/>
+              </a:spcBef>
+              <a:spcAft>
+                <a:spcPts val="0"/>
+              </a:spcAft>
+              <a:buClr>
+                <a:srgbClr val="000000"/>
+              </a:buClr>
+              <a:buSzPts val="700"/>
+              <a:buFont typeface="Arial"/>
+              <a:buNone/>
+            </a:pPr>
+            <a:r>
+              <a:rPr lang="en" sz="700" i="0" u="none" strike="noStrike" cap="none" dirty="0">
+                <a:solidFill>
+                  <a:schemeClr val="dk1"/>
+                </a:solidFill>
+                <a:latin typeface="Palatino Linotype"/>
+                <a:ea typeface="Palatino Linotype"/>
+                <a:cs typeface="Palatino Linotype"/>
+                <a:sym typeface="Palatino Linotype"/>
+              </a:rPr>
+              <a:t>COL1</a:t>
+            </a:r>
+            <a:endParaRPr sz="1100" i="0" u="none" strike="noStrike" cap="none" dirty="0">
+              <a:solidFill>
+                <a:srgbClr val="000000"/>
+              </a:solidFill>
+              <a:latin typeface="Palatino Linotype"/>
+              <a:ea typeface="Palatino Linotype"/>
+              <a:cs typeface="Palatino Linotype"/>
+              <a:sym typeface="Palatino Linotype"/>
+            </a:endParaRPr>
+          </a:p>
+        </p:txBody>
+      </p:sp>
+      <p:sp>
+        <p:nvSpPr>
+          <p:cNvPr id="138" name="Google Shape;138;p26"/>
+          <p:cNvSpPr txBox="1"/>
+          <p:nvPr/>
+        </p:nvSpPr>
+        <p:spPr>
+          <a:xfrm>
+            <a:off x="724399" y="4220968"/>
+            <a:ext cx="408900" cy="177000"/>
+          </a:xfrm>
+          <a:prstGeom prst="rect">
+            <a:avLst/>
+          </a:prstGeom>
+          <a:noFill/>
+          <a:ln>
+            <a:noFill/>
+          </a:ln>
+        </p:spPr>
+        <p:txBody>
+          <a:bodyPr spcFirstLastPara="1" wrap="square" lIns="68575" tIns="34275" rIns="68575" bIns="34275" anchor="t" anchorCtr="0">
+            <a:spAutoFit/>
+          </a:bodyPr>
+          <a:lstStyle/>
+          <a:p>
+            <a:pPr marL="0" marR="0" lvl="0" indent="0" algn="l" rtl="0">
+              <a:lnSpc>
+                <a:spcPct val="100000"/>
+              </a:lnSpc>
+              <a:spcBef>
+                <a:spcPts val="0"/>
+              </a:spcBef>
+              <a:spcAft>
+                <a:spcPts val="0"/>
+              </a:spcAft>
+              <a:buClr>
+                <a:srgbClr val="000000"/>
+              </a:buClr>
+              <a:buSzPts val="700"/>
+              <a:buFont typeface="Arial"/>
+              <a:buNone/>
+            </a:pPr>
+            <a:r>
+              <a:rPr lang="en" sz="700" i="0" u="none" strike="noStrike" cap="none" dirty="0">
+                <a:solidFill>
+                  <a:schemeClr val="dk1"/>
+                </a:solidFill>
+                <a:latin typeface="Palatino Linotype"/>
+                <a:ea typeface="Palatino Linotype"/>
+                <a:cs typeface="Palatino Linotype"/>
+                <a:sym typeface="Palatino Linotype"/>
+              </a:rPr>
+              <a:t>COL2</a:t>
+            </a:r>
+            <a:endParaRPr sz="700" i="0" u="none" strike="noStrike" cap="none" dirty="0">
+              <a:solidFill>
+                <a:srgbClr val="000000"/>
+              </a:solidFill>
+              <a:latin typeface="Palatino Linotype"/>
+              <a:ea typeface="Palatino Linotype"/>
+              <a:cs typeface="Palatino Linotype"/>
+              <a:sym typeface="Palatino Linotype"/>
+            </a:endParaRPr>
+          </a:p>
+        </p:txBody>
+      </p:sp>
+      <p:sp>
+        <p:nvSpPr>
+          <p:cNvPr id="139" name="Google Shape;139;p26"/>
+          <p:cNvSpPr txBox="1"/>
+          <p:nvPr/>
+        </p:nvSpPr>
+        <p:spPr>
+          <a:xfrm>
+            <a:off x="1098424" y="4220980"/>
+            <a:ext cx="408900" cy="177000"/>
+          </a:xfrm>
+          <a:prstGeom prst="rect">
+            <a:avLst/>
+          </a:prstGeom>
+          <a:noFill/>
+          <a:ln>
+            <a:noFill/>
+          </a:ln>
+        </p:spPr>
+        <p:txBody>
+          <a:bodyPr spcFirstLastPara="1" wrap="square" lIns="68575" tIns="34275" rIns="68575" bIns="34275" anchor="t" anchorCtr="0">
+            <a:spAutoFit/>
+          </a:bodyPr>
+          <a:lstStyle/>
+          <a:p>
+            <a:pPr marL="0" marR="0" lvl="0" indent="0" algn="l" rtl="0">
+              <a:lnSpc>
+                <a:spcPct val="100000"/>
+              </a:lnSpc>
+              <a:spcBef>
+                <a:spcPts val="0"/>
+              </a:spcBef>
+              <a:spcAft>
+                <a:spcPts val="0"/>
+              </a:spcAft>
+              <a:buClr>
+                <a:srgbClr val="000000"/>
+              </a:buClr>
+              <a:buSzPts val="700"/>
+              <a:buFont typeface="Arial"/>
+              <a:buNone/>
+            </a:pPr>
+            <a:r>
+              <a:rPr lang="en" sz="700" i="0" u="none" strike="noStrike" cap="none" dirty="0">
+                <a:solidFill>
+                  <a:schemeClr val="dk1"/>
+                </a:solidFill>
+                <a:latin typeface="Palatino Linotype"/>
+                <a:ea typeface="Palatino Linotype"/>
+                <a:cs typeface="Palatino Linotype"/>
+                <a:sym typeface="Palatino Linotype"/>
+              </a:rPr>
+              <a:t>COL3</a:t>
+            </a:r>
+            <a:endParaRPr sz="1100" i="0" u="none" strike="noStrike" cap="none" dirty="0">
+              <a:solidFill>
+                <a:srgbClr val="000000"/>
+              </a:solidFill>
+              <a:latin typeface="Palatino Linotype"/>
+              <a:ea typeface="Palatino Linotype"/>
+              <a:cs typeface="Palatino Linotype"/>
+              <a:sym typeface="Palatino Linotype"/>
+            </a:endParaRPr>
+          </a:p>
+        </p:txBody>
+      </p:sp>
+      <p:sp>
+        <p:nvSpPr>
+          <p:cNvPr id="140" name="Google Shape;140;p26"/>
+          <p:cNvSpPr txBox="1"/>
+          <p:nvPr/>
+        </p:nvSpPr>
+        <p:spPr>
+          <a:xfrm>
+            <a:off x="16487" y="3393045"/>
+            <a:ext cx="408900" cy="177000"/>
+          </a:xfrm>
+          <a:prstGeom prst="rect">
+            <a:avLst/>
+          </a:prstGeom>
+          <a:noFill/>
+          <a:ln>
+            <a:noFill/>
+          </a:ln>
+        </p:spPr>
+        <p:txBody>
+          <a:bodyPr spcFirstLastPara="1" wrap="square" lIns="68575" tIns="34275" rIns="68575" bIns="34275" anchor="t" anchorCtr="0">
+            <a:spAutoFit/>
+          </a:bodyPr>
+          <a:lstStyle/>
+          <a:p>
+            <a:pPr marL="0" marR="0" lvl="0" indent="0" algn="l" rtl="0">
+              <a:lnSpc>
+                <a:spcPct val="100000"/>
+              </a:lnSpc>
+              <a:spcBef>
+                <a:spcPts val="0"/>
+              </a:spcBef>
+              <a:spcAft>
+                <a:spcPts val="0"/>
+              </a:spcAft>
+              <a:buClr>
+                <a:srgbClr val="000000"/>
+              </a:buClr>
+              <a:buSzPts val="700"/>
+              <a:buFont typeface="Arial"/>
+              <a:buNone/>
+            </a:pPr>
+            <a:r>
+              <a:rPr lang="en" sz="700" i="0" u="none" strike="noStrike" cap="none" dirty="0">
+                <a:solidFill>
+                  <a:schemeClr val="dk1"/>
+                </a:solidFill>
+                <a:latin typeface="Palatino Linotype"/>
+                <a:ea typeface="Palatino Linotype"/>
+                <a:cs typeface="Palatino Linotype"/>
+                <a:sym typeface="Palatino Linotype"/>
+              </a:rPr>
+              <a:t>ROW1</a:t>
+            </a:r>
+            <a:endParaRPr sz="1100" i="0" u="none" strike="noStrike" cap="none" dirty="0">
+              <a:solidFill>
+                <a:srgbClr val="000000"/>
+              </a:solidFill>
+              <a:latin typeface="Palatino Linotype"/>
+              <a:ea typeface="Palatino Linotype"/>
+              <a:cs typeface="Palatino Linotype"/>
+              <a:sym typeface="Palatino Linotype"/>
+            </a:endParaRPr>
+          </a:p>
+        </p:txBody>
+      </p:sp>
+      <p:sp>
+        <p:nvSpPr>
+          <p:cNvPr id="141" name="Google Shape;141;p26"/>
+          <p:cNvSpPr txBox="1"/>
+          <p:nvPr/>
+        </p:nvSpPr>
+        <p:spPr>
+          <a:xfrm>
+            <a:off x="16480" y="3696235"/>
+            <a:ext cx="408900" cy="177000"/>
+          </a:xfrm>
+          <a:prstGeom prst="rect">
+            <a:avLst/>
+          </a:prstGeom>
+          <a:noFill/>
+          <a:ln>
+            <a:noFill/>
+          </a:ln>
+        </p:spPr>
+        <p:txBody>
+          <a:bodyPr spcFirstLastPara="1" wrap="square" lIns="68575" tIns="34275" rIns="68575" bIns="34275" anchor="t" anchorCtr="0">
+            <a:spAutoFit/>
+          </a:bodyPr>
+          <a:lstStyle/>
+          <a:p>
+            <a:pPr marL="0" marR="0" lvl="0" indent="0" algn="l" rtl="0">
+              <a:lnSpc>
+                <a:spcPct val="100000"/>
+              </a:lnSpc>
+              <a:spcBef>
+                <a:spcPts val="0"/>
+              </a:spcBef>
+              <a:spcAft>
+                <a:spcPts val="0"/>
+              </a:spcAft>
+              <a:buClr>
+                <a:srgbClr val="000000"/>
+              </a:buClr>
+              <a:buSzPts val="700"/>
+              <a:buFont typeface="Arial"/>
+              <a:buNone/>
+            </a:pPr>
+            <a:r>
+              <a:rPr lang="en" sz="700" i="0" u="none" strike="noStrike" cap="none">
+                <a:solidFill>
+                  <a:schemeClr val="dk1"/>
+                </a:solidFill>
+                <a:latin typeface="Palatino Linotype"/>
+                <a:ea typeface="Palatino Linotype"/>
+                <a:cs typeface="Palatino Linotype"/>
+                <a:sym typeface="Palatino Linotype"/>
+              </a:rPr>
+              <a:t>ROW2</a:t>
+            </a:r>
+            <a:endParaRPr sz="1100" i="0" u="none" strike="noStrike" cap="none">
+              <a:solidFill>
+                <a:srgbClr val="000000"/>
+              </a:solidFill>
+              <a:latin typeface="Palatino Linotype"/>
+              <a:ea typeface="Palatino Linotype"/>
+              <a:cs typeface="Palatino Linotype"/>
+              <a:sym typeface="Palatino Linotype"/>
+            </a:endParaRPr>
+          </a:p>
+        </p:txBody>
+      </p:sp>
+      <p:sp>
+        <p:nvSpPr>
+          <p:cNvPr id="142" name="Google Shape;142;p26"/>
+          <p:cNvSpPr txBox="1"/>
+          <p:nvPr/>
+        </p:nvSpPr>
+        <p:spPr>
+          <a:xfrm>
+            <a:off x="16469" y="3999438"/>
+            <a:ext cx="408900" cy="177000"/>
+          </a:xfrm>
+          <a:prstGeom prst="rect">
+            <a:avLst/>
+          </a:prstGeom>
+          <a:noFill/>
+          <a:ln>
+            <a:noFill/>
+          </a:ln>
+        </p:spPr>
+        <p:txBody>
+          <a:bodyPr spcFirstLastPara="1" wrap="square" lIns="68575" tIns="34275" rIns="68575" bIns="34275" anchor="t" anchorCtr="0">
+            <a:spAutoFit/>
+          </a:bodyPr>
+          <a:lstStyle/>
+          <a:p>
+            <a:pPr marL="0" marR="0" lvl="0" indent="0" algn="l" rtl="0">
+              <a:lnSpc>
+                <a:spcPct val="100000"/>
+              </a:lnSpc>
+              <a:spcBef>
+                <a:spcPts val="0"/>
+              </a:spcBef>
+              <a:spcAft>
+                <a:spcPts val="0"/>
+              </a:spcAft>
+              <a:buClr>
+                <a:srgbClr val="000000"/>
+              </a:buClr>
+              <a:buSzPts val="700"/>
+              <a:buFont typeface="Arial"/>
+              <a:buNone/>
+            </a:pPr>
+            <a:r>
+              <a:rPr lang="en" sz="700" i="0" u="none" strike="noStrike" cap="none">
+                <a:solidFill>
+                  <a:schemeClr val="dk1"/>
+                </a:solidFill>
+                <a:latin typeface="Palatino Linotype"/>
+                <a:ea typeface="Palatino Linotype"/>
+                <a:cs typeface="Palatino Linotype"/>
+                <a:sym typeface="Palatino Linotype"/>
+              </a:rPr>
+              <a:t>ROW3</a:t>
+            </a:r>
+            <a:endParaRPr sz="1100" i="0" u="none" strike="noStrike" cap="none">
+              <a:solidFill>
+                <a:srgbClr val="000000"/>
+              </a:solidFill>
+              <a:latin typeface="Palatino Linotype"/>
+              <a:ea typeface="Palatino Linotype"/>
+              <a:cs typeface="Palatino Linotype"/>
+              <a:sym typeface="Palatino Linotype"/>
+            </a:endParaRPr>
+          </a:p>
+        </p:txBody>
+      </p:sp>
+      <p:sp>
+        <p:nvSpPr>
+          <p:cNvPr id="143" name="Google Shape;143;p26"/>
+          <p:cNvSpPr txBox="1"/>
+          <p:nvPr/>
+        </p:nvSpPr>
+        <p:spPr>
+          <a:xfrm>
+            <a:off x="1507324" y="3650025"/>
+            <a:ext cx="2096100" cy="192300"/>
+          </a:xfrm>
+          <a:prstGeom prst="rect">
+            <a:avLst/>
+          </a:prstGeom>
+          <a:noFill/>
+          <a:ln>
+            <a:noFill/>
+          </a:ln>
+        </p:spPr>
+        <p:txBody>
+          <a:bodyPr spcFirstLastPara="1" wrap="square" lIns="68575" tIns="34275" rIns="68575" bIns="34275" anchor="t" anchorCtr="0">
+            <a:spAutoFit/>
+          </a:bodyPr>
+          <a:lstStyle/>
+          <a:p>
+            <a:pPr marL="0" marR="0" lvl="0" indent="0" algn="l" rtl="0">
+              <a:lnSpc>
+                <a:spcPct val="100000"/>
+              </a:lnSpc>
+              <a:spcBef>
+                <a:spcPts val="0"/>
+              </a:spcBef>
+              <a:spcAft>
+                <a:spcPts val="0"/>
+              </a:spcAft>
+              <a:buClr>
+                <a:srgbClr val="000000"/>
+              </a:buClr>
+              <a:buSzPts val="800"/>
+              <a:buFont typeface="Arial"/>
+              <a:buNone/>
+            </a:pPr>
+            <a:r>
+              <a:rPr lang="en" sz="800" b="1" i="0" u="none" strike="noStrike" cap="none">
+                <a:solidFill>
+                  <a:schemeClr val="dk1"/>
+                </a:solidFill>
+                <a:latin typeface="Palatino Linotype"/>
+                <a:ea typeface="Palatino Linotype"/>
+                <a:cs typeface="Palatino Linotype"/>
+                <a:sym typeface="Palatino Linotype"/>
+              </a:rPr>
+              <a:t>(</a:t>
+            </a:r>
+            <a:r>
+              <a:rPr lang="en" sz="800" b="1">
+                <a:solidFill>
+                  <a:schemeClr val="dk1"/>
+                </a:solidFill>
+                <a:latin typeface="Palatino Linotype"/>
+                <a:ea typeface="Palatino Linotype"/>
+                <a:cs typeface="Palatino Linotype"/>
+                <a:sym typeface="Palatino Linotype"/>
+              </a:rPr>
+              <a:t>a</a:t>
+            </a:r>
+            <a:r>
+              <a:rPr lang="en" sz="800" b="1" i="0" u="none" strike="noStrike" cap="none">
+                <a:solidFill>
+                  <a:schemeClr val="dk1"/>
+                </a:solidFill>
+                <a:latin typeface="Palatino Linotype"/>
+                <a:ea typeface="Palatino Linotype"/>
+                <a:cs typeface="Palatino Linotype"/>
+                <a:sym typeface="Palatino Linotype"/>
+              </a:rPr>
+              <a:t>) Column Semantic type augmentation </a:t>
+            </a:r>
+            <a:endParaRPr sz="1100" b="1" i="0" u="none" strike="noStrike" cap="none">
+              <a:solidFill>
+                <a:srgbClr val="000000"/>
+              </a:solidFill>
+              <a:latin typeface="Palatino Linotype"/>
+              <a:ea typeface="Palatino Linotype"/>
+              <a:cs typeface="Palatino Linotype"/>
+              <a:sym typeface="Palatino Linotype"/>
+            </a:endParaRPr>
+          </a:p>
+        </p:txBody>
+      </p:sp>
+      <p:sp>
+        <p:nvSpPr>
+          <p:cNvPr id="144" name="Google Shape;144;p26"/>
+          <p:cNvSpPr txBox="1"/>
+          <p:nvPr/>
+        </p:nvSpPr>
+        <p:spPr>
+          <a:xfrm>
+            <a:off x="4163114" y="3681263"/>
+            <a:ext cx="2057700" cy="192300"/>
+          </a:xfrm>
+          <a:prstGeom prst="rect">
+            <a:avLst/>
+          </a:prstGeom>
+          <a:noFill/>
+          <a:ln>
+            <a:noFill/>
+          </a:ln>
+        </p:spPr>
+        <p:txBody>
+          <a:bodyPr spcFirstLastPara="1" wrap="square" lIns="68575" tIns="34275" rIns="68575" bIns="34275" anchor="t" anchorCtr="0">
+            <a:spAutoFit/>
+          </a:bodyPr>
+          <a:lstStyle/>
+          <a:p>
+            <a:pPr marL="0" marR="0" lvl="0" indent="0" algn="l" rtl="0">
+              <a:lnSpc>
+                <a:spcPct val="100000"/>
+              </a:lnSpc>
+              <a:spcBef>
+                <a:spcPts val="0"/>
+              </a:spcBef>
+              <a:spcAft>
+                <a:spcPts val="0"/>
+              </a:spcAft>
+              <a:buNone/>
+            </a:pPr>
+            <a:r>
+              <a:rPr lang="en" sz="800" b="1" i="0" u="none" strike="noStrike" cap="none">
+                <a:solidFill>
+                  <a:schemeClr val="dk1"/>
+                </a:solidFill>
+                <a:latin typeface="Palatino Linotype"/>
+                <a:ea typeface="Palatino Linotype"/>
+                <a:cs typeface="Palatino Linotype"/>
+                <a:sym typeface="Palatino Linotype"/>
+              </a:rPr>
+              <a:t>(</a:t>
+            </a:r>
+            <a:r>
+              <a:rPr lang="en" sz="800" b="1">
+                <a:solidFill>
+                  <a:schemeClr val="dk1"/>
+                </a:solidFill>
+                <a:latin typeface="Palatino Linotype"/>
+                <a:ea typeface="Palatino Linotype"/>
+                <a:cs typeface="Palatino Linotype"/>
+                <a:sym typeface="Palatino Linotype"/>
+              </a:rPr>
+              <a:t>b</a:t>
+            </a:r>
+            <a:r>
+              <a:rPr lang="en" sz="800" b="1" i="0" u="none" strike="noStrike" cap="none">
+                <a:solidFill>
+                  <a:schemeClr val="dk1"/>
+                </a:solidFill>
+                <a:latin typeface="Palatino Linotype"/>
+                <a:ea typeface="Palatino Linotype"/>
+                <a:cs typeface="Palatino Linotype"/>
+                <a:sym typeface="Palatino Linotype"/>
+              </a:rPr>
+              <a:t>) Entity Semantic type augmentation </a:t>
+            </a:r>
+            <a:endParaRPr sz="800" b="1" i="0" u="none" strike="noStrike" cap="none">
+              <a:solidFill>
+                <a:schemeClr val="dk1"/>
+              </a:solidFill>
+              <a:latin typeface="Palatino Linotype"/>
+              <a:ea typeface="Palatino Linotype"/>
+              <a:cs typeface="Palatino Linotype"/>
+              <a:sym typeface="Palatino Linotype"/>
+            </a:endParaRPr>
+          </a:p>
+        </p:txBody>
+      </p:sp>
+      <p:pic>
+        <p:nvPicPr>
+          <p:cNvPr id="145" name="Google Shape;145;p26" descr="A picture containing indoor, plate, dishware&#10;&#10;Description automatically generated"/>
+          <p:cNvPicPr preferRelativeResize="0"/>
+          <p:nvPr/>
+        </p:nvPicPr>
+        <p:blipFill rotWithShape="1">
+          <a:blip r:embed="rId3">
+            <a:alphaModFix/>
+          </a:blip>
+          <a:srcRect/>
+          <a:stretch/>
+        </p:blipFill>
+        <p:spPr>
+          <a:xfrm flipH="1">
+            <a:off x="2051174" y="3306561"/>
+            <a:ext cx="1011600" cy="441976"/>
+          </a:xfrm>
+          <a:prstGeom prst="rect">
+            <a:avLst/>
+          </a:prstGeom>
+          <a:noFill/>
+          <a:ln>
+            <a:noFill/>
+          </a:ln>
+        </p:spPr>
+      </p:pic>
+      <p:pic>
+        <p:nvPicPr>
+          <p:cNvPr id="146" name="Google Shape;146;p26" descr="Wikidata - Wikipedia"/>
+          <p:cNvPicPr preferRelativeResize="0"/>
+          <p:nvPr/>
+        </p:nvPicPr>
+        <p:blipFill rotWithShape="1">
+          <a:blip r:embed="rId4">
+            <a:alphaModFix/>
+          </a:blip>
+          <a:srcRect/>
+          <a:stretch/>
+        </p:blipFill>
+        <p:spPr>
+          <a:xfrm>
+            <a:off x="4695401" y="3332239"/>
+            <a:ext cx="560700" cy="396699"/>
+          </a:xfrm>
+          <a:prstGeom prst="rect">
+            <a:avLst/>
+          </a:prstGeom>
+          <a:noFill/>
+          <a:ln>
+            <a:noFill/>
+          </a:ln>
+        </p:spPr>
+      </p:pic>
+      <p:sp>
+        <p:nvSpPr>
+          <p:cNvPr id="147" name="Google Shape;147;p26"/>
+          <p:cNvSpPr/>
+          <p:nvPr/>
+        </p:nvSpPr>
+        <p:spPr>
+          <a:xfrm>
+            <a:off x="2899663" y="2813942"/>
+            <a:ext cx="530400" cy="305700"/>
+          </a:xfrm>
+          <a:prstGeom prst="snip2SameRect">
+            <a:avLst>
+              <a:gd name="adj1" fmla="val 16667"/>
+              <a:gd name="adj2" fmla="val 0"/>
+            </a:avLst>
+          </a:prstGeom>
+          <a:solidFill>
+            <a:schemeClr val="accent5"/>
+          </a:solidFill>
+          <a:ln w="19050" cap="flat" cmpd="sng">
+            <a:solidFill>
+              <a:schemeClr val="dk1"/>
+            </a:solidFill>
+            <a:prstDash val="solid"/>
+            <a:round/>
+            <a:headEnd type="none" w="sm" len="sm"/>
+            <a:tailEnd type="none" w="sm" len="sm"/>
+          </a:ln>
+        </p:spPr>
+        <p:txBody>
+          <a:bodyPr spcFirstLastPara="1" wrap="square" lIns="91425" tIns="45700" rIns="91425" bIns="45700" anchor="ctr" anchorCtr="0">
+            <a:noAutofit/>
+          </a:bodyPr>
+          <a:lstStyle/>
+          <a:p>
+            <a:pPr marL="0" marR="0" lvl="0" indent="0" algn="ctr" rtl="0">
+              <a:lnSpc>
+                <a:spcPct val="100000"/>
+              </a:lnSpc>
+              <a:spcBef>
+                <a:spcPts val="0"/>
+              </a:spcBef>
+              <a:spcAft>
+                <a:spcPts val="0"/>
+              </a:spcAft>
+              <a:buNone/>
+            </a:pPr>
+            <a:r>
+              <a:rPr lang="en" sz="1100" i="0" u="none" strike="noStrike" cap="none">
+                <a:solidFill>
+                  <a:schemeClr val="dk1"/>
+                </a:solidFill>
+                <a:latin typeface="Palatino Linotype"/>
+                <a:ea typeface="Palatino Linotype"/>
+                <a:cs typeface="Palatino Linotype"/>
+                <a:sym typeface="Palatino Linotype"/>
+              </a:rPr>
+              <a:t>VAL</a:t>
+            </a:r>
+            <a:endParaRPr sz="1100" i="0" u="none" strike="noStrike" cap="none">
+              <a:solidFill>
+                <a:schemeClr val="dk1"/>
+              </a:solidFill>
+              <a:latin typeface="Palatino Linotype"/>
+              <a:ea typeface="Palatino Linotype"/>
+              <a:cs typeface="Palatino Linotype"/>
+              <a:sym typeface="Palatino Linotype"/>
+            </a:endParaRPr>
+          </a:p>
+        </p:txBody>
+      </p:sp>
+      <p:sp>
+        <p:nvSpPr>
+          <p:cNvPr id="148" name="Google Shape;148;p26"/>
+          <p:cNvSpPr/>
+          <p:nvPr/>
+        </p:nvSpPr>
+        <p:spPr>
+          <a:xfrm>
+            <a:off x="3512319" y="2817842"/>
+            <a:ext cx="530400" cy="302100"/>
+          </a:xfrm>
+          <a:prstGeom prst="snip2SameRect">
+            <a:avLst>
+              <a:gd name="adj1" fmla="val 16667"/>
+              <a:gd name="adj2" fmla="val 0"/>
+            </a:avLst>
+          </a:prstGeom>
+          <a:solidFill>
+            <a:schemeClr val="accent6"/>
+          </a:solidFill>
+          <a:ln w="19050" cap="flat" cmpd="sng">
+            <a:solidFill>
+              <a:schemeClr val="dk1"/>
+            </a:solidFill>
+            <a:prstDash val="solid"/>
+            <a:round/>
+            <a:headEnd type="none" w="sm" len="sm"/>
+            <a:tailEnd type="none" w="sm" len="sm"/>
+          </a:ln>
+        </p:spPr>
+        <p:txBody>
+          <a:bodyPr spcFirstLastPara="1" wrap="square" lIns="91425" tIns="45700" rIns="91425" bIns="45700" anchor="ctr" anchorCtr="0">
+            <a:noAutofit/>
+          </a:bodyPr>
+          <a:lstStyle/>
+          <a:p>
+            <a:pPr marL="0" marR="0" lvl="0" indent="0" algn="ctr" rtl="0">
+              <a:lnSpc>
+                <a:spcPct val="100000"/>
+              </a:lnSpc>
+              <a:spcBef>
+                <a:spcPts val="0"/>
+              </a:spcBef>
+              <a:spcAft>
+                <a:spcPts val="0"/>
+              </a:spcAft>
+              <a:buNone/>
+            </a:pPr>
+            <a:r>
+              <a:rPr lang="en" sz="800" i="0" u="none" strike="noStrike" cap="none">
+                <a:solidFill>
+                  <a:schemeClr val="dk1"/>
+                </a:solidFill>
+                <a:latin typeface="Palatino Linotype"/>
+                <a:ea typeface="Palatino Linotype"/>
+                <a:cs typeface="Palatino Linotype"/>
+                <a:sym typeface="Palatino Linotype"/>
+              </a:rPr>
+              <a:t>Entity 1</a:t>
+            </a:r>
+            <a:endParaRPr>
+              <a:latin typeface="Palatino Linotype"/>
+              <a:ea typeface="Palatino Linotype"/>
+              <a:cs typeface="Palatino Linotype"/>
+              <a:sym typeface="Palatino Linotype"/>
+            </a:endParaRPr>
+          </a:p>
+        </p:txBody>
+      </p:sp>
+      <p:sp>
+        <p:nvSpPr>
+          <p:cNvPr id="149" name="Google Shape;149;p26"/>
+          <p:cNvSpPr/>
+          <p:nvPr/>
+        </p:nvSpPr>
+        <p:spPr>
+          <a:xfrm>
+            <a:off x="1686266" y="2817842"/>
+            <a:ext cx="530400" cy="302100"/>
+          </a:xfrm>
+          <a:prstGeom prst="snip2SameRect">
+            <a:avLst>
+              <a:gd name="adj1" fmla="val 16667"/>
+              <a:gd name="adj2" fmla="val 0"/>
+            </a:avLst>
+          </a:prstGeom>
+          <a:solidFill>
+            <a:schemeClr val="accent5"/>
+          </a:solidFill>
+          <a:ln w="19050" cap="flat" cmpd="sng">
+            <a:solidFill>
+              <a:schemeClr val="dk1"/>
+            </a:solidFill>
+            <a:prstDash val="solid"/>
+            <a:round/>
+            <a:headEnd type="none" w="sm" len="sm"/>
+            <a:tailEnd type="none" w="sm" len="sm"/>
+          </a:ln>
+        </p:spPr>
+        <p:txBody>
+          <a:bodyPr spcFirstLastPara="1" wrap="square" lIns="91425" tIns="45700" rIns="91425" bIns="45700" anchor="ctr" anchorCtr="0">
+            <a:noAutofit/>
+          </a:bodyPr>
+          <a:lstStyle/>
+          <a:p>
+            <a:pPr marL="0" marR="0" lvl="0" indent="0" algn="ctr" rtl="0">
+              <a:lnSpc>
+                <a:spcPct val="100000"/>
+              </a:lnSpc>
+              <a:spcBef>
+                <a:spcPts val="0"/>
+              </a:spcBef>
+              <a:spcAft>
+                <a:spcPts val="0"/>
+              </a:spcAft>
+              <a:buNone/>
+            </a:pPr>
+            <a:r>
+              <a:rPr lang="en" sz="600" i="0" u="none" strike="noStrike" cap="none">
+                <a:solidFill>
+                  <a:schemeClr val="dk1"/>
+                </a:solidFill>
+                <a:latin typeface="Palatino Linotype"/>
+                <a:ea typeface="Palatino Linotype"/>
+                <a:cs typeface="Palatino Linotype"/>
+                <a:sym typeface="Palatino Linotype"/>
+              </a:rPr>
+              <a:t>Column name 1</a:t>
+            </a:r>
+            <a:endParaRPr sz="1200">
+              <a:latin typeface="Palatino Linotype"/>
+              <a:ea typeface="Palatino Linotype"/>
+              <a:cs typeface="Palatino Linotype"/>
+              <a:sym typeface="Palatino Linotype"/>
+            </a:endParaRPr>
+          </a:p>
+        </p:txBody>
+      </p:sp>
+      <p:sp>
+        <p:nvSpPr>
+          <p:cNvPr id="150" name="Google Shape;150;p26"/>
+          <p:cNvSpPr/>
+          <p:nvPr/>
+        </p:nvSpPr>
+        <p:spPr>
+          <a:xfrm>
+            <a:off x="4124999" y="2817842"/>
+            <a:ext cx="530400" cy="302100"/>
+          </a:xfrm>
+          <a:prstGeom prst="snip2SameRect">
+            <a:avLst>
+              <a:gd name="adj1" fmla="val 16667"/>
+              <a:gd name="adj2" fmla="val 0"/>
+            </a:avLst>
+          </a:prstGeom>
+          <a:solidFill>
+            <a:schemeClr val="accent6"/>
+          </a:solidFill>
+          <a:ln w="19050" cap="flat" cmpd="sng">
+            <a:solidFill>
+              <a:schemeClr val="dk1"/>
+            </a:solidFill>
+            <a:prstDash val="solid"/>
+            <a:round/>
+            <a:headEnd type="none" w="sm" len="sm"/>
+            <a:tailEnd type="none" w="sm" len="sm"/>
+          </a:ln>
+        </p:spPr>
+        <p:txBody>
+          <a:bodyPr spcFirstLastPara="1" wrap="square" lIns="91425" tIns="45700" rIns="91425" bIns="45700" anchor="ctr" anchorCtr="0">
+            <a:noAutofit/>
+          </a:bodyPr>
+          <a:lstStyle/>
+          <a:p>
+            <a:pPr marL="0" marR="0" lvl="0" indent="0" algn="ctr" rtl="0">
+              <a:lnSpc>
+                <a:spcPct val="100000"/>
+              </a:lnSpc>
+              <a:spcBef>
+                <a:spcPts val="0"/>
+              </a:spcBef>
+              <a:spcAft>
+                <a:spcPts val="0"/>
+              </a:spcAft>
+              <a:buNone/>
+            </a:pPr>
+            <a:r>
+              <a:rPr lang="en" sz="700" i="0" u="none" strike="noStrike" cap="none">
+                <a:solidFill>
+                  <a:schemeClr val="dk1"/>
+                </a:solidFill>
+                <a:latin typeface="Palatino Linotype"/>
+                <a:ea typeface="Palatino Linotype"/>
+                <a:cs typeface="Palatino Linotype"/>
+                <a:sym typeface="Palatino Linotype"/>
+              </a:rPr>
+              <a:t>Text Span 1</a:t>
+            </a:r>
+            <a:endParaRPr sz="700">
+              <a:latin typeface="Palatino Linotype"/>
+              <a:ea typeface="Palatino Linotype"/>
+              <a:cs typeface="Palatino Linotype"/>
+              <a:sym typeface="Palatino Linotype"/>
+            </a:endParaRPr>
+          </a:p>
+        </p:txBody>
+      </p:sp>
+      <p:sp>
+        <p:nvSpPr>
+          <p:cNvPr id="151" name="Google Shape;151;p26"/>
+          <p:cNvSpPr/>
+          <p:nvPr/>
+        </p:nvSpPr>
+        <p:spPr>
+          <a:xfrm>
+            <a:off x="4737681" y="2817842"/>
+            <a:ext cx="530400" cy="302100"/>
+          </a:xfrm>
+          <a:prstGeom prst="snip2SameRect">
+            <a:avLst>
+              <a:gd name="adj1" fmla="val 16667"/>
+              <a:gd name="adj2" fmla="val 0"/>
+            </a:avLst>
+          </a:prstGeom>
+          <a:solidFill>
+            <a:schemeClr val="accent6"/>
+          </a:solidFill>
+          <a:ln w="19050" cap="flat" cmpd="sng">
+            <a:solidFill>
+              <a:schemeClr val="dk1"/>
+            </a:solidFill>
+            <a:prstDash val="solid"/>
+            <a:round/>
+            <a:headEnd type="none" w="sm" len="sm"/>
+            <a:tailEnd type="none" w="sm" len="sm"/>
+          </a:ln>
+        </p:spPr>
+        <p:txBody>
+          <a:bodyPr spcFirstLastPara="1" wrap="square" lIns="91425" tIns="45700" rIns="91425" bIns="45700" anchor="ctr" anchorCtr="0">
+            <a:noAutofit/>
+          </a:bodyPr>
+          <a:lstStyle/>
+          <a:p>
+            <a:pPr marL="0" marR="0" lvl="0" indent="0" algn="ctr" rtl="0">
+              <a:lnSpc>
+                <a:spcPct val="100000"/>
+              </a:lnSpc>
+              <a:spcBef>
+                <a:spcPts val="0"/>
+              </a:spcBef>
+              <a:spcAft>
+                <a:spcPts val="0"/>
+              </a:spcAft>
+              <a:buNone/>
+            </a:pPr>
+            <a:r>
+              <a:rPr lang="en" sz="800" i="0" u="none" strike="noStrike" cap="none">
+                <a:solidFill>
+                  <a:schemeClr val="dk1"/>
+                </a:solidFill>
+                <a:latin typeface="Palatino Linotype"/>
+                <a:ea typeface="Palatino Linotype"/>
+                <a:cs typeface="Palatino Linotype"/>
+                <a:sym typeface="Palatino Linotype"/>
+              </a:rPr>
+              <a:t>Entity 2</a:t>
+            </a:r>
+            <a:endParaRPr>
+              <a:latin typeface="Palatino Linotype"/>
+              <a:ea typeface="Palatino Linotype"/>
+              <a:cs typeface="Palatino Linotype"/>
+              <a:sym typeface="Palatino Linotype"/>
+            </a:endParaRPr>
+          </a:p>
+        </p:txBody>
+      </p:sp>
+      <p:sp>
+        <p:nvSpPr>
+          <p:cNvPr id="152" name="Google Shape;152;p26"/>
+          <p:cNvSpPr/>
+          <p:nvPr/>
+        </p:nvSpPr>
+        <p:spPr>
+          <a:xfrm>
+            <a:off x="5350350" y="2815892"/>
+            <a:ext cx="530400" cy="302100"/>
+          </a:xfrm>
+          <a:prstGeom prst="snip2SameRect">
+            <a:avLst>
+              <a:gd name="adj1" fmla="val 16667"/>
+              <a:gd name="adj2" fmla="val 0"/>
+            </a:avLst>
+          </a:prstGeom>
+          <a:solidFill>
+            <a:schemeClr val="accent6"/>
+          </a:solidFill>
+          <a:ln w="19050" cap="flat" cmpd="sng">
+            <a:solidFill>
+              <a:schemeClr val="dk1"/>
+            </a:solidFill>
+            <a:prstDash val="solid"/>
+            <a:round/>
+            <a:headEnd type="none" w="sm" len="sm"/>
+            <a:tailEnd type="none" w="sm" len="sm"/>
+          </a:ln>
+        </p:spPr>
+        <p:txBody>
+          <a:bodyPr spcFirstLastPara="1" wrap="square" lIns="91425" tIns="45700" rIns="91425" bIns="45700" anchor="ctr" anchorCtr="0">
+            <a:noAutofit/>
+          </a:bodyPr>
+          <a:lstStyle/>
+          <a:p>
+            <a:pPr marL="0" marR="0" lvl="0" indent="0" algn="ctr" rtl="0">
+              <a:lnSpc>
+                <a:spcPct val="100000"/>
+              </a:lnSpc>
+              <a:spcBef>
+                <a:spcPts val="0"/>
+              </a:spcBef>
+              <a:spcAft>
+                <a:spcPts val="0"/>
+              </a:spcAft>
+              <a:buNone/>
+            </a:pPr>
+            <a:r>
+              <a:rPr lang="en" sz="700" i="0" u="none" strike="noStrike" cap="none">
+                <a:solidFill>
+                  <a:schemeClr val="dk1"/>
+                </a:solidFill>
+                <a:latin typeface="Palatino Linotype"/>
+                <a:ea typeface="Palatino Linotype"/>
+                <a:cs typeface="Palatino Linotype"/>
+                <a:sym typeface="Palatino Linotype"/>
+              </a:rPr>
+              <a:t>Text Span</a:t>
+            </a:r>
+            <a:r>
+              <a:rPr lang="en" sz="700">
+                <a:solidFill>
+                  <a:schemeClr val="dk1"/>
+                </a:solidFill>
+                <a:latin typeface="Palatino Linotype"/>
+                <a:ea typeface="Palatino Linotype"/>
+                <a:cs typeface="Palatino Linotype"/>
+                <a:sym typeface="Palatino Linotype"/>
+              </a:rPr>
+              <a:t> </a:t>
+            </a:r>
+            <a:r>
+              <a:rPr lang="en" sz="700" i="0" u="none" strike="noStrike" cap="none">
+                <a:solidFill>
+                  <a:schemeClr val="dk1"/>
+                </a:solidFill>
+                <a:latin typeface="Palatino Linotype"/>
+                <a:ea typeface="Palatino Linotype"/>
+                <a:cs typeface="Palatino Linotype"/>
+                <a:sym typeface="Palatino Linotype"/>
+              </a:rPr>
+              <a:t>2</a:t>
+            </a:r>
+            <a:endParaRPr sz="1300">
+              <a:latin typeface="Palatino Linotype"/>
+              <a:ea typeface="Palatino Linotype"/>
+              <a:cs typeface="Palatino Linotype"/>
+              <a:sym typeface="Palatino Linotype"/>
+            </a:endParaRPr>
+          </a:p>
+        </p:txBody>
+      </p:sp>
+      <p:sp>
+        <p:nvSpPr>
+          <p:cNvPr id="153" name="Google Shape;153;p26"/>
+          <p:cNvSpPr/>
+          <p:nvPr/>
+        </p:nvSpPr>
+        <p:spPr>
+          <a:xfrm>
+            <a:off x="5963026" y="2816792"/>
+            <a:ext cx="530400" cy="300000"/>
+          </a:xfrm>
+          <a:prstGeom prst="snip2SameRect">
+            <a:avLst>
+              <a:gd name="adj1" fmla="val 16667"/>
+              <a:gd name="adj2" fmla="val 0"/>
+            </a:avLst>
+          </a:prstGeom>
+          <a:solidFill>
+            <a:schemeClr val="accent5"/>
+          </a:solidFill>
+          <a:ln w="19050" cap="flat" cmpd="sng">
+            <a:solidFill>
+              <a:schemeClr val="dk1"/>
+            </a:solidFill>
+            <a:prstDash val="solid"/>
+            <a:round/>
+            <a:headEnd type="none" w="sm" len="sm"/>
+            <a:tailEnd type="none" w="sm" len="sm"/>
+          </a:ln>
+        </p:spPr>
+        <p:txBody>
+          <a:bodyPr spcFirstLastPara="1" wrap="square" lIns="91425" tIns="45700" rIns="91425" bIns="45700" anchor="ctr" anchorCtr="0">
+            <a:noAutofit/>
+          </a:bodyPr>
+          <a:lstStyle/>
+          <a:p>
+            <a:pPr marL="0" marR="0" lvl="0" indent="0" algn="ctr" rtl="0">
+              <a:lnSpc>
+                <a:spcPct val="100000"/>
+              </a:lnSpc>
+              <a:spcBef>
+                <a:spcPts val="0"/>
+              </a:spcBef>
+              <a:spcAft>
+                <a:spcPts val="0"/>
+              </a:spcAft>
+              <a:buNone/>
+            </a:pPr>
+            <a:r>
+              <a:rPr lang="en" sz="1100" i="0" u="none" strike="noStrike" cap="none">
+                <a:solidFill>
+                  <a:schemeClr val="dk1"/>
+                </a:solidFill>
+                <a:latin typeface="Palatino Linotype"/>
+                <a:ea typeface="Palatino Linotype"/>
+                <a:cs typeface="Palatino Linotype"/>
+                <a:sym typeface="Palatino Linotype"/>
+              </a:rPr>
+              <a:t>COL</a:t>
+            </a:r>
+            <a:endParaRPr>
+              <a:latin typeface="Palatino Linotype"/>
+              <a:ea typeface="Palatino Linotype"/>
+              <a:cs typeface="Palatino Linotype"/>
+              <a:sym typeface="Palatino Linotype"/>
+            </a:endParaRPr>
+          </a:p>
+        </p:txBody>
+      </p:sp>
+      <p:sp>
+        <p:nvSpPr>
+          <p:cNvPr id="154" name="Google Shape;154;p26"/>
+          <p:cNvSpPr/>
+          <p:nvPr/>
+        </p:nvSpPr>
+        <p:spPr>
+          <a:xfrm>
+            <a:off x="2291770" y="2817842"/>
+            <a:ext cx="530400" cy="302100"/>
+          </a:xfrm>
+          <a:prstGeom prst="snip2SameRect">
+            <a:avLst>
+              <a:gd name="adj1" fmla="val 16667"/>
+              <a:gd name="adj2" fmla="val 0"/>
+            </a:avLst>
+          </a:prstGeom>
+          <a:solidFill>
+            <a:schemeClr val="accent2"/>
+          </a:solidFill>
+          <a:ln w="19050" cap="flat" cmpd="sng">
+            <a:solidFill>
+              <a:schemeClr val="dk1"/>
+            </a:solidFill>
+            <a:prstDash val="solid"/>
+            <a:round/>
+            <a:headEnd type="none" w="sm" len="sm"/>
+            <a:tailEnd type="none" w="sm" len="sm"/>
+          </a:ln>
+        </p:spPr>
+        <p:txBody>
+          <a:bodyPr spcFirstLastPara="1" wrap="square" lIns="91425" tIns="45700" rIns="91425" bIns="45700" anchor="ctr" anchorCtr="0">
+            <a:noAutofit/>
+          </a:bodyPr>
+          <a:lstStyle/>
+          <a:p>
+            <a:pPr marL="0" marR="0" lvl="0" indent="0" algn="ctr" rtl="0">
+              <a:lnSpc>
+                <a:spcPct val="100000"/>
+              </a:lnSpc>
+              <a:spcBef>
+                <a:spcPts val="0"/>
+              </a:spcBef>
+              <a:spcAft>
+                <a:spcPts val="0"/>
+              </a:spcAft>
+              <a:buNone/>
+            </a:pPr>
+            <a:r>
+              <a:rPr lang="en" sz="600" i="0" u="none" strike="noStrike" cap="none">
+                <a:solidFill>
+                  <a:schemeClr val="dk1"/>
+                </a:solidFill>
+                <a:latin typeface="Palatino Linotype"/>
+                <a:ea typeface="Palatino Linotype"/>
+                <a:cs typeface="Palatino Linotype"/>
+                <a:sym typeface="Palatino Linotype"/>
+              </a:rPr>
+              <a:t>Column type 1</a:t>
+            </a:r>
+            <a:endParaRPr sz="1200">
+              <a:latin typeface="Palatino Linotype"/>
+              <a:ea typeface="Palatino Linotype"/>
+              <a:cs typeface="Palatino Linotype"/>
+              <a:sym typeface="Palatino Linotype"/>
+            </a:endParaRPr>
+          </a:p>
+        </p:txBody>
+      </p:sp>
+      <p:sp>
+        <p:nvSpPr>
+          <p:cNvPr id="155" name="Google Shape;155;p26"/>
+          <p:cNvSpPr/>
+          <p:nvPr/>
+        </p:nvSpPr>
+        <p:spPr>
+          <a:xfrm>
+            <a:off x="1083488" y="2819642"/>
+            <a:ext cx="527700" cy="300000"/>
+          </a:xfrm>
+          <a:prstGeom prst="snip2SameRect">
+            <a:avLst>
+              <a:gd name="adj1" fmla="val 16667"/>
+              <a:gd name="adj2" fmla="val 0"/>
+            </a:avLst>
+          </a:prstGeom>
+          <a:solidFill>
+            <a:schemeClr val="accent5"/>
+          </a:solidFill>
+          <a:ln w="19050" cap="flat" cmpd="sng">
+            <a:solidFill>
+              <a:schemeClr val="dk1"/>
+            </a:solidFill>
+            <a:prstDash val="solid"/>
+            <a:round/>
+            <a:headEnd type="none" w="sm" len="sm"/>
+            <a:tailEnd type="none" w="sm" len="sm"/>
+          </a:ln>
+        </p:spPr>
+        <p:txBody>
+          <a:bodyPr spcFirstLastPara="1" wrap="square" lIns="91425" tIns="45700" rIns="91425" bIns="45700" anchor="ctr" anchorCtr="0">
+            <a:noAutofit/>
+          </a:bodyPr>
+          <a:lstStyle/>
+          <a:p>
+            <a:pPr marL="0" marR="0" lvl="0" indent="0" algn="ctr" rtl="0">
+              <a:lnSpc>
+                <a:spcPct val="100000"/>
+              </a:lnSpc>
+              <a:spcBef>
+                <a:spcPts val="0"/>
+              </a:spcBef>
+              <a:spcAft>
+                <a:spcPts val="0"/>
+              </a:spcAft>
+              <a:buNone/>
+            </a:pPr>
+            <a:r>
+              <a:rPr lang="en" sz="1100" i="0" u="none" strike="noStrike" cap="none">
+                <a:solidFill>
+                  <a:schemeClr val="dk1"/>
+                </a:solidFill>
+                <a:latin typeface="Palatino Linotype"/>
+                <a:ea typeface="Palatino Linotype"/>
+                <a:cs typeface="Palatino Linotype"/>
+                <a:sym typeface="Palatino Linotype"/>
+              </a:rPr>
+              <a:t>COL</a:t>
+            </a:r>
+            <a:endParaRPr>
+              <a:latin typeface="Palatino Linotype"/>
+              <a:ea typeface="Palatino Linotype"/>
+              <a:cs typeface="Palatino Linotype"/>
+              <a:sym typeface="Palatino Linotype"/>
+            </a:endParaRPr>
+          </a:p>
+        </p:txBody>
+      </p:sp>
+      <p:sp>
+        <p:nvSpPr>
+          <p:cNvPr id="156" name="Google Shape;156;p26"/>
+          <p:cNvSpPr/>
+          <p:nvPr/>
+        </p:nvSpPr>
+        <p:spPr>
+          <a:xfrm>
+            <a:off x="1053001" y="858275"/>
+            <a:ext cx="6122400" cy="1040700"/>
+          </a:xfrm>
+          <a:prstGeom prst="rect">
+            <a:avLst/>
+          </a:prstGeom>
+          <a:noFill/>
+          <a:ln w="9525" cap="flat" cmpd="sng">
+            <a:solidFill>
+              <a:schemeClr val="dk2"/>
+            </a:solidFill>
+            <a:prstDash val="dash"/>
+            <a:round/>
+            <a:headEnd type="none" w="sm" len="sm"/>
+            <a:tailEnd type="none" w="sm" len="sm"/>
+          </a:ln>
+        </p:spPr>
+        <p:txBody>
+          <a:bodyPr spcFirstLastPara="1" wrap="square" lIns="91425" tIns="45700" rIns="91425" bIns="45700" anchor="ctr" anchorCtr="0">
+            <a:noAutofit/>
+          </a:bodyPr>
+          <a:lstStyle/>
+          <a:p>
+            <a:pPr marL="0" marR="0" lvl="0" indent="0" algn="ctr" rtl="0">
+              <a:lnSpc>
+                <a:spcPct val="100000"/>
+              </a:lnSpc>
+              <a:spcBef>
+                <a:spcPts val="0"/>
+              </a:spcBef>
+              <a:spcAft>
+                <a:spcPts val="0"/>
+              </a:spcAft>
+              <a:buNone/>
+            </a:pPr>
+            <a:endParaRPr sz="1400" b="0" i="0" u="none" strike="noStrike" cap="none">
+              <a:solidFill>
+                <a:schemeClr val="lt1"/>
+              </a:solidFill>
+              <a:latin typeface="Arial"/>
+              <a:ea typeface="Arial"/>
+              <a:cs typeface="Arial"/>
+              <a:sym typeface="Arial"/>
+            </a:endParaRPr>
+          </a:p>
+        </p:txBody>
+      </p:sp>
+      <p:sp>
+        <p:nvSpPr>
+          <p:cNvPr id="157" name="Google Shape;157;p26"/>
+          <p:cNvSpPr/>
+          <p:nvPr/>
+        </p:nvSpPr>
+        <p:spPr>
+          <a:xfrm>
+            <a:off x="2915043" y="1191076"/>
+            <a:ext cx="530400" cy="302100"/>
+          </a:xfrm>
+          <a:prstGeom prst="snip2SameRect">
+            <a:avLst>
+              <a:gd name="adj1" fmla="val 16667"/>
+              <a:gd name="adj2" fmla="val 0"/>
+            </a:avLst>
+          </a:prstGeom>
+          <a:solidFill>
+            <a:schemeClr val="accent5"/>
+          </a:solidFill>
+          <a:ln w="19050" cap="flat" cmpd="sng">
+            <a:solidFill>
+              <a:schemeClr val="dk1"/>
+            </a:solidFill>
+            <a:prstDash val="solid"/>
+            <a:round/>
+            <a:headEnd type="none" w="sm" len="sm"/>
+            <a:tailEnd type="none" w="sm" len="sm"/>
+          </a:ln>
+        </p:spPr>
+        <p:txBody>
+          <a:bodyPr spcFirstLastPara="1" wrap="square" lIns="91425" tIns="45700" rIns="91425" bIns="45700" anchor="ctr" anchorCtr="0">
+            <a:noAutofit/>
+          </a:bodyPr>
+          <a:lstStyle/>
+          <a:p>
+            <a:pPr marL="0" marR="0" lvl="0" indent="0" algn="ctr" rtl="0">
+              <a:lnSpc>
+                <a:spcPct val="100000"/>
+              </a:lnSpc>
+              <a:spcBef>
+                <a:spcPts val="0"/>
+              </a:spcBef>
+              <a:spcAft>
+                <a:spcPts val="0"/>
+              </a:spcAft>
+              <a:buNone/>
+            </a:pPr>
+            <a:r>
+              <a:rPr lang="en" sz="1100" i="0" u="none" strike="noStrike" cap="none">
+                <a:solidFill>
+                  <a:schemeClr val="dk1"/>
+                </a:solidFill>
+                <a:latin typeface="Palatino Linotype"/>
+                <a:ea typeface="Palatino Linotype"/>
+                <a:cs typeface="Palatino Linotype"/>
+                <a:sym typeface="Palatino Linotype"/>
+              </a:rPr>
+              <a:t>VAL</a:t>
+            </a:r>
+            <a:endParaRPr>
+              <a:latin typeface="Palatino Linotype"/>
+              <a:ea typeface="Palatino Linotype"/>
+              <a:cs typeface="Palatino Linotype"/>
+              <a:sym typeface="Palatino Linotype"/>
+            </a:endParaRPr>
+          </a:p>
+        </p:txBody>
+      </p:sp>
+      <p:sp>
+        <p:nvSpPr>
+          <p:cNvPr id="158" name="Google Shape;158;p26"/>
+          <p:cNvSpPr/>
+          <p:nvPr/>
+        </p:nvSpPr>
+        <p:spPr>
+          <a:xfrm>
+            <a:off x="3527718" y="1191076"/>
+            <a:ext cx="530400" cy="302100"/>
+          </a:xfrm>
+          <a:prstGeom prst="snip2SameRect">
+            <a:avLst>
+              <a:gd name="adj1" fmla="val 16667"/>
+              <a:gd name="adj2" fmla="val 0"/>
+            </a:avLst>
+          </a:prstGeom>
+          <a:solidFill>
+            <a:schemeClr val="accent6"/>
+          </a:solidFill>
+          <a:ln w="19050" cap="flat" cmpd="sng">
+            <a:solidFill>
+              <a:schemeClr val="dk1"/>
+            </a:solidFill>
+            <a:prstDash val="solid"/>
+            <a:round/>
+            <a:headEnd type="none" w="sm" len="sm"/>
+            <a:tailEnd type="none" w="sm" len="sm"/>
+          </a:ln>
+        </p:spPr>
+        <p:txBody>
+          <a:bodyPr spcFirstLastPara="1" wrap="square" lIns="91425" tIns="45700" rIns="91425" bIns="45700" anchor="ctr" anchorCtr="0">
+            <a:noAutofit/>
+          </a:bodyPr>
+          <a:lstStyle/>
+          <a:p>
+            <a:pPr marL="0" marR="0" lvl="0" indent="0" algn="ctr" rtl="0">
+              <a:lnSpc>
+                <a:spcPct val="100000"/>
+              </a:lnSpc>
+              <a:spcBef>
+                <a:spcPts val="0"/>
+              </a:spcBef>
+              <a:spcAft>
+                <a:spcPts val="0"/>
+              </a:spcAft>
+              <a:buNone/>
+            </a:pPr>
+            <a:r>
+              <a:rPr lang="en" sz="700" i="0" u="none" strike="noStrike" cap="none">
+                <a:solidFill>
+                  <a:schemeClr val="dk1"/>
+                </a:solidFill>
+                <a:latin typeface="Palatino Linotype"/>
+                <a:ea typeface="Palatino Linotype"/>
+                <a:cs typeface="Palatino Linotype"/>
+                <a:sym typeface="Palatino Linotype"/>
+              </a:rPr>
+              <a:t>Entity 1</a:t>
+            </a:r>
+            <a:endParaRPr sz="1300">
+              <a:latin typeface="Palatino Linotype"/>
+              <a:ea typeface="Palatino Linotype"/>
+              <a:cs typeface="Palatino Linotype"/>
+              <a:sym typeface="Palatino Linotype"/>
+            </a:endParaRPr>
+          </a:p>
+        </p:txBody>
+      </p:sp>
+      <p:sp>
+        <p:nvSpPr>
+          <p:cNvPr id="159" name="Google Shape;159;p26"/>
+          <p:cNvSpPr/>
+          <p:nvPr/>
+        </p:nvSpPr>
+        <p:spPr>
+          <a:xfrm>
+            <a:off x="1724956" y="1191076"/>
+            <a:ext cx="530400" cy="302100"/>
+          </a:xfrm>
+          <a:prstGeom prst="snip2SameRect">
+            <a:avLst>
+              <a:gd name="adj1" fmla="val 16667"/>
+              <a:gd name="adj2" fmla="val 0"/>
+            </a:avLst>
+          </a:prstGeom>
+          <a:solidFill>
+            <a:schemeClr val="accent5"/>
+          </a:solidFill>
+          <a:ln w="19050" cap="flat" cmpd="sng">
+            <a:solidFill>
+              <a:schemeClr val="dk1"/>
+            </a:solidFill>
+            <a:prstDash val="solid"/>
+            <a:round/>
+            <a:headEnd type="none" w="sm" len="sm"/>
+            <a:tailEnd type="none" w="sm" len="sm"/>
+          </a:ln>
+        </p:spPr>
+        <p:txBody>
+          <a:bodyPr spcFirstLastPara="1" wrap="square" lIns="91425" tIns="45700" rIns="91425" bIns="45700" anchor="ctr" anchorCtr="0">
+            <a:noAutofit/>
+          </a:bodyPr>
+          <a:lstStyle/>
+          <a:p>
+            <a:pPr marL="0" marR="0" lvl="0" indent="0" algn="ctr" rtl="0">
+              <a:lnSpc>
+                <a:spcPct val="100000"/>
+              </a:lnSpc>
+              <a:spcBef>
+                <a:spcPts val="0"/>
+              </a:spcBef>
+              <a:spcAft>
+                <a:spcPts val="0"/>
+              </a:spcAft>
+              <a:buNone/>
+            </a:pPr>
+            <a:r>
+              <a:rPr lang="en" sz="600" i="0" u="none" strike="noStrike" cap="none">
+                <a:solidFill>
+                  <a:schemeClr val="dk1"/>
+                </a:solidFill>
+                <a:latin typeface="Palatino Linotype"/>
+                <a:ea typeface="Palatino Linotype"/>
+                <a:cs typeface="Palatino Linotype"/>
+                <a:sym typeface="Palatino Linotype"/>
+              </a:rPr>
+              <a:t>Column name 1</a:t>
+            </a:r>
+            <a:endParaRPr sz="1200">
+              <a:latin typeface="Palatino Linotype"/>
+              <a:ea typeface="Palatino Linotype"/>
+              <a:cs typeface="Palatino Linotype"/>
+              <a:sym typeface="Palatino Linotype"/>
+            </a:endParaRPr>
+          </a:p>
+        </p:txBody>
+      </p:sp>
+      <p:sp>
+        <p:nvSpPr>
+          <p:cNvPr id="160" name="Google Shape;160;p26"/>
+          <p:cNvSpPr/>
+          <p:nvPr/>
+        </p:nvSpPr>
+        <p:spPr>
+          <a:xfrm>
+            <a:off x="4140393" y="1534344"/>
+            <a:ext cx="530400" cy="302100"/>
+          </a:xfrm>
+          <a:prstGeom prst="snip2SameRect">
+            <a:avLst>
+              <a:gd name="adj1" fmla="val 16667"/>
+              <a:gd name="adj2" fmla="val 0"/>
+            </a:avLst>
+          </a:prstGeom>
+          <a:solidFill>
+            <a:schemeClr val="accent6"/>
+          </a:solidFill>
+          <a:ln w="19050" cap="flat" cmpd="sng">
+            <a:solidFill>
+              <a:schemeClr val="dk1"/>
+            </a:solidFill>
+            <a:prstDash val="solid"/>
+            <a:round/>
+            <a:headEnd type="none" w="sm" len="sm"/>
+            <a:tailEnd type="none" w="sm" len="sm"/>
+          </a:ln>
+        </p:spPr>
+        <p:txBody>
+          <a:bodyPr spcFirstLastPara="1" wrap="square" lIns="91425" tIns="45700" rIns="91425" bIns="45700" anchor="ctr" anchorCtr="0">
+            <a:noAutofit/>
+          </a:bodyPr>
+          <a:lstStyle/>
+          <a:p>
+            <a:pPr marL="0" marR="0" lvl="0" indent="0" algn="ctr" rtl="0">
+              <a:lnSpc>
+                <a:spcPct val="100000"/>
+              </a:lnSpc>
+              <a:spcBef>
+                <a:spcPts val="0"/>
+              </a:spcBef>
+              <a:spcAft>
+                <a:spcPts val="0"/>
+              </a:spcAft>
+              <a:buNone/>
+            </a:pPr>
+            <a:r>
+              <a:rPr lang="en" sz="700" i="0" u="none" strike="noStrike" cap="none">
+                <a:solidFill>
+                  <a:schemeClr val="dk1"/>
+                </a:solidFill>
+                <a:latin typeface="Palatino Linotype"/>
+                <a:ea typeface="Palatino Linotype"/>
+                <a:cs typeface="Palatino Linotype"/>
+                <a:sym typeface="Palatino Linotype"/>
+              </a:rPr>
+              <a:t>Text Span 1</a:t>
+            </a:r>
+            <a:endParaRPr sz="1300">
+              <a:latin typeface="Palatino Linotype"/>
+              <a:ea typeface="Palatino Linotype"/>
+              <a:cs typeface="Palatino Linotype"/>
+              <a:sym typeface="Palatino Linotype"/>
+            </a:endParaRPr>
+          </a:p>
+        </p:txBody>
+      </p:sp>
+      <p:sp>
+        <p:nvSpPr>
+          <p:cNvPr id="161" name="Google Shape;161;p26"/>
+          <p:cNvSpPr/>
+          <p:nvPr/>
+        </p:nvSpPr>
+        <p:spPr>
+          <a:xfrm>
+            <a:off x="4753068" y="1191076"/>
+            <a:ext cx="530400" cy="302100"/>
+          </a:xfrm>
+          <a:prstGeom prst="snip2SameRect">
+            <a:avLst>
+              <a:gd name="adj1" fmla="val 16667"/>
+              <a:gd name="adj2" fmla="val 0"/>
+            </a:avLst>
+          </a:prstGeom>
+          <a:solidFill>
+            <a:schemeClr val="accent6"/>
+          </a:solidFill>
+          <a:ln w="19050" cap="flat" cmpd="sng">
+            <a:solidFill>
+              <a:schemeClr val="dk1"/>
+            </a:solidFill>
+            <a:prstDash val="solid"/>
+            <a:round/>
+            <a:headEnd type="none" w="sm" len="sm"/>
+            <a:tailEnd type="none" w="sm" len="sm"/>
+          </a:ln>
+        </p:spPr>
+        <p:txBody>
+          <a:bodyPr spcFirstLastPara="1" wrap="square" lIns="91425" tIns="45700" rIns="91425" bIns="45700" anchor="ctr" anchorCtr="0">
+            <a:noAutofit/>
+          </a:bodyPr>
+          <a:lstStyle/>
+          <a:p>
+            <a:pPr marL="0" marR="0" lvl="0" indent="0" algn="ctr" rtl="0">
+              <a:lnSpc>
+                <a:spcPct val="100000"/>
+              </a:lnSpc>
+              <a:spcBef>
+                <a:spcPts val="0"/>
+              </a:spcBef>
+              <a:spcAft>
+                <a:spcPts val="0"/>
+              </a:spcAft>
+              <a:buNone/>
+            </a:pPr>
+            <a:r>
+              <a:rPr lang="en" sz="700" i="0" u="none" strike="noStrike" cap="none">
+                <a:solidFill>
+                  <a:schemeClr val="dk1"/>
+                </a:solidFill>
+                <a:latin typeface="Palatino Linotype"/>
+                <a:ea typeface="Palatino Linotype"/>
+                <a:cs typeface="Palatino Linotype"/>
+                <a:sym typeface="Palatino Linotype"/>
+              </a:rPr>
+              <a:t>Entity 2</a:t>
+            </a:r>
+            <a:endParaRPr sz="1300">
+              <a:latin typeface="Palatino Linotype"/>
+              <a:ea typeface="Palatino Linotype"/>
+              <a:cs typeface="Palatino Linotype"/>
+              <a:sym typeface="Palatino Linotype"/>
+            </a:endParaRPr>
+          </a:p>
+        </p:txBody>
+      </p:sp>
+      <p:sp>
+        <p:nvSpPr>
+          <p:cNvPr id="162" name="Google Shape;162;p26"/>
+          <p:cNvSpPr/>
+          <p:nvPr/>
+        </p:nvSpPr>
+        <p:spPr>
+          <a:xfrm>
+            <a:off x="5365756" y="1534344"/>
+            <a:ext cx="530400" cy="302100"/>
+          </a:xfrm>
+          <a:prstGeom prst="snip2SameRect">
+            <a:avLst>
+              <a:gd name="adj1" fmla="val 16667"/>
+              <a:gd name="adj2" fmla="val 0"/>
+            </a:avLst>
+          </a:prstGeom>
+          <a:solidFill>
+            <a:schemeClr val="accent6"/>
+          </a:solidFill>
+          <a:ln w="19050" cap="flat" cmpd="sng">
+            <a:solidFill>
+              <a:schemeClr val="dk1"/>
+            </a:solidFill>
+            <a:prstDash val="solid"/>
+            <a:round/>
+            <a:headEnd type="none" w="sm" len="sm"/>
+            <a:tailEnd type="none" w="sm" len="sm"/>
+          </a:ln>
+        </p:spPr>
+        <p:txBody>
+          <a:bodyPr spcFirstLastPara="1" wrap="square" lIns="91425" tIns="45700" rIns="91425" bIns="45700" anchor="ctr" anchorCtr="0">
+            <a:noAutofit/>
+          </a:bodyPr>
+          <a:lstStyle/>
+          <a:p>
+            <a:pPr marL="0" marR="0" lvl="0" indent="0" algn="ctr" rtl="0">
+              <a:lnSpc>
+                <a:spcPct val="100000"/>
+              </a:lnSpc>
+              <a:spcBef>
+                <a:spcPts val="0"/>
+              </a:spcBef>
+              <a:spcAft>
+                <a:spcPts val="0"/>
+              </a:spcAft>
+              <a:buNone/>
+            </a:pPr>
+            <a:r>
+              <a:rPr lang="en" sz="700" i="0" u="none" strike="noStrike" cap="none">
+                <a:solidFill>
+                  <a:schemeClr val="dk1"/>
+                </a:solidFill>
+                <a:latin typeface="Palatino Linotype"/>
+                <a:ea typeface="Palatino Linotype"/>
+                <a:cs typeface="Palatino Linotype"/>
+                <a:sym typeface="Palatino Linotype"/>
+              </a:rPr>
+              <a:t>Text Span 2</a:t>
+            </a:r>
+            <a:endParaRPr sz="1300">
+              <a:latin typeface="Palatino Linotype"/>
+              <a:ea typeface="Palatino Linotype"/>
+              <a:cs typeface="Palatino Linotype"/>
+              <a:sym typeface="Palatino Linotype"/>
+            </a:endParaRPr>
+          </a:p>
+        </p:txBody>
+      </p:sp>
+      <p:sp>
+        <p:nvSpPr>
+          <p:cNvPr id="163" name="Google Shape;163;p26"/>
+          <p:cNvSpPr/>
+          <p:nvPr/>
+        </p:nvSpPr>
+        <p:spPr>
+          <a:xfrm>
+            <a:off x="5978418" y="1191076"/>
+            <a:ext cx="530400" cy="302100"/>
+          </a:xfrm>
+          <a:prstGeom prst="snip2SameRect">
+            <a:avLst>
+              <a:gd name="adj1" fmla="val 16667"/>
+              <a:gd name="adj2" fmla="val 0"/>
+            </a:avLst>
+          </a:prstGeom>
+          <a:solidFill>
+            <a:schemeClr val="accent5"/>
+          </a:solidFill>
+          <a:ln w="19050" cap="flat" cmpd="sng">
+            <a:solidFill>
+              <a:schemeClr val="dk1"/>
+            </a:solidFill>
+            <a:prstDash val="solid"/>
+            <a:round/>
+            <a:headEnd type="none" w="sm" len="sm"/>
+            <a:tailEnd type="none" w="sm" len="sm"/>
+          </a:ln>
+        </p:spPr>
+        <p:txBody>
+          <a:bodyPr spcFirstLastPara="1" wrap="square" lIns="91425" tIns="45700" rIns="91425" bIns="45700" anchor="ctr" anchorCtr="0">
+            <a:noAutofit/>
+          </a:bodyPr>
+          <a:lstStyle/>
+          <a:p>
+            <a:pPr marL="0" marR="0" lvl="0" indent="0" algn="ctr" rtl="0">
+              <a:lnSpc>
+                <a:spcPct val="100000"/>
+              </a:lnSpc>
+              <a:spcBef>
+                <a:spcPts val="0"/>
+              </a:spcBef>
+              <a:spcAft>
+                <a:spcPts val="0"/>
+              </a:spcAft>
+              <a:buNone/>
+            </a:pPr>
+            <a:r>
+              <a:rPr lang="en" sz="1100" i="0" u="none" strike="noStrike" cap="none">
+                <a:solidFill>
+                  <a:schemeClr val="dk1"/>
+                </a:solidFill>
+                <a:latin typeface="Palatino Linotype"/>
+                <a:ea typeface="Palatino Linotype"/>
+                <a:cs typeface="Palatino Linotype"/>
+                <a:sym typeface="Palatino Linotype"/>
+              </a:rPr>
+              <a:t>COL</a:t>
+            </a:r>
+            <a:endParaRPr>
+              <a:latin typeface="Palatino Linotype"/>
+              <a:ea typeface="Palatino Linotype"/>
+              <a:cs typeface="Palatino Linotype"/>
+              <a:sym typeface="Palatino Linotype"/>
+            </a:endParaRPr>
+          </a:p>
+        </p:txBody>
+      </p:sp>
+      <p:sp>
+        <p:nvSpPr>
+          <p:cNvPr id="164" name="Google Shape;164;p26"/>
+          <p:cNvSpPr/>
+          <p:nvPr/>
+        </p:nvSpPr>
+        <p:spPr>
+          <a:xfrm>
+            <a:off x="2311793" y="1534344"/>
+            <a:ext cx="530400" cy="302100"/>
+          </a:xfrm>
+          <a:prstGeom prst="snip2SameRect">
+            <a:avLst>
+              <a:gd name="adj1" fmla="val 16667"/>
+              <a:gd name="adj2" fmla="val 0"/>
+            </a:avLst>
+          </a:prstGeom>
+          <a:solidFill>
+            <a:schemeClr val="accent2"/>
+          </a:solidFill>
+          <a:ln w="19050" cap="flat" cmpd="sng">
+            <a:solidFill>
+              <a:schemeClr val="dk1"/>
+            </a:solidFill>
+            <a:prstDash val="solid"/>
+            <a:round/>
+            <a:headEnd type="none" w="sm" len="sm"/>
+            <a:tailEnd type="none" w="sm" len="sm"/>
+          </a:ln>
+        </p:spPr>
+        <p:txBody>
+          <a:bodyPr spcFirstLastPara="1" wrap="square" lIns="91425" tIns="45700" rIns="91425" bIns="45700" anchor="ctr" anchorCtr="0">
+            <a:noAutofit/>
+          </a:bodyPr>
+          <a:lstStyle/>
+          <a:p>
+            <a:pPr marL="0" marR="0" lvl="0" indent="0" algn="ctr" rtl="0">
+              <a:lnSpc>
+                <a:spcPct val="100000"/>
+              </a:lnSpc>
+              <a:spcBef>
+                <a:spcPts val="0"/>
+              </a:spcBef>
+              <a:spcAft>
+                <a:spcPts val="0"/>
+              </a:spcAft>
+              <a:buNone/>
+            </a:pPr>
+            <a:r>
+              <a:rPr lang="en" sz="600" i="0" u="none" strike="noStrike" cap="none">
+                <a:solidFill>
+                  <a:schemeClr val="dk1"/>
+                </a:solidFill>
+                <a:latin typeface="Palatino Linotype"/>
+                <a:ea typeface="Palatino Linotype"/>
+                <a:cs typeface="Palatino Linotype"/>
+                <a:sym typeface="Palatino Linotype"/>
+              </a:rPr>
+              <a:t>Column type </a:t>
+            </a:r>
+            <a:r>
+              <a:rPr lang="en" sz="600">
+                <a:solidFill>
+                  <a:schemeClr val="dk1"/>
+                </a:solidFill>
+                <a:latin typeface="Palatino Linotype"/>
+                <a:ea typeface="Palatino Linotype"/>
+                <a:cs typeface="Palatino Linotype"/>
+                <a:sym typeface="Palatino Linotype"/>
+              </a:rPr>
+              <a:t>1</a:t>
+            </a:r>
+            <a:endParaRPr sz="1200">
+              <a:latin typeface="Palatino Linotype"/>
+              <a:ea typeface="Palatino Linotype"/>
+              <a:cs typeface="Palatino Linotype"/>
+              <a:sym typeface="Palatino Linotype"/>
+            </a:endParaRPr>
+          </a:p>
+        </p:txBody>
+      </p:sp>
+      <p:sp>
+        <p:nvSpPr>
+          <p:cNvPr id="165" name="Google Shape;165;p26"/>
+          <p:cNvSpPr/>
+          <p:nvPr/>
+        </p:nvSpPr>
+        <p:spPr>
+          <a:xfrm>
+            <a:off x="1107904" y="1191076"/>
+            <a:ext cx="530400" cy="302100"/>
+          </a:xfrm>
+          <a:prstGeom prst="snip2SameRect">
+            <a:avLst>
+              <a:gd name="adj1" fmla="val 16667"/>
+              <a:gd name="adj2" fmla="val 0"/>
+            </a:avLst>
+          </a:prstGeom>
+          <a:solidFill>
+            <a:schemeClr val="accent5"/>
+          </a:solidFill>
+          <a:ln w="19050" cap="flat" cmpd="sng">
+            <a:solidFill>
+              <a:schemeClr val="dk1"/>
+            </a:solidFill>
+            <a:prstDash val="solid"/>
+            <a:round/>
+            <a:headEnd type="none" w="sm" len="sm"/>
+            <a:tailEnd type="none" w="sm" len="sm"/>
+          </a:ln>
+        </p:spPr>
+        <p:txBody>
+          <a:bodyPr spcFirstLastPara="1" wrap="square" lIns="91425" tIns="45700" rIns="91425" bIns="45700" anchor="ctr" anchorCtr="0">
+            <a:noAutofit/>
+          </a:bodyPr>
+          <a:lstStyle/>
+          <a:p>
+            <a:pPr marL="0" marR="0" lvl="0" indent="0" algn="ctr" rtl="0">
+              <a:lnSpc>
+                <a:spcPct val="100000"/>
+              </a:lnSpc>
+              <a:spcBef>
+                <a:spcPts val="0"/>
+              </a:spcBef>
+              <a:spcAft>
+                <a:spcPts val="0"/>
+              </a:spcAft>
+              <a:buNone/>
+            </a:pPr>
+            <a:r>
+              <a:rPr lang="en" sz="1100" i="0" u="none" strike="noStrike" cap="none">
+                <a:solidFill>
+                  <a:schemeClr val="dk1"/>
+                </a:solidFill>
+                <a:latin typeface="Palatino Linotype"/>
+                <a:ea typeface="Palatino Linotype"/>
+                <a:cs typeface="Palatino Linotype"/>
+                <a:sym typeface="Palatino Linotype"/>
+              </a:rPr>
+              <a:t>COL</a:t>
+            </a:r>
+            <a:endParaRPr>
+              <a:latin typeface="Palatino Linotype"/>
+              <a:ea typeface="Palatino Linotype"/>
+              <a:cs typeface="Palatino Linotype"/>
+              <a:sym typeface="Palatino Linotype"/>
+            </a:endParaRPr>
+          </a:p>
+        </p:txBody>
+      </p:sp>
+      <p:sp>
+        <p:nvSpPr>
+          <p:cNvPr id="166" name="Google Shape;166;p26"/>
+          <p:cNvSpPr/>
+          <p:nvPr/>
+        </p:nvSpPr>
+        <p:spPr>
+          <a:xfrm>
+            <a:off x="1076688" y="891981"/>
+            <a:ext cx="530400" cy="228600"/>
+          </a:xfrm>
+          <a:prstGeom prst="rect">
+            <a:avLst/>
+          </a:prstGeom>
+          <a:solidFill>
+            <a:srgbClr val="FFE599"/>
+          </a:solidFill>
+          <a:ln w="9525" cap="flat" cmpd="sng">
+            <a:solidFill>
+              <a:schemeClr val="dk2"/>
+            </a:solidFill>
+            <a:prstDash val="solid"/>
+            <a:round/>
+            <a:headEnd type="none" w="sm" len="sm"/>
+            <a:tailEnd type="none" w="sm" len="sm"/>
+          </a:ln>
+        </p:spPr>
+        <p:txBody>
+          <a:bodyPr spcFirstLastPara="1" wrap="square" lIns="91425" tIns="91425" rIns="91425" bIns="91425" anchor="ctr" anchorCtr="0">
+            <a:noAutofit/>
+          </a:bodyPr>
+          <a:lstStyle/>
+          <a:p>
+            <a:pPr marL="0" lvl="0" indent="0" algn="ctr" rtl="0">
+              <a:spcBef>
+                <a:spcPts val="0"/>
+              </a:spcBef>
+              <a:spcAft>
+                <a:spcPts val="0"/>
+              </a:spcAft>
+              <a:buNone/>
+            </a:pPr>
+            <a:r>
+              <a:rPr lang="en" sz="1000">
+                <a:latin typeface="Palatino Linotype"/>
+                <a:ea typeface="Palatino Linotype"/>
+                <a:cs typeface="Palatino Linotype"/>
+                <a:sym typeface="Palatino Linotype"/>
+              </a:rPr>
+              <a:t>E1</a:t>
+            </a:r>
+            <a:endParaRPr sz="1000">
+              <a:latin typeface="Palatino Linotype"/>
+              <a:ea typeface="Palatino Linotype"/>
+              <a:cs typeface="Palatino Linotype"/>
+              <a:sym typeface="Palatino Linotype"/>
+            </a:endParaRPr>
+          </a:p>
+        </p:txBody>
+      </p:sp>
+      <p:sp>
+        <p:nvSpPr>
+          <p:cNvPr id="167" name="Google Shape;167;p26"/>
+          <p:cNvSpPr txBox="1"/>
+          <p:nvPr/>
+        </p:nvSpPr>
+        <p:spPr>
+          <a:xfrm>
+            <a:off x="294888" y="790606"/>
+            <a:ext cx="890100" cy="431100"/>
+          </a:xfrm>
+          <a:prstGeom prst="rect">
+            <a:avLst/>
+          </a:prstGeom>
+          <a:noFill/>
+          <a:ln>
+            <a:noFill/>
+          </a:ln>
+        </p:spPr>
+        <p:txBody>
+          <a:bodyPr spcFirstLastPara="1" wrap="square" lIns="91425" tIns="91425" rIns="91425" bIns="91425" anchor="t" anchorCtr="0">
+            <a:spAutoFit/>
+          </a:bodyPr>
+          <a:lstStyle/>
+          <a:p>
+            <a:pPr marL="0" lvl="0" indent="0" algn="ctr" rtl="0">
+              <a:spcBef>
+                <a:spcPts val="0"/>
+              </a:spcBef>
+              <a:spcAft>
+                <a:spcPts val="0"/>
+              </a:spcAft>
+              <a:buNone/>
+            </a:pPr>
+            <a:r>
+              <a:rPr lang="en" sz="800" b="1">
+                <a:latin typeface="Palatino Linotype"/>
+                <a:ea typeface="Palatino Linotype"/>
+                <a:cs typeface="Palatino Linotype"/>
+                <a:sym typeface="Palatino Linotype"/>
+              </a:rPr>
+              <a:t>Position Embedding</a:t>
+            </a:r>
+            <a:endParaRPr sz="800" b="1">
+              <a:latin typeface="Palatino Linotype"/>
+              <a:ea typeface="Palatino Linotype"/>
+              <a:cs typeface="Palatino Linotype"/>
+              <a:sym typeface="Palatino Linotype"/>
+            </a:endParaRPr>
+          </a:p>
+        </p:txBody>
+      </p:sp>
+      <p:sp>
+        <p:nvSpPr>
+          <p:cNvPr id="168" name="Google Shape;168;p26"/>
+          <p:cNvSpPr/>
+          <p:nvPr/>
+        </p:nvSpPr>
+        <p:spPr>
+          <a:xfrm>
+            <a:off x="1695813" y="891981"/>
+            <a:ext cx="530400" cy="228600"/>
+          </a:xfrm>
+          <a:prstGeom prst="rect">
+            <a:avLst/>
+          </a:prstGeom>
+          <a:solidFill>
+            <a:srgbClr val="FFE599"/>
+          </a:solidFill>
+          <a:ln w="9525" cap="flat" cmpd="sng">
+            <a:solidFill>
+              <a:schemeClr val="dk2"/>
+            </a:solidFill>
+            <a:prstDash val="solid"/>
+            <a:round/>
+            <a:headEnd type="none" w="sm" len="sm"/>
+            <a:tailEnd type="none" w="sm" len="sm"/>
+          </a:ln>
+        </p:spPr>
+        <p:txBody>
+          <a:bodyPr spcFirstLastPara="1" wrap="square" lIns="91425" tIns="91425" rIns="91425" bIns="91425" anchor="ctr" anchorCtr="0">
+            <a:noAutofit/>
+          </a:bodyPr>
+          <a:lstStyle/>
+          <a:p>
+            <a:pPr marL="0" lvl="0" indent="0" algn="ctr" rtl="0">
+              <a:spcBef>
+                <a:spcPts val="0"/>
+              </a:spcBef>
+              <a:spcAft>
+                <a:spcPts val="0"/>
+              </a:spcAft>
+              <a:buNone/>
+            </a:pPr>
+            <a:r>
+              <a:rPr lang="en" sz="1000">
+                <a:latin typeface="Palatino Linotype"/>
+                <a:ea typeface="Palatino Linotype"/>
+                <a:cs typeface="Palatino Linotype"/>
+                <a:sym typeface="Palatino Linotype"/>
+              </a:rPr>
+              <a:t>E2</a:t>
+            </a:r>
+            <a:endParaRPr sz="1000">
+              <a:latin typeface="Palatino Linotype"/>
+              <a:ea typeface="Palatino Linotype"/>
+              <a:cs typeface="Palatino Linotype"/>
+              <a:sym typeface="Palatino Linotype"/>
+            </a:endParaRPr>
+          </a:p>
+        </p:txBody>
+      </p:sp>
+      <p:sp>
+        <p:nvSpPr>
+          <p:cNvPr id="169" name="Google Shape;169;p26"/>
+          <p:cNvSpPr/>
+          <p:nvPr/>
+        </p:nvSpPr>
+        <p:spPr>
+          <a:xfrm>
+            <a:off x="2314951" y="891981"/>
+            <a:ext cx="530400" cy="228600"/>
+          </a:xfrm>
+          <a:prstGeom prst="rect">
+            <a:avLst/>
+          </a:prstGeom>
+          <a:solidFill>
+            <a:srgbClr val="F5EDC1"/>
+          </a:solidFill>
+          <a:ln w="9525" cap="flat" cmpd="sng">
+            <a:solidFill>
+              <a:schemeClr val="dk2"/>
+            </a:solidFill>
+            <a:prstDash val="solid"/>
+            <a:round/>
+            <a:headEnd type="none" w="sm" len="sm"/>
+            <a:tailEnd type="none" w="sm" len="sm"/>
+          </a:ln>
+        </p:spPr>
+        <p:txBody>
+          <a:bodyPr spcFirstLastPara="1" wrap="square" lIns="91425" tIns="91425" rIns="91425" bIns="91425" anchor="ctr" anchorCtr="0">
+            <a:noAutofit/>
+          </a:bodyPr>
+          <a:lstStyle/>
+          <a:p>
+            <a:pPr marL="0" lvl="0" indent="0" algn="ctr" rtl="0">
+              <a:spcBef>
+                <a:spcPts val="0"/>
+              </a:spcBef>
+              <a:spcAft>
+                <a:spcPts val="0"/>
+              </a:spcAft>
+              <a:buNone/>
+            </a:pPr>
+            <a:r>
+              <a:rPr lang="en" sz="1000">
+                <a:latin typeface="Palatino Linotype"/>
+                <a:ea typeface="Palatino Linotype"/>
+                <a:cs typeface="Palatino Linotype"/>
+                <a:sym typeface="Palatino Linotype"/>
+              </a:rPr>
+              <a:t>E3</a:t>
+            </a:r>
+            <a:endParaRPr sz="1000">
+              <a:latin typeface="Palatino Linotype"/>
+              <a:ea typeface="Palatino Linotype"/>
+              <a:cs typeface="Palatino Linotype"/>
+              <a:sym typeface="Palatino Linotype"/>
+            </a:endParaRPr>
+          </a:p>
+        </p:txBody>
+      </p:sp>
+      <p:sp>
+        <p:nvSpPr>
+          <p:cNvPr id="170" name="Google Shape;170;p26"/>
+          <p:cNvSpPr/>
+          <p:nvPr/>
+        </p:nvSpPr>
+        <p:spPr>
+          <a:xfrm>
+            <a:off x="2913850" y="891981"/>
+            <a:ext cx="530400" cy="228600"/>
+          </a:xfrm>
+          <a:prstGeom prst="rect">
+            <a:avLst/>
+          </a:prstGeom>
+          <a:solidFill>
+            <a:srgbClr val="FFE599"/>
+          </a:solidFill>
+          <a:ln w="9525" cap="flat" cmpd="sng">
+            <a:solidFill>
+              <a:schemeClr val="dk2"/>
+            </a:solidFill>
+            <a:prstDash val="solid"/>
+            <a:round/>
+            <a:headEnd type="none" w="sm" len="sm"/>
+            <a:tailEnd type="none" w="sm" len="sm"/>
+          </a:ln>
+        </p:spPr>
+        <p:txBody>
+          <a:bodyPr spcFirstLastPara="1" wrap="square" lIns="91425" tIns="91425" rIns="91425" bIns="91425" anchor="ctr" anchorCtr="0">
+            <a:noAutofit/>
+          </a:bodyPr>
+          <a:lstStyle/>
+          <a:p>
+            <a:pPr marL="0" lvl="0" indent="0" algn="ctr" rtl="0">
+              <a:spcBef>
+                <a:spcPts val="0"/>
+              </a:spcBef>
+              <a:spcAft>
+                <a:spcPts val="0"/>
+              </a:spcAft>
+              <a:buNone/>
+            </a:pPr>
+            <a:r>
+              <a:rPr lang="en" sz="1000">
+                <a:latin typeface="Palatino Linotype"/>
+                <a:ea typeface="Palatino Linotype"/>
+                <a:cs typeface="Palatino Linotype"/>
+                <a:sym typeface="Palatino Linotype"/>
+              </a:rPr>
+              <a:t>E3</a:t>
+            </a:r>
+            <a:endParaRPr sz="1000">
+              <a:latin typeface="Palatino Linotype"/>
+              <a:ea typeface="Palatino Linotype"/>
+              <a:cs typeface="Palatino Linotype"/>
+              <a:sym typeface="Palatino Linotype"/>
+            </a:endParaRPr>
+          </a:p>
+        </p:txBody>
+      </p:sp>
+      <p:sp>
+        <p:nvSpPr>
+          <p:cNvPr id="171" name="Google Shape;171;p26"/>
+          <p:cNvSpPr/>
+          <p:nvPr/>
+        </p:nvSpPr>
+        <p:spPr>
+          <a:xfrm>
+            <a:off x="3512751" y="891981"/>
+            <a:ext cx="530400" cy="228600"/>
+          </a:xfrm>
+          <a:prstGeom prst="rect">
+            <a:avLst/>
+          </a:prstGeom>
+          <a:solidFill>
+            <a:srgbClr val="FFE599"/>
+          </a:solidFill>
+          <a:ln w="9525" cap="flat" cmpd="sng">
+            <a:solidFill>
+              <a:schemeClr val="dk2"/>
+            </a:solidFill>
+            <a:prstDash val="solid"/>
+            <a:round/>
+            <a:headEnd type="none" w="sm" len="sm"/>
+            <a:tailEnd type="none" w="sm" len="sm"/>
+          </a:ln>
+        </p:spPr>
+        <p:txBody>
+          <a:bodyPr spcFirstLastPara="1" wrap="square" lIns="91425" tIns="91425" rIns="91425" bIns="91425" anchor="ctr" anchorCtr="0">
+            <a:noAutofit/>
+          </a:bodyPr>
+          <a:lstStyle/>
+          <a:p>
+            <a:pPr marL="0" lvl="0" indent="0" algn="ctr" rtl="0">
+              <a:spcBef>
+                <a:spcPts val="0"/>
+              </a:spcBef>
+              <a:spcAft>
+                <a:spcPts val="0"/>
+              </a:spcAft>
+              <a:buNone/>
+            </a:pPr>
+            <a:r>
+              <a:rPr lang="en" sz="1000">
+                <a:latin typeface="Palatino Linotype"/>
+                <a:ea typeface="Palatino Linotype"/>
+                <a:cs typeface="Palatino Linotype"/>
+                <a:sym typeface="Palatino Linotype"/>
+              </a:rPr>
+              <a:t>E4</a:t>
+            </a:r>
+            <a:endParaRPr sz="1000">
+              <a:latin typeface="Palatino Linotype"/>
+              <a:ea typeface="Palatino Linotype"/>
+              <a:cs typeface="Palatino Linotype"/>
+              <a:sym typeface="Palatino Linotype"/>
+            </a:endParaRPr>
+          </a:p>
+        </p:txBody>
+      </p:sp>
+      <p:sp>
+        <p:nvSpPr>
+          <p:cNvPr id="172" name="Google Shape;172;p26"/>
+          <p:cNvSpPr/>
+          <p:nvPr/>
+        </p:nvSpPr>
+        <p:spPr>
+          <a:xfrm>
+            <a:off x="4111650" y="891981"/>
+            <a:ext cx="530400" cy="228600"/>
+          </a:xfrm>
+          <a:prstGeom prst="rect">
+            <a:avLst/>
+          </a:prstGeom>
+          <a:solidFill>
+            <a:srgbClr val="F5EDC1"/>
+          </a:solidFill>
+          <a:ln w="9525" cap="flat" cmpd="sng">
+            <a:solidFill>
+              <a:schemeClr val="dk2"/>
+            </a:solidFill>
+            <a:prstDash val="solid"/>
+            <a:round/>
+            <a:headEnd type="none" w="sm" len="sm"/>
+            <a:tailEnd type="none" w="sm" len="sm"/>
+          </a:ln>
+        </p:spPr>
+        <p:txBody>
+          <a:bodyPr spcFirstLastPara="1" wrap="square" lIns="91425" tIns="91425" rIns="91425" bIns="91425" anchor="ctr" anchorCtr="0">
+            <a:noAutofit/>
+          </a:bodyPr>
+          <a:lstStyle/>
+          <a:p>
+            <a:pPr marL="0" lvl="0" indent="0" algn="ctr" rtl="0">
+              <a:spcBef>
+                <a:spcPts val="0"/>
+              </a:spcBef>
+              <a:spcAft>
+                <a:spcPts val="0"/>
+              </a:spcAft>
+              <a:buNone/>
+            </a:pPr>
+            <a:r>
+              <a:rPr lang="en" sz="1000">
+                <a:latin typeface="Palatino Linotype"/>
+                <a:ea typeface="Palatino Linotype"/>
+                <a:cs typeface="Palatino Linotype"/>
+                <a:sym typeface="Palatino Linotype"/>
+              </a:rPr>
+              <a:t>E5</a:t>
+            </a:r>
+            <a:endParaRPr sz="1000">
+              <a:latin typeface="Palatino Linotype"/>
+              <a:ea typeface="Palatino Linotype"/>
+              <a:cs typeface="Palatino Linotype"/>
+              <a:sym typeface="Palatino Linotype"/>
+            </a:endParaRPr>
+          </a:p>
+        </p:txBody>
+      </p:sp>
+      <p:sp>
+        <p:nvSpPr>
+          <p:cNvPr id="173" name="Google Shape;173;p26"/>
+          <p:cNvSpPr/>
+          <p:nvPr/>
+        </p:nvSpPr>
+        <p:spPr>
+          <a:xfrm>
+            <a:off x="4710551" y="891981"/>
+            <a:ext cx="530400" cy="228600"/>
+          </a:xfrm>
+          <a:prstGeom prst="rect">
+            <a:avLst/>
+          </a:prstGeom>
+          <a:solidFill>
+            <a:srgbClr val="FFE599"/>
+          </a:solidFill>
+          <a:ln w="9525" cap="flat" cmpd="sng">
+            <a:solidFill>
+              <a:schemeClr val="dk2"/>
+            </a:solidFill>
+            <a:prstDash val="solid"/>
+            <a:round/>
+            <a:headEnd type="none" w="sm" len="sm"/>
+            <a:tailEnd type="none" w="sm" len="sm"/>
+          </a:ln>
+        </p:spPr>
+        <p:txBody>
+          <a:bodyPr spcFirstLastPara="1" wrap="square" lIns="91425" tIns="91425" rIns="91425" bIns="91425" anchor="ctr" anchorCtr="0">
+            <a:noAutofit/>
+          </a:bodyPr>
+          <a:lstStyle/>
+          <a:p>
+            <a:pPr marL="0" lvl="0" indent="0" algn="ctr" rtl="0">
+              <a:spcBef>
+                <a:spcPts val="0"/>
+              </a:spcBef>
+              <a:spcAft>
+                <a:spcPts val="0"/>
+              </a:spcAft>
+              <a:buNone/>
+            </a:pPr>
+            <a:r>
+              <a:rPr lang="en" sz="1000">
+                <a:latin typeface="Palatino Linotype"/>
+                <a:ea typeface="Palatino Linotype"/>
+                <a:cs typeface="Palatino Linotype"/>
+                <a:sym typeface="Palatino Linotype"/>
+              </a:rPr>
+              <a:t>E5</a:t>
+            </a:r>
+            <a:endParaRPr sz="1000">
+              <a:latin typeface="Palatino Linotype"/>
+              <a:ea typeface="Palatino Linotype"/>
+              <a:cs typeface="Palatino Linotype"/>
+              <a:sym typeface="Palatino Linotype"/>
+            </a:endParaRPr>
+          </a:p>
+        </p:txBody>
+      </p:sp>
+      <p:sp>
+        <p:nvSpPr>
+          <p:cNvPr id="174" name="Google Shape;174;p26"/>
+          <p:cNvSpPr/>
+          <p:nvPr/>
+        </p:nvSpPr>
+        <p:spPr>
+          <a:xfrm>
+            <a:off x="5349901" y="891981"/>
+            <a:ext cx="530400" cy="228600"/>
+          </a:xfrm>
+          <a:prstGeom prst="rect">
+            <a:avLst/>
+          </a:prstGeom>
+          <a:solidFill>
+            <a:srgbClr val="F5EDC1"/>
+          </a:solidFill>
+          <a:ln w="9525" cap="flat" cmpd="sng">
+            <a:solidFill>
+              <a:schemeClr val="dk2"/>
+            </a:solidFill>
+            <a:prstDash val="solid"/>
+            <a:round/>
+            <a:headEnd type="none" w="sm" len="sm"/>
+            <a:tailEnd type="none" w="sm" len="sm"/>
+          </a:ln>
+        </p:spPr>
+        <p:txBody>
+          <a:bodyPr spcFirstLastPara="1" wrap="square" lIns="91425" tIns="91425" rIns="91425" bIns="91425" anchor="ctr" anchorCtr="0">
+            <a:noAutofit/>
+          </a:bodyPr>
+          <a:lstStyle/>
+          <a:p>
+            <a:pPr marL="0" lvl="0" indent="0" algn="ctr" rtl="0">
+              <a:spcBef>
+                <a:spcPts val="0"/>
+              </a:spcBef>
+              <a:spcAft>
+                <a:spcPts val="0"/>
+              </a:spcAft>
+              <a:buNone/>
+            </a:pPr>
+            <a:r>
+              <a:rPr lang="en" sz="1000">
+                <a:latin typeface="Palatino Linotype"/>
+                <a:ea typeface="Palatino Linotype"/>
+                <a:cs typeface="Palatino Linotype"/>
+                <a:sym typeface="Palatino Linotype"/>
+              </a:rPr>
+              <a:t>E6</a:t>
+            </a:r>
+            <a:endParaRPr sz="1000">
+              <a:latin typeface="Palatino Linotype"/>
+              <a:ea typeface="Palatino Linotype"/>
+              <a:cs typeface="Palatino Linotype"/>
+              <a:sym typeface="Palatino Linotype"/>
+            </a:endParaRPr>
+          </a:p>
+        </p:txBody>
+      </p:sp>
+      <p:sp>
+        <p:nvSpPr>
+          <p:cNvPr id="175" name="Google Shape;175;p26"/>
+          <p:cNvSpPr/>
+          <p:nvPr/>
+        </p:nvSpPr>
+        <p:spPr>
+          <a:xfrm>
+            <a:off x="5963376" y="891981"/>
+            <a:ext cx="527700" cy="228600"/>
+          </a:xfrm>
+          <a:prstGeom prst="rect">
+            <a:avLst/>
+          </a:prstGeom>
+          <a:solidFill>
+            <a:srgbClr val="FFE599"/>
+          </a:solidFill>
+          <a:ln w="9525" cap="flat" cmpd="sng">
+            <a:solidFill>
+              <a:schemeClr val="dk2"/>
+            </a:solidFill>
+            <a:prstDash val="solid"/>
+            <a:round/>
+            <a:headEnd type="none" w="sm" len="sm"/>
+            <a:tailEnd type="none" w="sm" len="sm"/>
+          </a:ln>
+        </p:spPr>
+        <p:txBody>
+          <a:bodyPr spcFirstLastPara="1" wrap="square" lIns="91425" tIns="91425" rIns="91425" bIns="91425" anchor="ctr" anchorCtr="0">
+            <a:noAutofit/>
+          </a:bodyPr>
+          <a:lstStyle/>
+          <a:p>
+            <a:pPr marL="0" lvl="0" indent="0" algn="ctr" rtl="0">
+              <a:spcBef>
+                <a:spcPts val="0"/>
+              </a:spcBef>
+              <a:spcAft>
+                <a:spcPts val="0"/>
+              </a:spcAft>
+              <a:buNone/>
+            </a:pPr>
+            <a:r>
+              <a:rPr lang="en" sz="1000">
+                <a:latin typeface="Palatino Linotype"/>
+                <a:ea typeface="Palatino Linotype"/>
+                <a:cs typeface="Palatino Linotype"/>
+                <a:sym typeface="Palatino Linotype"/>
+              </a:rPr>
+              <a:t>E7</a:t>
+            </a:r>
+            <a:endParaRPr sz="1000">
+              <a:latin typeface="Palatino Linotype"/>
+              <a:ea typeface="Palatino Linotype"/>
+              <a:cs typeface="Palatino Linotype"/>
+              <a:sym typeface="Palatino Linotype"/>
+            </a:endParaRPr>
+          </a:p>
+        </p:txBody>
+      </p:sp>
+      <p:cxnSp>
+        <p:nvCxnSpPr>
+          <p:cNvPr id="176" name="Google Shape;176;p26"/>
+          <p:cNvCxnSpPr>
+            <a:stCxn id="159" idx="1"/>
+            <a:endCxn id="164" idx="2"/>
+          </p:cNvCxnSpPr>
+          <p:nvPr/>
+        </p:nvCxnSpPr>
+        <p:spPr>
+          <a:xfrm>
+            <a:off x="1990156" y="1493176"/>
+            <a:ext cx="321600" cy="192300"/>
+          </a:xfrm>
+          <a:prstGeom prst="straightConnector1">
+            <a:avLst/>
+          </a:prstGeom>
+          <a:noFill/>
+          <a:ln w="9525" cap="flat" cmpd="sng">
+            <a:solidFill>
+              <a:schemeClr val="dk2"/>
+            </a:solidFill>
+            <a:prstDash val="dash"/>
+            <a:round/>
+            <a:headEnd type="none" w="med" len="med"/>
+            <a:tailEnd type="none" w="med" len="med"/>
+          </a:ln>
+        </p:spPr>
+      </p:cxnSp>
+      <p:cxnSp>
+        <p:nvCxnSpPr>
+          <p:cNvPr id="177" name="Google Shape;177;p26"/>
+          <p:cNvCxnSpPr>
+            <a:stCxn id="158" idx="1"/>
+            <a:endCxn id="160" idx="2"/>
+          </p:cNvCxnSpPr>
+          <p:nvPr/>
+        </p:nvCxnSpPr>
+        <p:spPr>
+          <a:xfrm>
+            <a:off x="3792918" y="1493176"/>
+            <a:ext cx="347400" cy="192300"/>
+          </a:xfrm>
+          <a:prstGeom prst="straightConnector1">
+            <a:avLst/>
+          </a:prstGeom>
+          <a:noFill/>
+          <a:ln w="9525" cap="flat" cmpd="sng">
+            <a:solidFill>
+              <a:schemeClr val="dk2"/>
+            </a:solidFill>
+            <a:prstDash val="dash"/>
+            <a:round/>
+            <a:headEnd type="none" w="med" len="med"/>
+            <a:tailEnd type="none" w="med" len="med"/>
+          </a:ln>
+        </p:spPr>
+      </p:cxnSp>
+      <p:cxnSp>
+        <p:nvCxnSpPr>
+          <p:cNvPr id="178" name="Google Shape;178;p26"/>
+          <p:cNvCxnSpPr>
+            <a:stCxn id="161" idx="1"/>
+            <a:endCxn id="162" idx="2"/>
+          </p:cNvCxnSpPr>
+          <p:nvPr/>
+        </p:nvCxnSpPr>
+        <p:spPr>
+          <a:xfrm>
+            <a:off x="5018268" y="1493176"/>
+            <a:ext cx="347400" cy="192300"/>
+          </a:xfrm>
+          <a:prstGeom prst="straightConnector1">
+            <a:avLst/>
+          </a:prstGeom>
+          <a:noFill/>
+          <a:ln w="9525" cap="flat" cmpd="sng">
+            <a:solidFill>
+              <a:schemeClr val="dk2"/>
+            </a:solidFill>
+            <a:prstDash val="dash"/>
+            <a:round/>
+            <a:headEnd type="none" w="med" len="med"/>
+            <a:tailEnd type="none" w="med" len="med"/>
+          </a:ln>
+        </p:spPr>
+      </p:cxnSp>
+      <p:sp>
+        <p:nvSpPr>
+          <p:cNvPr id="179" name="Google Shape;179;p26"/>
+          <p:cNvSpPr txBox="1"/>
+          <p:nvPr/>
+        </p:nvSpPr>
+        <p:spPr>
+          <a:xfrm>
+            <a:off x="55188" y="1208769"/>
+            <a:ext cx="1188300" cy="307800"/>
+          </a:xfrm>
+          <a:prstGeom prst="rect">
+            <a:avLst/>
+          </a:prstGeom>
+          <a:noFill/>
+          <a:ln>
+            <a:noFill/>
+          </a:ln>
+        </p:spPr>
+        <p:txBody>
+          <a:bodyPr spcFirstLastPara="1" wrap="square" lIns="91425" tIns="91425" rIns="91425" bIns="91425" anchor="t" anchorCtr="0">
+            <a:spAutoFit/>
+          </a:bodyPr>
+          <a:lstStyle/>
+          <a:p>
+            <a:pPr marL="0" lvl="0" indent="0" algn="ctr" rtl="0">
+              <a:spcBef>
+                <a:spcPts val="0"/>
+              </a:spcBef>
+              <a:spcAft>
+                <a:spcPts val="0"/>
+              </a:spcAft>
+              <a:buNone/>
+            </a:pPr>
+            <a:r>
+              <a:rPr lang="en" sz="800" b="1">
+                <a:latin typeface="Palatino Linotype"/>
+                <a:ea typeface="Palatino Linotype"/>
+                <a:cs typeface="Palatino Linotype"/>
+                <a:sym typeface="Palatino Linotype"/>
+              </a:rPr>
+              <a:t>Serialized Input</a:t>
+            </a:r>
+            <a:endParaRPr sz="800" b="1">
+              <a:latin typeface="Palatino Linotype"/>
+              <a:ea typeface="Palatino Linotype"/>
+              <a:cs typeface="Palatino Linotype"/>
+              <a:sym typeface="Palatino Linotype"/>
+            </a:endParaRPr>
+          </a:p>
+        </p:txBody>
+      </p:sp>
+      <p:sp>
+        <p:nvSpPr>
+          <p:cNvPr id="180" name="Google Shape;180;p26"/>
+          <p:cNvSpPr txBox="1"/>
+          <p:nvPr/>
+        </p:nvSpPr>
+        <p:spPr>
+          <a:xfrm>
+            <a:off x="-116112" y="1503419"/>
+            <a:ext cx="1359600" cy="307800"/>
+          </a:xfrm>
+          <a:prstGeom prst="rect">
+            <a:avLst/>
+          </a:prstGeom>
+          <a:noFill/>
+          <a:ln>
+            <a:noFill/>
+          </a:ln>
+        </p:spPr>
+        <p:txBody>
+          <a:bodyPr spcFirstLastPara="1" wrap="square" lIns="91425" tIns="91425" rIns="91425" bIns="91425" anchor="t" anchorCtr="0">
+            <a:spAutoFit/>
+          </a:bodyPr>
+          <a:lstStyle/>
+          <a:p>
+            <a:pPr marL="0" lvl="0" indent="0" algn="ctr" rtl="0">
+              <a:spcBef>
+                <a:spcPts val="0"/>
+              </a:spcBef>
+              <a:spcAft>
+                <a:spcPts val="0"/>
+              </a:spcAft>
+              <a:buNone/>
+            </a:pPr>
+            <a:r>
+              <a:rPr lang="en" sz="800" b="1">
+                <a:latin typeface="Palatino Linotype"/>
+                <a:ea typeface="Palatino Linotype"/>
+                <a:cs typeface="Palatino Linotype"/>
+                <a:sym typeface="Palatino Linotype"/>
+              </a:rPr>
+              <a:t>Injected Knowledge</a:t>
+            </a:r>
+            <a:endParaRPr sz="800" b="1">
+              <a:latin typeface="Palatino Linotype"/>
+              <a:ea typeface="Palatino Linotype"/>
+              <a:cs typeface="Palatino Linotype"/>
+              <a:sym typeface="Palatino Linotype"/>
+            </a:endParaRPr>
+          </a:p>
+        </p:txBody>
+      </p:sp>
+      <p:sp>
+        <p:nvSpPr>
+          <p:cNvPr id="181" name="Google Shape;181;p26"/>
+          <p:cNvSpPr/>
+          <p:nvPr/>
+        </p:nvSpPr>
+        <p:spPr>
+          <a:xfrm>
+            <a:off x="6575691" y="2817842"/>
+            <a:ext cx="530400" cy="302100"/>
+          </a:xfrm>
+          <a:prstGeom prst="snip2SameRect">
+            <a:avLst>
+              <a:gd name="adj1" fmla="val 16667"/>
+              <a:gd name="adj2" fmla="val 0"/>
+            </a:avLst>
+          </a:prstGeom>
+          <a:solidFill>
+            <a:schemeClr val="accent5"/>
+          </a:solidFill>
+          <a:ln w="19050" cap="flat" cmpd="sng">
+            <a:solidFill>
+              <a:schemeClr val="dk1"/>
+            </a:solidFill>
+            <a:prstDash val="solid"/>
+            <a:round/>
+            <a:headEnd type="none" w="sm" len="sm"/>
+            <a:tailEnd type="none" w="sm" len="sm"/>
+          </a:ln>
+        </p:spPr>
+        <p:txBody>
+          <a:bodyPr spcFirstLastPara="1" wrap="square" lIns="91425" tIns="45700" rIns="91425" bIns="45700" anchor="ctr" anchorCtr="0">
+            <a:noAutofit/>
+          </a:bodyPr>
+          <a:lstStyle/>
+          <a:p>
+            <a:pPr marL="0" marR="0" lvl="0" indent="0" algn="ctr" rtl="0">
+              <a:lnSpc>
+                <a:spcPct val="100000"/>
+              </a:lnSpc>
+              <a:spcBef>
+                <a:spcPts val="0"/>
+              </a:spcBef>
+              <a:spcAft>
+                <a:spcPts val="0"/>
+              </a:spcAft>
+              <a:buNone/>
+            </a:pPr>
+            <a:r>
+              <a:rPr lang="en" sz="600" i="0" u="none" strike="noStrike" cap="none">
+                <a:solidFill>
+                  <a:schemeClr val="dk1"/>
+                </a:solidFill>
+                <a:latin typeface="Palatino Linotype"/>
+                <a:ea typeface="Palatino Linotype"/>
+                <a:cs typeface="Palatino Linotype"/>
+                <a:sym typeface="Palatino Linotype"/>
+              </a:rPr>
+              <a:t>Column name </a:t>
+            </a:r>
+            <a:r>
+              <a:rPr lang="en" sz="600">
+                <a:solidFill>
+                  <a:schemeClr val="dk1"/>
+                </a:solidFill>
+                <a:latin typeface="Palatino Linotype"/>
+                <a:ea typeface="Palatino Linotype"/>
+                <a:cs typeface="Palatino Linotype"/>
+                <a:sym typeface="Palatino Linotype"/>
+              </a:rPr>
+              <a:t>2</a:t>
+            </a:r>
+            <a:endParaRPr sz="600">
+              <a:latin typeface="Palatino Linotype"/>
+              <a:ea typeface="Palatino Linotype"/>
+              <a:cs typeface="Palatino Linotype"/>
+              <a:sym typeface="Palatino Linotype"/>
+            </a:endParaRPr>
+          </a:p>
+        </p:txBody>
+      </p:sp>
+      <p:sp>
+        <p:nvSpPr>
+          <p:cNvPr id="182" name="Google Shape;182;p26"/>
+          <p:cNvSpPr/>
+          <p:nvPr/>
+        </p:nvSpPr>
+        <p:spPr>
+          <a:xfrm>
+            <a:off x="6574150" y="891981"/>
+            <a:ext cx="527700" cy="228600"/>
+          </a:xfrm>
+          <a:prstGeom prst="rect">
+            <a:avLst/>
+          </a:prstGeom>
+          <a:solidFill>
+            <a:srgbClr val="FFE599"/>
+          </a:solidFill>
+          <a:ln w="9525" cap="flat" cmpd="sng">
+            <a:solidFill>
+              <a:schemeClr val="dk2"/>
+            </a:solidFill>
+            <a:prstDash val="solid"/>
+            <a:round/>
+            <a:headEnd type="none" w="sm" len="sm"/>
+            <a:tailEnd type="none" w="sm" len="sm"/>
+          </a:ln>
+        </p:spPr>
+        <p:txBody>
+          <a:bodyPr spcFirstLastPara="1" wrap="square" lIns="91425" tIns="91425" rIns="91425" bIns="91425" anchor="ctr" anchorCtr="0">
+            <a:noAutofit/>
+          </a:bodyPr>
+          <a:lstStyle/>
+          <a:p>
+            <a:pPr marL="0" lvl="0" indent="0" algn="ctr" rtl="0">
+              <a:spcBef>
+                <a:spcPts val="0"/>
+              </a:spcBef>
+              <a:spcAft>
+                <a:spcPts val="0"/>
+              </a:spcAft>
+              <a:buNone/>
+            </a:pPr>
+            <a:r>
+              <a:rPr lang="en" sz="1000">
+                <a:latin typeface="Palatino Linotype"/>
+                <a:ea typeface="Palatino Linotype"/>
+                <a:cs typeface="Palatino Linotype"/>
+                <a:sym typeface="Palatino Linotype"/>
+              </a:rPr>
+              <a:t>E8</a:t>
+            </a:r>
+            <a:endParaRPr sz="1000">
+              <a:latin typeface="Palatino Linotype"/>
+              <a:ea typeface="Palatino Linotype"/>
+              <a:cs typeface="Palatino Linotype"/>
+              <a:sym typeface="Palatino Linotype"/>
+            </a:endParaRPr>
+          </a:p>
+        </p:txBody>
+      </p:sp>
+      <p:sp>
+        <p:nvSpPr>
+          <p:cNvPr id="183" name="Google Shape;183;p26"/>
+          <p:cNvSpPr/>
+          <p:nvPr/>
+        </p:nvSpPr>
+        <p:spPr>
+          <a:xfrm>
+            <a:off x="6584551" y="1191076"/>
+            <a:ext cx="530400" cy="302100"/>
+          </a:xfrm>
+          <a:prstGeom prst="snip2SameRect">
+            <a:avLst>
+              <a:gd name="adj1" fmla="val 16667"/>
+              <a:gd name="adj2" fmla="val 0"/>
+            </a:avLst>
+          </a:prstGeom>
+          <a:solidFill>
+            <a:schemeClr val="accent5"/>
+          </a:solidFill>
+          <a:ln w="19050" cap="flat" cmpd="sng">
+            <a:solidFill>
+              <a:schemeClr val="dk1"/>
+            </a:solidFill>
+            <a:prstDash val="solid"/>
+            <a:round/>
+            <a:headEnd type="none" w="sm" len="sm"/>
+            <a:tailEnd type="none" w="sm" len="sm"/>
+          </a:ln>
+        </p:spPr>
+        <p:txBody>
+          <a:bodyPr spcFirstLastPara="1" wrap="square" lIns="91425" tIns="45700" rIns="91425" bIns="45700" anchor="ctr" anchorCtr="0">
+            <a:noAutofit/>
+          </a:bodyPr>
+          <a:lstStyle/>
+          <a:p>
+            <a:pPr marL="0" lvl="0" indent="0" algn="ctr" rtl="0">
+              <a:spcBef>
+                <a:spcPts val="0"/>
+              </a:spcBef>
+              <a:spcAft>
+                <a:spcPts val="0"/>
+              </a:spcAft>
+              <a:buClr>
+                <a:schemeClr val="dk1"/>
+              </a:buClr>
+              <a:buFont typeface="Arial"/>
+              <a:buNone/>
+            </a:pPr>
+            <a:r>
+              <a:rPr lang="en" sz="600">
+                <a:solidFill>
+                  <a:schemeClr val="dk1"/>
+                </a:solidFill>
+                <a:latin typeface="Palatino Linotype"/>
+                <a:ea typeface="Palatino Linotype"/>
+                <a:cs typeface="Palatino Linotype"/>
+                <a:sym typeface="Palatino Linotype"/>
+              </a:rPr>
+              <a:t>Column name 2</a:t>
+            </a:r>
+            <a:endParaRPr sz="1300">
+              <a:latin typeface="Palatino Linotype"/>
+              <a:ea typeface="Palatino Linotype"/>
+              <a:cs typeface="Palatino Linotype"/>
+              <a:sym typeface="Palatino Linotype"/>
+            </a:endParaRPr>
+          </a:p>
+        </p:txBody>
+      </p:sp>
+      <p:cxnSp>
+        <p:nvCxnSpPr>
+          <p:cNvPr id="184" name="Google Shape;184;p26"/>
+          <p:cNvCxnSpPr>
+            <a:stCxn id="146" idx="0"/>
+            <a:endCxn id="150" idx="1"/>
+          </p:cNvCxnSpPr>
+          <p:nvPr/>
+        </p:nvCxnSpPr>
+        <p:spPr>
+          <a:xfrm rot="5400000" flipH="1">
+            <a:off x="4576751" y="2933239"/>
+            <a:ext cx="212400" cy="585600"/>
+          </a:xfrm>
+          <a:prstGeom prst="bentConnector3">
+            <a:avLst>
+              <a:gd name="adj1" fmla="val 39755"/>
+            </a:avLst>
+          </a:prstGeom>
+          <a:noFill/>
+          <a:ln w="19050" cap="flat" cmpd="sng">
+            <a:solidFill>
+              <a:schemeClr val="accent6"/>
+            </a:solidFill>
+            <a:prstDash val="solid"/>
+            <a:round/>
+            <a:headEnd type="none" w="med" len="med"/>
+            <a:tailEnd type="stealth" w="med" len="med"/>
+          </a:ln>
+        </p:spPr>
+      </p:cxnSp>
+      <p:cxnSp>
+        <p:nvCxnSpPr>
+          <p:cNvPr id="185" name="Google Shape;185;p26"/>
+          <p:cNvCxnSpPr>
+            <a:stCxn id="146" idx="0"/>
+            <a:endCxn id="152" idx="1"/>
+          </p:cNvCxnSpPr>
+          <p:nvPr/>
+        </p:nvCxnSpPr>
+        <p:spPr>
+          <a:xfrm rot="-5400000">
+            <a:off x="5188601" y="2905189"/>
+            <a:ext cx="214200" cy="639900"/>
+          </a:xfrm>
+          <a:prstGeom prst="bentConnector3">
+            <a:avLst>
+              <a:gd name="adj1" fmla="val 39420"/>
+            </a:avLst>
+          </a:prstGeom>
+          <a:noFill/>
+          <a:ln w="19050" cap="flat" cmpd="sng">
+            <a:solidFill>
+              <a:schemeClr val="accent6"/>
+            </a:solidFill>
+            <a:prstDash val="solid"/>
+            <a:round/>
+            <a:headEnd type="none" w="med" len="med"/>
+            <a:tailEnd type="stealth" w="med" len="med"/>
+          </a:ln>
+        </p:spPr>
+      </p:cxnSp>
+      <p:cxnSp>
+        <p:nvCxnSpPr>
+          <p:cNvPr id="186" name="Google Shape;186;p26"/>
+          <p:cNvCxnSpPr>
+            <a:stCxn id="145" idx="0"/>
+            <a:endCxn id="154" idx="1"/>
+          </p:cNvCxnSpPr>
+          <p:nvPr/>
+        </p:nvCxnSpPr>
+        <p:spPr>
+          <a:xfrm rot="10800000">
+            <a:off x="2556974" y="3119961"/>
+            <a:ext cx="0" cy="186600"/>
+          </a:xfrm>
+          <a:prstGeom prst="straightConnector1">
+            <a:avLst/>
+          </a:prstGeom>
+          <a:noFill/>
+          <a:ln w="19050" cap="flat" cmpd="sng">
+            <a:solidFill>
+              <a:schemeClr val="accent2"/>
+            </a:solidFill>
+            <a:prstDash val="solid"/>
+            <a:round/>
+            <a:headEnd type="none" w="med" len="med"/>
+            <a:tailEnd type="stealth" w="med" len="med"/>
+          </a:ln>
+        </p:spPr>
+      </p:cxnSp>
+      <p:sp>
+        <p:nvSpPr>
+          <p:cNvPr id="187" name="Google Shape;187;p26"/>
+          <p:cNvSpPr txBox="1"/>
+          <p:nvPr/>
+        </p:nvSpPr>
+        <p:spPr>
+          <a:xfrm>
+            <a:off x="976404" y="2556992"/>
+            <a:ext cx="1902000" cy="192300"/>
+          </a:xfrm>
+          <a:prstGeom prst="rect">
+            <a:avLst/>
+          </a:prstGeom>
+          <a:noFill/>
+          <a:ln>
+            <a:noFill/>
+          </a:ln>
+        </p:spPr>
+        <p:txBody>
+          <a:bodyPr spcFirstLastPara="1" wrap="square" lIns="68575" tIns="34275" rIns="68575" bIns="34275" anchor="t" anchorCtr="0">
+            <a:spAutoFit/>
+          </a:bodyPr>
+          <a:lstStyle/>
+          <a:p>
+            <a:pPr marL="0" marR="0" lvl="0" indent="0" algn="l" rtl="0">
+              <a:lnSpc>
+                <a:spcPct val="100000"/>
+              </a:lnSpc>
+              <a:spcBef>
+                <a:spcPts val="0"/>
+              </a:spcBef>
+              <a:spcAft>
+                <a:spcPts val="0"/>
+              </a:spcAft>
+              <a:buClr>
+                <a:srgbClr val="000000"/>
+              </a:buClr>
+              <a:buSzPts val="1100"/>
+              <a:buFont typeface="Arial"/>
+              <a:buNone/>
+            </a:pPr>
+            <a:r>
+              <a:rPr lang="en" sz="800" b="1">
+                <a:solidFill>
+                  <a:schemeClr val="dk1"/>
+                </a:solidFill>
+                <a:latin typeface="Palatino Linotype"/>
+                <a:ea typeface="Palatino Linotype"/>
+                <a:cs typeface="Palatino Linotype"/>
+                <a:sym typeface="Palatino Linotype"/>
+              </a:rPr>
+              <a:t>(1) Prompt type I: space</a:t>
+            </a:r>
+            <a:endParaRPr sz="800" b="1">
+              <a:solidFill>
+                <a:schemeClr val="dk1"/>
+              </a:solidFill>
+              <a:latin typeface="Palatino Linotype"/>
+              <a:ea typeface="Palatino Linotype"/>
+              <a:cs typeface="Palatino Linotype"/>
+              <a:sym typeface="Palatino Linotype"/>
+            </a:endParaRPr>
+          </a:p>
+        </p:txBody>
+      </p:sp>
+      <p:sp>
+        <p:nvSpPr>
+          <p:cNvPr id="188" name="Google Shape;188;p26"/>
+          <p:cNvSpPr txBox="1"/>
+          <p:nvPr/>
+        </p:nvSpPr>
+        <p:spPr>
+          <a:xfrm>
+            <a:off x="976389" y="1928949"/>
+            <a:ext cx="1902000" cy="192300"/>
+          </a:xfrm>
+          <a:prstGeom prst="rect">
+            <a:avLst/>
+          </a:prstGeom>
+          <a:noFill/>
+          <a:ln>
+            <a:noFill/>
+          </a:ln>
+        </p:spPr>
+        <p:txBody>
+          <a:bodyPr spcFirstLastPara="1" wrap="square" lIns="68575" tIns="34275" rIns="68575" bIns="34275" anchor="t" anchorCtr="0">
+            <a:spAutoFit/>
+          </a:bodyPr>
+          <a:lstStyle/>
+          <a:p>
+            <a:pPr marL="0" marR="0" lvl="0" indent="0" algn="l" rtl="0">
+              <a:lnSpc>
+                <a:spcPct val="100000"/>
+              </a:lnSpc>
+              <a:spcBef>
+                <a:spcPts val="0"/>
+              </a:spcBef>
+              <a:spcAft>
+                <a:spcPts val="0"/>
+              </a:spcAft>
+              <a:buNone/>
+            </a:pPr>
+            <a:r>
+              <a:rPr lang="en" sz="800" b="1">
+                <a:solidFill>
+                  <a:schemeClr val="dk1"/>
+                </a:solidFill>
+                <a:latin typeface="Palatino Linotype"/>
+                <a:ea typeface="Palatino Linotype"/>
+                <a:cs typeface="Palatino Linotype"/>
+                <a:sym typeface="Palatino Linotype"/>
+              </a:rPr>
+              <a:t>(2) Prompt type II: slash</a:t>
+            </a:r>
+            <a:endParaRPr sz="800" b="1">
+              <a:solidFill>
+                <a:schemeClr val="dk1"/>
+              </a:solidFill>
+              <a:latin typeface="Palatino Linotype"/>
+              <a:ea typeface="Palatino Linotype"/>
+              <a:cs typeface="Palatino Linotype"/>
+              <a:sym typeface="Palatino Linotype"/>
+            </a:endParaRPr>
+          </a:p>
+        </p:txBody>
+      </p:sp>
+      <p:sp>
+        <p:nvSpPr>
+          <p:cNvPr id="189" name="Google Shape;189;p26"/>
+          <p:cNvSpPr txBox="1"/>
+          <p:nvPr/>
+        </p:nvSpPr>
+        <p:spPr>
+          <a:xfrm>
+            <a:off x="976392" y="701485"/>
+            <a:ext cx="1902000" cy="192300"/>
+          </a:xfrm>
+          <a:prstGeom prst="rect">
+            <a:avLst/>
+          </a:prstGeom>
+          <a:noFill/>
+          <a:ln>
+            <a:noFill/>
+          </a:ln>
+        </p:spPr>
+        <p:txBody>
+          <a:bodyPr spcFirstLastPara="1" wrap="square" lIns="68575" tIns="34275" rIns="68575" bIns="34275" anchor="t" anchorCtr="0">
+            <a:spAutoFit/>
+          </a:bodyPr>
+          <a:lstStyle/>
+          <a:p>
+            <a:pPr marL="0" marR="0" lvl="0" indent="0" algn="l" rtl="0">
+              <a:lnSpc>
+                <a:spcPct val="100000"/>
+              </a:lnSpc>
+              <a:spcBef>
+                <a:spcPts val="0"/>
+              </a:spcBef>
+              <a:spcAft>
+                <a:spcPts val="0"/>
+              </a:spcAft>
+              <a:buNone/>
+            </a:pPr>
+            <a:r>
+              <a:rPr lang="en" sz="800" b="1">
+                <a:solidFill>
+                  <a:schemeClr val="dk1"/>
+                </a:solidFill>
+                <a:latin typeface="Palatino Linotype"/>
+                <a:ea typeface="Palatino Linotype"/>
+                <a:cs typeface="Palatino Linotype"/>
+                <a:sym typeface="Palatino Linotype"/>
+              </a:rPr>
+              <a:t>(3) Prompt type III: soft positioning</a:t>
+            </a:r>
+            <a:endParaRPr sz="800" b="1">
+              <a:solidFill>
+                <a:schemeClr val="dk1"/>
+              </a:solidFill>
+              <a:latin typeface="Palatino Linotype"/>
+              <a:ea typeface="Palatino Linotype"/>
+              <a:cs typeface="Palatino Linotype"/>
+              <a:sym typeface="Palatino Linotype"/>
+            </a:endParaRPr>
+          </a:p>
+        </p:txBody>
+      </p:sp>
+      <p:sp>
+        <p:nvSpPr>
+          <p:cNvPr id="190" name="Google Shape;190;p26"/>
+          <p:cNvSpPr/>
+          <p:nvPr/>
+        </p:nvSpPr>
+        <p:spPr>
+          <a:xfrm>
+            <a:off x="4053701" y="2197209"/>
+            <a:ext cx="91500" cy="301800"/>
+          </a:xfrm>
+          <a:prstGeom prst="snip2SameRect">
+            <a:avLst>
+              <a:gd name="adj1" fmla="val 16667"/>
+              <a:gd name="adj2" fmla="val 0"/>
+            </a:avLst>
+          </a:prstGeom>
+          <a:solidFill>
+            <a:srgbClr val="FFF2CC"/>
+          </a:solidFill>
+          <a:ln w="19050" cap="flat" cmpd="sng">
+            <a:solidFill>
+              <a:schemeClr val="dk1"/>
+            </a:solidFill>
+            <a:prstDash val="solid"/>
+            <a:round/>
+            <a:headEnd type="none" w="sm" len="sm"/>
+            <a:tailEnd type="none" w="sm" len="sm"/>
+          </a:ln>
+        </p:spPr>
+        <p:txBody>
+          <a:bodyPr spcFirstLastPara="1" wrap="square" lIns="91425" tIns="45700" rIns="91425" bIns="45700" anchor="ctr" anchorCtr="0">
+            <a:noAutofit/>
+          </a:bodyPr>
+          <a:lstStyle/>
+          <a:p>
+            <a:pPr marL="0" marR="0" lvl="0" indent="0" algn="l" rtl="0">
+              <a:lnSpc>
+                <a:spcPct val="100000"/>
+              </a:lnSpc>
+              <a:spcBef>
+                <a:spcPts val="0"/>
+              </a:spcBef>
+              <a:spcAft>
+                <a:spcPts val="0"/>
+              </a:spcAft>
+              <a:buNone/>
+            </a:pPr>
+            <a:endParaRPr sz="1200" b="1"/>
+          </a:p>
+        </p:txBody>
+      </p:sp>
+      <p:sp>
+        <p:nvSpPr>
+          <p:cNvPr id="191" name="Google Shape;191;p26"/>
+          <p:cNvSpPr/>
+          <p:nvPr/>
+        </p:nvSpPr>
+        <p:spPr>
+          <a:xfrm>
+            <a:off x="5277976" y="2197209"/>
+            <a:ext cx="91500" cy="301800"/>
+          </a:xfrm>
+          <a:prstGeom prst="snip2SameRect">
+            <a:avLst>
+              <a:gd name="adj1" fmla="val 16667"/>
+              <a:gd name="adj2" fmla="val 0"/>
+            </a:avLst>
+          </a:prstGeom>
+          <a:solidFill>
+            <a:srgbClr val="FFF2CC"/>
+          </a:solidFill>
+          <a:ln w="19050" cap="flat" cmpd="sng">
+            <a:solidFill>
+              <a:schemeClr val="dk1"/>
+            </a:solidFill>
+            <a:prstDash val="solid"/>
+            <a:round/>
+            <a:headEnd type="none" w="sm" len="sm"/>
+            <a:tailEnd type="none" w="sm" len="sm"/>
+          </a:ln>
+        </p:spPr>
+        <p:txBody>
+          <a:bodyPr spcFirstLastPara="1" wrap="square" lIns="91425" tIns="45700" rIns="91425" bIns="45700" anchor="ctr" anchorCtr="0">
+            <a:noAutofit/>
+          </a:bodyPr>
+          <a:lstStyle/>
+          <a:p>
+            <a:pPr marL="0" marR="0" lvl="0" indent="0" algn="l" rtl="0">
+              <a:lnSpc>
+                <a:spcPct val="100000"/>
+              </a:lnSpc>
+              <a:spcBef>
+                <a:spcPts val="0"/>
+              </a:spcBef>
+              <a:spcAft>
+                <a:spcPts val="0"/>
+              </a:spcAft>
+              <a:buNone/>
+            </a:pPr>
+            <a:endParaRPr sz="1200" b="1"/>
+          </a:p>
+        </p:txBody>
+      </p:sp>
+      <p:sp>
+        <p:nvSpPr>
+          <p:cNvPr id="192" name="Google Shape;192;p26"/>
+          <p:cNvSpPr/>
+          <p:nvPr/>
+        </p:nvSpPr>
+        <p:spPr>
+          <a:xfrm>
+            <a:off x="1050272" y="2092959"/>
+            <a:ext cx="6122400" cy="492600"/>
+          </a:xfrm>
+          <a:prstGeom prst="rect">
+            <a:avLst/>
+          </a:prstGeom>
+          <a:noFill/>
+          <a:ln w="9525" cap="flat" cmpd="sng">
+            <a:solidFill>
+              <a:schemeClr val="dk2"/>
+            </a:solidFill>
+            <a:prstDash val="dash"/>
+            <a:round/>
+            <a:headEnd type="none" w="sm" len="sm"/>
+            <a:tailEnd type="none" w="sm" len="sm"/>
+          </a:ln>
+        </p:spPr>
+        <p:txBody>
+          <a:bodyPr spcFirstLastPara="1" wrap="square" lIns="91425" tIns="45700" rIns="91425" bIns="45700" anchor="ctr" anchorCtr="0">
+            <a:noAutofit/>
+          </a:bodyPr>
+          <a:lstStyle/>
+          <a:p>
+            <a:pPr marL="0" marR="0" lvl="0" indent="0" algn="ctr" rtl="0">
+              <a:lnSpc>
+                <a:spcPct val="100000"/>
+              </a:lnSpc>
+              <a:spcBef>
+                <a:spcPts val="0"/>
+              </a:spcBef>
+              <a:spcAft>
+                <a:spcPts val="0"/>
+              </a:spcAft>
+              <a:buNone/>
+            </a:pPr>
+            <a:endParaRPr sz="1400" b="0" i="0" u="none" strike="noStrike" cap="none">
+              <a:solidFill>
+                <a:schemeClr val="lt1"/>
+              </a:solidFill>
+              <a:latin typeface="Arial"/>
+              <a:ea typeface="Arial"/>
+              <a:cs typeface="Arial"/>
+              <a:sym typeface="Arial"/>
+            </a:endParaRPr>
+          </a:p>
+        </p:txBody>
+      </p:sp>
+      <p:sp>
+        <p:nvSpPr>
+          <p:cNvPr id="193" name="Google Shape;193;p26"/>
+          <p:cNvSpPr/>
+          <p:nvPr/>
+        </p:nvSpPr>
+        <p:spPr>
+          <a:xfrm>
+            <a:off x="2902238" y="2195259"/>
+            <a:ext cx="530400" cy="305700"/>
+          </a:xfrm>
+          <a:prstGeom prst="snip2SameRect">
+            <a:avLst>
+              <a:gd name="adj1" fmla="val 16667"/>
+              <a:gd name="adj2" fmla="val 0"/>
+            </a:avLst>
+          </a:prstGeom>
+          <a:solidFill>
+            <a:schemeClr val="accent5"/>
+          </a:solidFill>
+          <a:ln w="19050" cap="flat" cmpd="sng">
+            <a:solidFill>
+              <a:schemeClr val="dk1"/>
+            </a:solidFill>
+            <a:prstDash val="solid"/>
+            <a:round/>
+            <a:headEnd type="none" w="sm" len="sm"/>
+            <a:tailEnd type="none" w="sm" len="sm"/>
+          </a:ln>
+        </p:spPr>
+        <p:txBody>
+          <a:bodyPr spcFirstLastPara="1" wrap="square" lIns="91425" tIns="45700" rIns="91425" bIns="45700" anchor="ctr" anchorCtr="0">
+            <a:noAutofit/>
+          </a:bodyPr>
+          <a:lstStyle/>
+          <a:p>
+            <a:pPr marL="0" marR="0" lvl="0" indent="0" algn="ctr" rtl="0">
+              <a:lnSpc>
+                <a:spcPct val="100000"/>
+              </a:lnSpc>
+              <a:spcBef>
+                <a:spcPts val="0"/>
+              </a:spcBef>
+              <a:spcAft>
+                <a:spcPts val="0"/>
+              </a:spcAft>
+              <a:buNone/>
+            </a:pPr>
+            <a:r>
+              <a:rPr lang="en" sz="1100" i="0" u="none" strike="noStrike" cap="none">
+                <a:solidFill>
+                  <a:schemeClr val="dk1"/>
+                </a:solidFill>
+                <a:latin typeface="Palatino Linotype"/>
+                <a:ea typeface="Palatino Linotype"/>
+                <a:cs typeface="Palatino Linotype"/>
+                <a:sym typeface="Palatino Linotype"/>
+              </a:rPr>
+              <a:t>VAL</a:t>
+            </a:r>
+            <a:endParaRPr sz="1100" i="0" u="none" strike="noStrike" cap="none">
+              <a:solidFill>
+                <a:schemeClr val="dk1"/>
+              </a:solidFill>
+              <a:latin typeface="Palatino Linotype"/>
+              <a:ea typeface="Palatino Linotype"/>
+              <a:cs typeface="Palatino Linotype"/>
+              <a:sym typeface="Palatino Linotype"/>
+            </a:endParaRPr>
+          </a:p>
+        </p:txBody>
+      </p:sp>
+      <p:sp>
+        <p:nvSpPr>
+          <p:cNvPr id="194" name="Google Shape;194;p26"/>
+          <p:cNvSpPr/>
+          <p:nvPr/>
+        </p:nvSpPr>
+        <p:spPr>
+          <a:xfrm>
+            <a:off x="3501603" y="2197209"/>
+            <a:ext cx="530400" cy="301800"/>
+          </a:xfrm>
+          <a:prstGeom prst="snip2SameRect">
+            <a:avLst>
+              <a:gd name="adj1" fmla="val 16667"/>
+              <a:gd name="adj2" fmla="val 0"/>
+            </a:avLst>
+          </a:prstGeom>
+          <a:solidFill>
+            <a:schemeClr val="accent6"/>
+          </a:solidFill>
+          <a:ln w="19050" cap="flat" cmpd="sng">
+            <a:solidFill>
+              <a:schemeClr val="dk1"/>
+            </a:solidFill>
+            <a:prstDash val="solid"/>
+            <a:round/>
+            <a:headEnd type="none" w="sm" len="sm"/>
+            <a:tailEnd type="none" w="sm" len="sm"/>
+          </a:ln>
+        </p:spPr>
+        <p:txBody>
+          <a:bodyPr spcFirstLastPara="1" wrap="square" lIns="91425" tIns="45700" rIns="91425" bIns="45700" anchor="ctr" anchorCtr="0">
+            <a:noAutofit/>
+          </a:bodyPr>
+          <a:lstStyle/>
+          <a:p>
+            <a:pPr marL="0" marR="0" lvl="0" indent="0" algn="ctr" rtl="0">
+              <a:lnSpc>
+                <a:spcPct val="100000"/>
+              </a:lnSpc>
+              <a:spcBef>
+                <a:spcPts val="0"/>
+              </a:spcBef>
+              <a:spcAft>
+                <a:spcPts val="0"/>
+              </a:spcAft>
+              <a:buNone/>
+            </a:pPr>
+            <a:r>
+              <a:rPr lang="en" sz="800" i="0" u="none" strike="noStrike" cap="none">
+                <a:solidFill>
+                  <a:schemeClr val="dk1"/>
+                </a:solidFill>
+                <a:latin typeface="Palatino Linotype"/>
+                <a:ea typeface="Palatino Linotype"/>
+                <a:cs typeface="Palatino Linotype"/>
+                <a:sym typeface="Palatino Linotype"/>
+              </a:rPr>
+              <a:t>Entity 1</a:t>
+            </a:r>
+            <a:endParaRPr>
+              <a:latin typeface="Palatino Linotype"/>
+              <a:ea typeface="Palatino Linotype"/>
+              <a:cs typeface="Palatino Linotype"/>
+              <a:sym typeface="Palatino Linotype"/>
+            </a:endParaRPr>
+          </a:p>
+        </p:txBody>
+      </p:sp>
+      <p:sp>
+        <p:nvSpPr>
+          <p:cNvPr id="195" name="Google Shape;195;p26"/>
+          <p:cNvSpPr/>
+          <p:nvPr/>
+        </p:nvSpPr>
+        <p:spPr>
+          <a:xfrm>
+            <a:off x="1662207" y="2207522"/>
+            <a:ext cx="530400" cy="301800"/>
+          </a:xfrm>
+          <a:prstGeom prst="snip2SameRect">
+            <a:avLst>
+              <a:gd name="adj1" fmla="val 16667"/>
+              <a:gd name="adj2" fmla="val 0"/>
+            </a:avLst>
+          </a:prstGeom>
+          <a:solidFill>
+            <a:schemeClr val="accent5"/>
+          </a:solidFill>
+          <a:ln w="19050" cap="flat" cmpd="sng">
+            <a:solidFill>
+              <a:schemeClr val="dk1"/>
+            </a:solidFill>
+            <a:prstDash val="solid"/>
+            <a:round/>
+            <a:headEnd type="none" w="sm" len="sm"/>
+            <a:tailEnd type="none" w="sm" len="sm"/>
+          </a:ln>
+        </p:spPr>
+        <p:txBody>
+          <a:bodyPr spcFirstLastPara="1" wrap="square" lIns="91425" tIns="45700" rIns="91425" bIns="45700" anchor="ctr" anchorCtr="0">
+            <a:noAutofit/>
+          </a:bodyPr>
+          <a:lstStyle/>
+          <a:p>
+            <a:pPr marL="0" marR="0" lvl="0" indent="0" algn="ctr" rtl="0">
+              <a:lnSpc>
+                <a:spcPct val="100000"/>
+              </a:lnSpc>
+              <a:spcBef>
+                <a:spcPts val="0"/>
+              </a:spcBef>
+              <a:spcAft>
+                <a:spcPts val="0"/>
+              </a:spcAft>
+              <a:buNone/>
+            </a:pPr>
+            <a:r>
+              <a:rPr lang="en" sz="600" i="0" u="none" strike="noStrike" cap="none">
+                <a:solidFill>
+                  <a:schemeClr val="dk1"/>
+                </a:solidFill>
+                <a:latin typeface="Palatino Linotype"/>
+                <a:ea typeface="Palatino Linotype"/>
+                <a:cs typeface="Palatino Linotype"/>
+                <a:sym typeface="Palatino Linotype"/>
+              </a:rPr>
+              <a:t>Column name</a:t>
+            </a:r>
+            <a:endParaRPr sz="1200">
+              <a:latin typeface="Palatino Linotype"/>
+              <a:ea typeface="Palatino Linotype"/>
+              <a:cs typeface="Palatino Linotype"/>
+              <a:sym typeface="Palatino Linotype"/>
+            </a:endParaRPr>
+          </a:p>
+        </p:txBody>
+      </p:sp>
+      <p:sp>
+        <p:nvSpPr>
+          <p:cNvPr id="196" name="Google Shape;196;p26"/>
+          <p:cNvSpPr/>
+          <p:nvPr/>
+        </p:nvSpPr>
+        <p:spPr>
+          <a:xfrm>
+            <a:off x="4156099" y="2197209"/>
+            <a:ext cx="530400" cy="301800"/>
+          </a:xfrm>
+          <a:prstGeom prst="snip2SameRect">
+            <a:avLst>
+              <a:gd name="adj1" fmla="val 16667"/>
+              <a:gd name="adj2" fmla="val 0"/>
+            </a:avLst>
+          </a:prstGeom>
+          <a:solidFill>
+            <a:schemeClr val="accent6"/>
+          </a:solidFill>
+          <a:ln w="19050" cap="flat" cmpd="sng">
+            <a:solidFill>
+              <a:schemeClr val="dk1"/>
+            </a:solidFill>
+            <a:prstDash val="solid"/>
+            <a:round/>
+            <a:headEnd type="none" w="sm" len="sm"/>
+            <a:tailEnd type="none" w="sm" len="sm"/>
+          </a:ln>
+        </p:spPr>
+        <p:txBody>
+          <a:bodyPr spcFirstLastPara="1" wrap="square" lIns="91425" tIns="45700" rIns="91425" bIns="45700" anchor="ctr" anchorCtr="0">
+            <a:noAutofit/>
+          </a:bodyPr>
+          <a:lstStyle/>
+          <a:p>
+            <a:pPr marL="0" marR="0" lvl="0" indent="0" algn="ctr" rtl="0">
+              <a:lnSpc>
+                <a:spcPct val="100000"/>
+              </a:lnSpc>
+              <a:spcBef>
+                <a:spcPts val="0"/>
+              </a:spcBef>
+              <a:spcAft>
+                <a:spcPts val="0"/>
+              </a:spcAft>
+              <a:buNone/>
+            </a:pPr>
+            <a:r>
+              <a:rPr lang="en" sz="600" i="0" u="none" strike="noStrike" cap="none">
+                <a:solidFill>
+                  <a:schemeClr val="dk1"/>
+                </a:solidFill>
+                <a:latin typeface="Palatino Linotype"/>
+                <a:ea typeface="Palatino Linotype"/>
+                <a:cs typeface="Palatino Linotype"/>
+                <a:sym typeface="Palatino Linotype"/>
+              </a:rPr>
+              <a:t>Text Span 1</a:t>
+            </a:r>
+            <a:endParaRPr sz="600">
+              <a:latin typeface="Palatino Linotype"/>
+              <a:ea typeface="Palatino Linotype"/>
+              <a:cs typeface="Palatino Linotype"/>
+              <a:sym typeface="Palatino Linotype"/>
+            </a:endParaRPr>
+          </a:p>
+        </p:txBody>
+      </p:sp>
+      <p:sp>
+        <p:nvSpPr>
+          <p:cNvPr id="197" name="Google Shape;197;p26"/>
+          <p:cNvSpPr/>
+          <p:nvPr/>
+        </p:nvSpPr>
+        <p:spPr>
+          <a:xfrm>
+            <a:off x="4734556" y="2197208"/>
+            <a:ext cx="530400" cy="301800"/>
+          </a:xfrm>
+          <a:prstGeom prst="snip2SameRect">
+            <a:avLst>
+              <a:gd name="adj1" fmla="val 16667"/>
+              <a:gd name="adj2" fmla="val 0"/>
+            </a:avLst>
+          </a:prstGeom>
+          <a:solidFill>
+            <a:schemeClr val="accent6"/>
+          </a:solidFill>
+          <a:ln w="19050" cap="flat" cmpd="sng">
+            <a:solidFill>
+              <a:schemeClr val="dk1"/>
+            </a:solidFill>
+            <a:prstDash val="solid"/>
+            <a:round/>
+            <a:headEnd type="none" w="sm" len="sm"/>
+            <a:tailEnd type="none" w="sm" len="sm"/>
+          </a:ln>
+        </p:spPr>
+        <p:txBody>
+          <a:bodyPr spcFirstLastPara="1" wrap="square" lIns="91425" tIns="45700" rIns="91425" bIns="45700" anchor="ctr" anchorCtr="0">
+            <a:noAutofit/>
+          </a:bodyPr>
+          <a:lstStyle/>
+          <a:p>
+            <a:pPr marL="0" marR="0" lvl="0" indent="0" algn="ctr" rtl="0">
+              <a:lnSpc>
+                <a:spcPct val="100000"/>
+              </a:lnSpc>
+              <a:spcBef>
+                <a:spcPts val="0"/>
+              </a:spcBef>
+              <a:spcAft>
+                <a:spcPts val="0"/>
+              </a:spcAft>
+              <a:buNone/>
+            </a:pPr>
+            <a:r>
+              <a:rPr lang="en" sz="800" i="0" u="none" strike="noStrike" cap="none">
+                <a:solidFill>
+                  <a:schemeClr val="dk1"/>
+                </a:solidFill>
+                <a:latin typeface="Palatino Linotype"/>
+                <a:ea typeface="Palatino Linotype"/>
+                <a:cs typeface="Palatino Linotype"/>
+                <a:sym typeface="Palatino Linotype"/>
+              </a:rPr>
+              <a:t>Entity 2</a:t>
+            </a:r>
+            <a:endParaRPr>
+              <a:latin typeface="Palatino Linotype"/>
+              <a:ea typeface="Palatino Linotype"/>
+              <a:cs typeface="Palatino Linotype"/>
+              <a:sym typeface="Palatino Linotype"/>
+            </a:endParaRPr>
+          </a:p>
+        </p:txBody>
+      </p:sp>
+      <p:sp>
+        <p:nvSpPr>
+          <p:cNvPr id="198" name="Google Shape;198;p26"/>
+          <p:cNvSpPr/>
+          <p:nvPr/>
+        </p:nvSpPr>
+        <p:spPr>
+          <a:xfrm>
+            <a:off x="5365600" y="2197208"/>
+            <a:ext cx="530400" cy="301800"/>
+          </a:xfrm>
+          <a:prstGeom prst="snip2SameRect">
+            <a:avLst>
+              <a:gd name="adj1" fmla="val 16667"/>
+              <a:gd name="adj2" fmla="val 0"/>
+            </a:avLst>
+          </a:prstGeom>
+          <a:solidFill>
+            <a:schemeClr val="accent6"/>
+          </a:solidFill>
+          <a:ln w="19050" cap="flat" cmpd="sng">
+            <a:solidFill>
+              <a:schemeClr val="dk1"/>
+            </a:solidFill>
+            <a:prstDash val="solid"/>
+            <a:round/>
+            <a:headEnd type="none" w="sm" len="sm"/>
+            <a:tailEnd type="none" w="sm" len="sm"/>
+          </a:ln>
+        </p:spPr>
+        <p:txBody>
+          <a:bodyPr spcFirstLastPara="1" wrap="square" lIns="91425" tIns="45700" rIns="91425" bIns="45700" anchor="ctr" anchorCtr="0">
+            <a:noAutofit/>
+          </a:bodyPr>
+          <a:lstStyle/>
+          <a:p>
+            <a:pPr marL="0" marR="0" lvl="0" indent="0" algn="ctr" rtl="0">
+              <a:lnSpc>
+                <a:spcPct val="100000"/>
+              </a:lnSpc>
+              <a:spcBef>
+                <a:spcPts val="0"/>
+              </a:spcBef>
+              <a:spcAft>
+                <a:spcPts val="0"/>
+              </a:spcAft>
+              <a:buNone/>
+            </a:pPr>
+            <a:r>
+              <a:rPr lang="en" sz="600" i="0" u="none" strike="noStrike" cap="none">
+                <a:solidFill>
+                  <a:schemeClr val="dk1"/>
+                </a:solidFill>
+                <a:latin typeface="Palatino Linotype"/>
+                <a:ea typeface="Palatino Linotype"/>
+                <a:cs typeface="Palatino Linotype"/>
+                <a:sym typeface="Palatino Linotype"/>
+              </a:rPr>
+              <a:t>Text Span 2</a:t>
+            </a:r>
+            <a:endParaRPr sz="600">
+              <a:latin typeface="Palatino Linotype"/>
+              <a:ea typeface="Palatino Linotype"/>
+              <a:cs typeface="Palatino Linotype"/>
+              <a:sym typeface="Palatino Linotype"/>
+            </a:endParaRPr>
+          </a:p>
+        </p:txBody>
+      </p:sp>
+      <p:sp>
+        <p:nvSpPr>
+          <p:cNvPr id="199" name="Google Shape;199;p26"/>
+          <p:cNvSpPr/>
+          <p:nvPr/>
+        </p:nvSpPr>
+        <p:spPr>
+          <a:xfrm>
+            <a:off x="5960948" y="2198108"/>
+            <a:ext cx="527700" cy="300000"/>
+          </a:xfrm>
+          <a:prstGeom prst="snip2SameRect">
+            <a:avLst>
+              <a:gd name="adj1" fmla="val 16667"/>
+              <a:gd name="adj2" fmla="val 0"/>
+            </a:avLst>
+          </a:prstGeom>
+          <a:solidFill>
+            <a:schemeClr val="accent5"/>
+          </a:solidFill>
+          <a:ln w="19050" cap="flat" cmpd="sng">
+            <a:solidFill>
+              <a:schemeClr val="dk1"/>
+            </a:solidFill>
+            <a:prstDash val="solid"/>
+            <a:round/>
+            <a:headEnd type="none" w="sm" len="sm"/>
+            <a:tailEnd type="none" w="sm" len="sm"/>
+          </a:ln>
+        </p:spPr>
+        <p:txBody>
+          <a:bodyPr spcFirstLastPara="1" wrap="square" lIns="91425" tIns="45700" rIns="91425" bIns="45700" anchor="ctr" anchorCtr="0">
+            <a:noAutofit/>
+          </a:bodyPr>
+          <a:lstStyle/>
+          <a:p>
+            <a:pPr marL="0" marR="0" lvl="0" indent="0" algn="ctr" rtl="0">
+              <a:lnSpc>
+                <a:spcPct val="100000"/>
+              </a:lnSpc>
+              <a:spcBef>
+                <a:spcPts val="0"/>
+              </a:spcBef>
+              <a:spcAft>
+                <a:spcPts val="0"/>
+              </a:spcAft>
+              <a:buNone/>
+            </a:pPr>
+            <a:r>
+              <a:rPr lang="en" sz="1100" i="0" u="none" strike="noStrike" cap="none">
+                <a:solidFill>
+                  <a:schemeClr val="dk1"/>
+                </a:solidFill>
+                <a:latin typeface="Palatino Linotype"/>
+                <a:ea typeface="Palatino Linotype"/>
+                <a:cs typeface="Palatino Linotype"/>
+                <a:sym typeface="Palatino Linotype"/>
+              </a:rPr>
+              <a:t>COL</a:t>
+            </a:r>
+            <a:endParaRPr>
+              <a:latin typeface="Palatino Linotype"/>
+              <a:ea typeface="Palatino Linotype"/>
+              <a:cs typeface="Palatino Linotype"/>
+              <a:sym typeface="Palatino Linotype"/>
+            </a:endParaRPr>
+          </a:p>
+        </p:txBody>
+      </p:sp>
+      <p:sp>
+        <p:nvSpPr>
+          <p:cNvPr id="200" name="Google Shape;200;p26"/>
+          <p:cNvSpPr/>
+          <p:nvPr/>
+        </p:nvSpPr>
+        <p:spPr>
+          <a:xfrm>
+            <a:off x="2302895" y="2197209"/>
+            <a:ext cx="530400" cy="301800"/>
+          </a:xfrm>
+          <a:prstGeom prst="snip2SameRect">
+            <a:avLst>
+              <a:gd name="adj1" fmla="val 16667"/>
+              <a:gd name="adj2" fmla="val 0"/>
+            </a:avLst>
+          </a:prstGeom>
+          <a:solidFill>
+            <a:schemeClr val="accent2"/>
+          </a:solidFill>
+          <a:ln w="19050" cap="flat" cmpd="sng">
+            <a:solidFill>
+              <a:schemeClr val="dk1"/>
+            </a:solidFill>
+            <a:prstDash val="solid"/>
+            <a:round/>
+            <a:headEnd type="none" w="sm" len="sm"/>
+            <a:tailEnd type="none" w="sm" len="sm"/>
+          </a:ln>
+        </p:spPr>
+        <p:txBody>
+          <a:bodyPr spcFirstLastPara="1" wrap="square" lIns="91425" tIns="45700" rIns="91425" bIns="45700" anchor="ctr" anchorCtr="0">
+            <a:noAutofit/>
+          </a:bodyPr>
+          <a:lstStyle/>
+          <a:p>
+            <a:pPr marL="0" marR="0" lvl="0" indent="0" algn="ctr" rtl="0">
+              <a:lnSpc>
+                <a:spcPct val="100000"/>
+              </a:lnSpc>
+              <a:spcBef>
+                <a:spcPts val="0"/>
+              </a:spcBef>
+              <a:spcAft>
+                <a:spcPts val="0"/>
+              </a:spcAft>
+              <a:buNone/>
+            </a:pPr>
+            <a:r>
+              <a:rPr lang="en" sz="600" i="0" u="none" strike="noStrike" cap="none">
+                <a:solidFill>
+                  <a:schemeClr val="dk1"/>
+                </a:solidFill>
+                <a:latin typeface="Palatino Linotype"/>
+                <a:ea typeface="Palatino Linotype"/>
+                <a:cs typeface="Palatino Linotype"/>
+                <a:sym typeface="Palatino Linotype"/>
+              </a:rPr>
+              <a:t>Column type</a:t>
+            </a:r>
+            <a:endParaRPr sz="1200">
+              <a:latin typeface="Palatino Linotype"/>
+              <a:ea typeface="Palatino Linotype"/>
+              <a:cs typeface="Palatino Linotype"/>
+              <a:sym typeface="Palatino Linotype"/>
+            </a:endParaRPr>
+          </a:p>
+        </p:txBody>
+      </p:sp>
+      <p:sp>
+        <p:nvSpPr>
+          <p:cNvPr id="201" name="Google Shape;201;p26"/>
+          <p:cNvSpPr/>
+          <p:nvPr/>
+        </p:nvSpPr>
+        <p:spPr>
+          <a:xfrm>
+            <a:off x="1093050" y="2198109"/>
+            <a:ext cx="527700" cy="300000"/>
+          </a:xfrm>
+          <a:prstGeom prst="snip2SameRect">
+            <a:avLst>
+              <a:gd name="adj1" fmla="val 16667"/>
+              <a:gd name="adj2" fmla="val 0"/>
+            </a:avLst>
+          </a:prstGeom>
+          <a:solidFill>
+            <a:schemeClr val="accent5"/>
+          </a:solidFill>
+          <a:ln w="19050" cap="flat" cmpd="sng">
+            <a:solidFill>
+              <a:schemeClr val="dk1"/>
+            </a:solidFill>
+            <a:prstDash val="solid"/>
+            <a:round/>
+            <a:headEnd type="none" w="sm" len="sm"/>
+            <a:tailEnd type="none" w="sm" len="sm"/>
+          </a:ln>
+        </p:spPr>
+        <p:txBody>
+          <a:bodyPr spcFirstLastPara="1" wrap="square" lIns="91425" tIns="45700" rIns="91425" bIns="45700" anchor="ctr" anchorCtr="0">
+            <a:noAutofit/>
+          </a:bodyPr>
+          <a:lstStyle/>
+          <a:p>
+            <a:pPr marL="0" marR="0" lvl="0" indent="0" algn="ctr" rtl="0">
+              <a:lnSpc>
+                <a:spcPct val="100000"/>
+              </a:lnSpc>
+              <a:spcBef>
+                <a:spcPts val="0"/>
+              </a:spcBef>
+              <a:spcAft>
+                <a:spcPts val="0"/>
+              </a:spcAft>
+              <a:buNone/>
+            </a:pPr>
+            <a:r>
+              <a:rPr lang="en" sz="1100" i="0" u="none" strike="noStrike" cap="none">
+                <a:solidFill>
+                  <a:schemeClr val="dk1"/>
+                </a:solidFill>
+                <a:latin typeface="Palatino Linotype"/>
+                <a:ea typeface="Palatino Linotype"/>
+                <a:cs typeface="Palatino Linotype"/>
+                <a:sym typeface="Palatino Linotype"/>
+              </a:rPr>
+              <a:t>COL</a:t>
+            </a:r>
+            <a:endParaRPr sz="1100">
+              <a:latin typeface="Palatino Linotype"/>
+              <a:ea typeface="Palatino Linotype"/>
+              <a:cs typeface="Palatino Linotype"/>
+              <a:sym typeface="Palatino Linotype"/>
+            </a:endParaRPr>
+          </a:p>
+        </p:txBody>
+      </p:sp>
+      <p:sp>
+        <p:nvSpPr>
+          <p:cNvPr id="202" name="Google Shape;202;p26"/>
+          <p:cNvSpPr/>
+          <p:nvPr/>
+        </p:nvSpPr>
+        <p:spPr>
+          <a:xfrm>
+            <a:off x="2202007" y="2207522"/>
+            <a:ext cx="91500" cy="301800"/>
+          </a:xfrm>
+          <a:prstGeom prst="snip2SameRect">
+            <a:avLst>
+              <a:gd name="adj1" fmla="val 16667"/>
+              <a:gd name="adj2" fmla="val 0"/>
+            </a:avLst>
+          </a:prstGeom>
+          <a:solidFill>
+            <a:srgbClr val="FFF2CC"/>
+          </a:solidFill>
+          <a:ln w="19050" cap="flat" cmpd="sng">
+            <a:solidFill>
+              <a:schemeClr val="dk1"/>
+            </a:solidFill>
+            <a:prstDash val="solid"/>
+            <a:round/>
+            <a:headEnd type="none" w="sm" len="sm"/>
+            <a:tailEnd type="none" w="sm" len="sm"/>
+          </a:ln>
+        </p:spPr>
+        <p:txBody>
+          <a:bodyPr spcFirstLastPara="1" wrap="square" lIns="91425" tIns="45700" rIns="91425" bIns="45700" anchor="ctr" anchorCtr="0">
+            <a:noAutofit/>
+          </a:bodyPr>
+          <a:lstStyle/>
+          <a:p>
+            <a:pPr marL="0" marR="0" lvl="0" indent="0" algn="l" rtl="0">
+              <a:lnSpc>
+                <a:spcPct val="100000"/>
+              </a:lnSpc>
+              <a:spcBef>
+                <a:spcPts val="0"/>
+              </a:spcBef>
+              <a:spcAft>
+                <a:spcPts val="0"/>
+              </a:spcAft>
+              <a:buNone/>
+            </a:pPr>
+            <a:endParaRPr sz="1200" b="1"/>
+          </a:p>
+        </p:txBody>
+      </p:sp>
+      <p:sp>
+        <p:nvSpPr>
+          <p:cNvPr id="203" name="Google Shape;203;p26"/>
+          <p:cNvSpPr txBox="1"/>
+          <p:nvPr/>
+        </p:nvSpPr>
+        <p:spPr>
+          <a:xfrm>
+            <a:off x="2163817" y="2186284"/>
+            <a:ext cx="160800" cy="369300"/>
+          </a:xfrm>
+          <a:prstGeom prst="rect">
+            <a:avLst/>
+          </a:prstGeom>
+          <a:noFill/>
+          <a:ln>
+            <a:noFill/>
+          </a:ln>
+        </p:spPr>
+        <p:txBody>
+          <a:bodyPr spcFirstLastPara="1" wrap="square" lIns="91425" tIns="91425" rIns="91425" bIns="91425" anchor="t" anchorCtr="0">
+            <a:spAutoFit/>
+          </a:bodyPr>
+          <a:lstStyle/>
+          <a:p>
+            <a:pPr marL="0" lvl="0" indent="0" algn="ctr" rtl="0">
+              <a:spcBef>
+                <a:spcPts val="0"/>
+              </a:spcBef>
+              <a:spcAft>
+                <a:spcPts val="0"/>
+              </a:spcAft>
+              <a:buNone/>
+            </a:pPr>
+            <a:r>
+              <a:rPr lang="en" sz="1200" b="1">
+                <a:solidFill>
+                  <a:schemeClr val="dk1"/>
+                </a:solidFill>
+                <a:latin typeface="Palatino Linotype"/>
+                <a:ea typeface="Palatino Linotype"/>
+                <a:cs typeface="Palatino Linotype"/>
+                <a:sym typeface="Palatino Linotype"/>
+              </a:rPr>
+              <a:t>/</a:t>
+            </a:r>
+            <a:endParaRPr>
+              <a:latin typeface="Palatino Linotype"/>
+              <a:ea typeface="Palatino Linotype"/>
+              <a:cs typeface="Palatino Linotype"/>
+              <a:sym typeface="Palatino Linotype"/>
+            </a:endParaRPr>
+          </a:p>
+        </p:txBody>
+      </p:sp>
+      <p:sp>
+        <p:nvSpPr>
+          <p:cNvPr id="204" name="Google Shape;204;p26"/>
+          <p:cNvSpPr/>
+          <p:nvPr/>
+        </p:nvSpPr>
+        <p:spPr>
+          <a:xfrm>
+            <a:off x="6553597" y="2197214"/>
+            <a:ext cx="530400" cy="301800"/>
+          </a:xfrm>
+          <a:prstGeom prst="snip2SameRect">
+            <a:avLst>
+              <a:gd name="adj1" fmla="val 16667"/>
+              <a:gd name="adj2" fmla="val 0"/>
+            </a:avLst>
+          </a:prstGeom>
+          <a:solidFill>
+            <a:schemeClr val="accent5"/>
+          </a:solidFill>
+          <a:ln w="19050" cap="flat" cmpd="sng">
+            <a:solidFill>
+              <a:schemeClr val="dk1"/>
+            </a:solidFill>
+            <a:prstDash val="solid"/>
+            <a:round/>
+            <a:headEnd type="none" w="sm" len="sm"/>
+            <a:tailEnd type="none" w="sm" len="sm"/>
+          </a:ln>
+        </p:spPr>
+        <p:txBody>
+          <a:bodyPr spcFirstLastPara="1" wrap="square" lIns="91425" tIns="45700" rIns="91425" bIns="45700" anchor="ctr" anchorCtr="0">
+            <a:noAutofit/>
+          </a:bodyPr>
+          <a:lstStyle/>
+          <a:p>
+            <a:pPr marL="0" lvl="0" indent="0" algn="ctr" rtl="0">
+              <a:spcBef>
+                <a:spcPts val="0"/>
+              </a:spcBef>
+              <a:spcAft>
+                <a:spcPts val="0"/>
+              </a:spcAft>
+              <a:buClr>
+                <a:schemeClr val="dk1"/>
+              </a:buClr>
+              <a:buFont typeface="Arial"/>
+              <a:buNone/>
+            </a:pPr>
+            <a:r>
+              <a:rPr lang="en" sz="600">
+                <a:solidFill>
+                  <a:schemeClr val="dk1"/>
+                </a:solidFill>
+                <a:latin typeface="Palatino Linotype"/>
+                <a:ea typeface="Palatino Linotype"/>
+                <a:cs typeface="Palatino Linotype"/>
+                <a:sym typeface="Palatino Linotype"/>
+              </a:rPr>
+              <a:t>Column name 2</a:t>
+            </a:r>
+            <a:endParaRPr sz="1300">
+              <a:latin typeface="Palatino Linotype"/>
+              <a:ea typeface="Palatino Linotype"/>
+              <a:cs typeface="Palatino Linotype"/>
+              <a:sym typeface="Palatino Linotype"/>
+            </a:endParaRPr>
+          </a:p>
+        </p:txBody>
+      </p:sp>
+      <p:sp>
+        <p:nvSpPr>
+          <p:cNvPr id="205" name="Google Shape;205;p26"/>
+          <p:cNvSpPr txBox="1"/>
+          <p:nvPr/>
+        </p:nvSpPr>
+        <p:spPr>
+          <a:xfrm>
+            <a:off x="5237114" y="2163450"/>
+            <a:ext cx="160800" cy="369300"/>
+          </a:xfrm>
+          <a:prstGeom prst="rect">
+            <a:avLst/>
+          </a:prstGeom>
+          <a:noFill/>
+          <a:ln>
+            <a:noFill/>
+          </a:ln>
+        </p:spPr>
+        <p:txBody>
+          <a:bodyPr spcFirstLastPara="1" wrap="square" lIns="91425" tIns="91425" rIns="91425" bIns="91425" anchor="t" anchorCtr="0">
+            <a:spAutoFit/>
+          </a:bodyPr>
+          <a:lstStyle/>
+          <a:p>
+            <a:pPr marL="0" lvl="0" indent="0" algn="ctr" rtl="0">
+              <a:spcBef>
+                <a:spcPts val="0"/>
+              </a:spcBef>
+              <a:spcAft>
+                <a:spcPts val="0"/>
+              </a:spcAft>
+              <a:buNone/>
+            </a:pPr>
+            <a:r>
+              <a:rPr lang="en" sz="1200" b="1">
+                <a:solidFill>
+                  <a:schemeClr val="dk1"/>
+                </a:solidFill>
+                <a:latin typeface="Palatino Linotype"/>
+                <a:ea typeface="Palatino Linotype"/>
+                <a:cs typeface="Palatino Linotype"/>
+                <a:sym typeface="Palatino Linotype"/>
+              </a:rPr>
+              <a:t>/</a:t>
+            </a:r>
+            <a:endParaRPr>
+              <a:latin typeface="Palatino Linotype"/>
+              <a:ea typeface="Palatino Linotype"/>
+              <a:cs typeface="Palatino Linotype"/>
+              <a:sym typeface="Palatino Linotype"/>
+            </a:endParaRPr>
+          </a:p>
+        </p:txBody>
+      </p:sp>
+      <p:sp>
+        <p:nvSpPr>
+          <p:cNvPr id="206" name="Google Shape;206;p26"/>
+          <p:cNvSpPr txBox="1"/>
+          <p:nvPr/>
+        </p:nvSpPr>
+        <p:spPr>
+          <a:xfrm>
+            <a:off x="4019159" y="2163450"/>
+            <a:ext cx="160800" cy="369300"/>
+          </a:xfrm>
+          <a:prstGeom prst="rect">
+            <a:avLst/>
+          </a:prstGeom>
+          <a:noFill/>
+          <a:ln>
+            <a:noFill/>
+          </a:ln>
+        </p:spPr>
+        <p:txBody>
+          <a:bodyPr spcFirstLastPara="1" wrap="square" lIns="91425" tIns="91425" rIns="91425" bIns="91425" anchor="t" anchorCtr="0">
+            <a:spAutoFit/>
+          </a:bodyPr>
+          <a:lstStyle/>
+          <a:p>
+            <a:pPr marL="0" lvl="0" indent="0" algn="ctr" rtl="0">
+              <a:spcBef>
+                <a:spcPts val="0"/>
+              </a:spcBef>
+              <a:spcAft>
+                <a:spcPts val="0"/>
+              </a:spcAft>
+              <a:buNone/>
+            </a:pPr>
+            <a:r>
+              <a:rPr lang="en" sz="1200" b="1" dirty="0">
+                <a:solidFill>
+                  <a:schemeClr val="dk1"/>
+                </a:solidFill>
+                <a:latin typeface="Palatino Linotype"/>
+                <a:ea typeface="Palatino Linotype"/>
+                <a:cs typeface="Palatino Linotype"/>
+                <a:sym typeface="Palatino Linotype"/>
+              </a:rPr>
+              <a:t>/</a:t>
+            </a:r>
+            <a:endParaRPr dirty="0">
+              <a:latin typeface="Palatino Linotype"/>
+              <a:ea typeface="Palatino Linotype"/>
+              <a:cs typeface="Palatino Linotype"/>
+              <a:sym typeface="Palatino Linotype"/>
+            </a:endParaRPr>
+          </a:p>
+        </p:txBody>
+      </p:sp>
+      <p:grpSp>
+        <p:nvGrpSpPr>
+          <p:cNvPr id="207" name="Google Shape;207;p26"/>
+          <p:cNvGrpSpPr/>
+          <p:nvPr/>
+        </p:nvGrpSpPr>
+        <p:grpSpPr>
+          <a:xfrm>
+            <a:off x="7887775" y="797787"/>
+            <a:ext cx="1147788" cy="3082916"/>
+            <a:chOff x="7892150" y="790600"/>
+            <a:chExt cx="1147788" cy="3082916"/>
+          </a:xfrm>
+        </p:grpSpPr>
+        <p:grpSp>
+          <p:nvGrpSpPr>
+            <p:cNvPr id="208" name="Google Shape;208;p26"/>
+            <p:cNvGrpSpPr/>
+            <p:nvPr/>
+          </p:nvGrpSpPr>
+          <p:grpSpPr>
+            <a:xfrm rot="5400000">
+              <a:off x="7102475" y="2381250"/>
+              <a:ext cx="1807950" cy="228600"/>
+              <a:chOff x="7596575" y="832126"/>
+              <a:chExt cx="1807950" cy="228600"/>
+            </a:xfrm>
+          </p:grpSpPr>
+          <p:sp>
+            <p:nvSpPr>
+              <p:cNvPr id="209" name="Google Shape;209;p26"/>
+              <p:cNvSpPr txBox="1"/>
+              <p:nvPr/>
+            </p:nvSpPr>
+            <p:spPr>
+              <a:xfrm>
+                <a:off x="8358060" y="873388"/>
+                <a:ext cx="285000" cy="146100"/>
+              </a:xfrm>
+              <a:prstGeom prst="rect">
+                <a:avLst/>
+              </a:prstGeom>
+              <a:noFill/>
+              <a:ln>
+                <a:noFill/>
+              </a:ln>
+            </p:spPr>
+            <p:txBody>
+              <a:bodyPr spcFirstLastPara="1" wrap="square" lIns="68575" tIns="34275" rIns="68575" bIns="34275" anchor="t" anchorCtr="0">
+                <a:spAutoFit/>
+              </a:bodyPr>
+              <a:lstStyle/>
+              <a:p>
+                <a:pPr marL="0" marR="0" lvl="0" indent="0" algn="l" rtl="0">
+                  <a:lnSpc>
+                    <a:spcPct val="100000"/>
+                  </a:lnSpc>
+                  <a:spcBef>
+                    <a:spcPts val="0"/>
+                  </a:spcBef>
+                  <a:spcAft>
+                    <a:spcPts val="0"/>
+                  </a:spcAft>
+                  <a:buClr>
+                    <a:srgbClr val="000000"/>
+                  </a:buClr>
+                  <a:buSzPts val="500"/>
+                  <a:buFont typeface="Arial"/>
+                  <a:buNone/>
+                </a:pPr>
+                <a:r>
+                  <a:rPr lang="en" sz="500" b="1" i="0" u="none" strike="noStrike" cap="none">
+                    <a:solidFill>
+                      <a:schemeClr val="dk1"/>
+                    </a:solidFill>
+                    <a:latin typeface="Calibri"/>
+                    <a:ea typeface="Calibri"/>
+                    <a:cs typeface="Calibri"/>
+                    <a:sym typeface="Calibri"/>
+                  </a:rPr>
+                  <a:t>[SEP]</a:t>
+                </a:r>
+                <a:endParaRPr sz="900" b="1" i="0" u="none" strike="noStrike" cap="none">
+                  <a:solidFill>
+                    <a:srgbClr val="000000"/>
+                  </a:solidFill>
+                </a:endParaRPr>
+              </a:p>
+            </p:txBody>
+          </p:sp>
+          <p:sp>
+            <p:nvSpPr>
+              <p:cNvPr id="210" name="Google Shape;210;p26"/>
+              <p:cNvSpPr/>
+              <p:nvPr/>
+            </p:nvSpPr>
+            <p:spPr>
+              <a:xfrm>
+                <a:off x="7596575" y="832126"/>
+                <a:ext cx="747600" cy="228600"/>
+              </a:xfrm>
+              <a:prstGeom prst="rect">
+                <a:avLst/>
+              </a:prstGeom>
+              <a:noFill/>
+              <a:ln w="9525" cap="flat" cmpd="sng">
+                <a:solidFill>
+                  <a:schemeClr val="dk2"/>
+                </a:solidFill>
+                <a:prstDash val="solid"/>
+                <a:round/>
+                <a:headEnd type="none" w="sm" len="sm"/>
+                <a:tailEnd type="none" w="sm" len="sm"/>
+              </a:ln>
+            </p:spPr>
+            <p:txBody>
+              <a:bodyPr spcFirstLastPara="1" wrap="square" lIns="91425" tIns="91425" rIns="91425" bIns="91425" anchor="ctr" anchorCtr="0">
+                <a:noAutofit/>
+              </a:bodyPr>
+              <a:lstStyle/>
+              <a:p>
+                <a:pPr marL="0" lvl="0" indent="0" algn="ctr" rtl="0">
+                  <a:spcBef>
+                    <a:spcPts val="0"/>
+                  </a:spcBef>
+                  <a:spcAft>
+                    <a:spcPts val="0"/>
+                  </a:spcAft>
+                  <a:buNone/>
+                </a:pPr>
+                <a:r>
+                  <a:rPr lang="en" sz="1100">
+                    <a:latin typeface="Palatino Linotype"/>
+                    <a:ea typeface="Palatino Linotype"/>
+                    <a:cs typeface="Palatino Linotype"/>
+                    <a:sym typeface="Palatino Linotype"/>
+                  </a:rPr>
+                  <a:t>Entry e</a:t>
+                </a:r>
+                <a:r>
+                  <a:rPr lang="en" sz="1100" baseline="-25000">
+                    <a:latin typeface="Palatino Linotype"/>
+                    <a:ea typeface="Palatino Linotype"/>
+                    <a:cs typeface="Palatino Linotype"/>
+                    <a:sym typeface="Palatino Linotype"/>
+                  </a:rPr>
+                  <a:t>1</a:t>
+                </a:r>
+                <a:endParaRPr sz="1100" baseline="-25000">
+                  <a:latin typeface="Palatino Linotype"/>
+                  <a:ea typeface="Palatino Linotype"/>
+                  <a:cs typeface="Palatino Linotype"/>
+                  <a:sym typeface="Palatino Linotype"/>
+                </a:endParaRPr>
+              </a:p>
+            </p:txBody>
+          </p:sp>
+          <p:sp>
+            <p:nvSpPr>
+              <p:cNvPr id="211" name="Google Shape;211;p26"/>
+              <p:cNvSpPr/>
+              <p:nvPr/>
+            </p:nvSpPr>
+            <p:spPr>
+              <a:xfrm>
+                <a:off x="8656925" y="832126"/>
+                <a:ext cx="747600" cy="228600"/>
+              </a:xfrm>
+              <a:prstGeom prst="rect">
+                <a:avLst/>
+              </a:prstGeom>
+              <a:noFill/>
+              <a:ln w="9525" cap="flat" cmpd="sng">
+                <a:solidFill>
+                  <a:schemeClr val="dk2"/>
+                </a:solidFill>
+                <a:prstDash val="solid"/>
+                <a:round/>
+                <a:headEnd type="none" w="sm" len="sm"/>
+                <a:tailEnd type="none" w="sm" len="sm"/>
+              </a:ln>
+            </p:spPr>
+            <p:txBody>
+              <a:bodyPr spcFirstLastPara="1" wrap="square" lIns="91425" tIns="91425" rIns="91425" bIns="91425" anchor="ctr" anchorCtr="0">
+                <a:noAutofit/>
+              </a:bodyPr>
+              <a:lstStyle/>
+              <a:p>
+                <a:pPr marL="0" lvl="0" indent="0" algn="ctr" rtl="0">
+                  <a:spcBef>
+                    <a:spcPts val="0"/>
+                  </a:spcBef>
+                  <a:spcAft>
+                    <a:spcPts val="0"/>
+                  </a:spcAft>
+                  <a:buNone/>
+                </a:pPr>
+                <a:r>
+                  <a:rPr lang="en" sz="1100">
+                    <a:latin typeface="Palatino Linotype"/>
+                    <a:ea typeface="Palatino Linotype"/>
+                    <a:cs typeface="Palatino Linotype"/>
+                    <a:sym typeface="Palatino Linotype"/>
+                  </a:rPr>
+                  <a:t>Entry e</a:t>
+                </a:r>
+                <a:r>
+                  <a:rPr lang="en" sz="1100" baseline="-25000">
+                    <a:latin typeface="Palatino Linotype"/>
+                    <a:ea typeface="Palatino Linotype"/>
+                    <a:cs typeface="Palatino Linotype"/>
+                    <a:sym typeface="Palatino Linotype"/>
+                  </a:rPr>
+                  <a:t>2</a:t>
+                </a:r>
+                <a:endParaRPr sz="1100" baseline="-25000">
+                  <a:latin typeface="Palatino Linotype"/>
+                  <a:ea typeface="Palatino Linotype"/>
+                  <a:cs typeface="Palatino Linotype"/>
+                  <a:sym typeface="Palatino Linotype"/>
+                </a:endParaRPr>
+              </a:p>
+            </p:txBody>
+          </p:sp>
+        </p:grpSp>
+        <p:cxnSp>
+          <p:nvCxnSpPr>
+            <p:cNvPr id="212" name="Google Shape;212;p26"/>
+            <p:cNvCxnSpPr/>
+            <p:nvPr/>
+          </p:nvCxnSpPr>
+          <p:spPr>
+            <a:xfrm rot="-5400000" flipH="1">
+              <a:off x="8289050" y="1831722"/>
+              <a:ext cx="5100" cy="298200"/>
+            </a:xfrm>
+            <a:prstGeom prst="straightConnector1">
+              <a:avLst/>
+            </a:prstGeom>
+            <a:noFill/>
+            <a:ln w="9525" cap="flat" cmpd="sng">
+              <a:solidFill>
+                <a:schemeClr val="dk2"/>
+              </a:solidFill>
+              <a:prstDash val="solid"/>
+              <a:round/>
+              <a:headEnd type="none" w="med" len="med"/>
+              <a:tailEnd type="triangle" w="med" len="med"/>
+            </a:ln>
+          </p:spPr>
+        </p:cxnSp>
+        <p:cxnSp>
+          <p:nvCxnSpPr>
+            <p:cNvPr id="213" name="Google Shape;213;p26"/>
+            <p:cNvCxnSpPr/>
+            <p:nvPr/>
+          </p:nvCxnSpPr>
+          <p:spPr>
+            <a:xfrm rot="-5400000" flipH="1">
+              <a:off x="8277450" y="2883522"/>
+              <a:ext cx="4200" cy="284400"/>
+            </a:xfrm>
+            <a:prstGeom prst="straightConnector1">
+              <a:avLst/>
+            </a:prstGeom>
+            <a:noFill/>
+            <a:ln w="9525" cap="flat" cmpd="sng">
+              <a:solidFill>
+                <a:schemeClr val="dk2"/>
+              </a:solidFill>
+              <a:prstDash val="solid"/>
+              <a:round/>
+              <a:headEnd type="none" w="med" len="med"/>
+              <a:tailEnd type="triangle" w="med" len="med"/>
+            </a:ln>
+          </p:spPr>
+        </p:cxnSp>
+        <p:grpSp>
+          <p:nvGrpSpPr>
+            <p:cNvPr id="214" name="Google Shape;214;p26"/>
+            <p:cNvGrpSpPr/>
+            <p:nvPr/>
+          </p:nvGrpSpPr>
+          <p:grpSpPr>
+            <a:xfrm>
+              <a:off x="8400051" y="790600"/>
+              <a:ext cx="639887" cy="3082916"/>
+              <a:chOff x="8457201" y="21300"/>
+              <a:chExt cx="633050" cy="4948500"/>
+            </a:xfrm>
+          </p:grpSpPr>
+          <p:cxnSp>
+            <p:nvCxnSpPr>
+              <p:cNvPr id="215" name="Google Shape;215;p26"/>
+              <p:cNvCxnSpPr/>
+              <p:nvPr/>
+            </p:nvCxnSpPr>
+            <p:spPr>
+              <a:xfrm rot="5400000">
+                <a:off x="8016525" y="794172"/>
+                <a:ext cx="1514400" cy="152400"/>
+              </a:xfrm>
+              <a:prstGeom prst="straightConnector1">
+                <a:avLst/>
+              </a:prstGeom>
+              <a:noFill/>
+              <a:ln w="9525" cap="flat" cmpd="sng">
+                <a:solidFill>
+                  <a:srgbClr val="7F7F7F"/>
+                </a:solidFill>
+                <a:prstDash val="solid"/>
+                <a:round/>
+                <a:headEnd type="none" w="sm" len="sm"/>
+                <a:tailEnd type="none" w="sm" len="sm"/>
+              </a:ln>
+            </p:spPr>
+          </p:cxnSp>
+          <p:cxnSp>
+            <p:nvCxnSpPr>
+              <p:cNvPr id="216" name="Google Shape;216;p26"/>
+              <p:cNvCxnSpPr/>
+              <p:nvPr/>
+            </p:nvCxnSpPr>
+            <p:spPr>
+              <a:xfrm rot="-5400000" flipH="1">
+                <a:off x="8016500" y="789447"/>
+                <a:ext cx="1524000" cy="152400"/>
+              </a:xfrm>
+              <a:prstGeom prst="straightConnector1">
+                <a:avLst/>
+              </a:prstGeom>
+              <a:noFill/>
+              <a:ln w="9525" cap="flat" cmpd="sng">
+                <a:solidFill>
+                  <a:srgbClr val="7F7F7F"/>
+                </a:solidFill>
+                <a:prstDash val="solid"/>
+                <a:round/>
+                <a:headEnd type="none" w="sm" len="sm"/>
+                <a:tailEnd type="none" w="sm" len="sm"/>
+              </a:ln>
+            </p:spPr>
+          </p:cxnSp>
+          <p:cxnSp>
+            <p:nvCxnSpPr>
+              <p:cNvPr id="217" name="Google Shape;217;p26"/>
+              <p:cNvCxnSpPr/>
+              <p:nvPr/>
+            </p:nvCxnSpPr>
+            <p:spPr>
+              <a:xfrm rot="5400000">
+                <a:off x="7955896" y="4048245"/>
+                <a:ext cx="1645200" cy="152400"/>
+              </a:xfrm>
+              <a:prstGeom prst="straightConnector1">
+                <a:avLst/>
+              </a:prstGeom>
+              <a:noFill/>
+              <a:ln w="9525" cap="flat" cmpd="sng">
+                <a:solidFill>
+                  <a:srgbClr val="7F7F7F"/>
+                </a:solidFill>
+                <a:prstDash val="solid"/>
+                <a:round/>
+                <a:headEnd type="none" w="sm" len="sm"/>
+                <a:tailEnd type="none" w="sm" len="sm"/>
+              </a:ln>
+            </p:spPr>
+          </p:cxnSp>
+          <p:cxnSp>
+            <p:nvCxnSpPr>
+              <p:cNvPr id="218" name="Google Shape;218;p26"/>
+              <p:cNvCxnSpPr/>
+              <p:nvPr/>
+            </p:nvCxnSpPr>
+            <p:spPr>
+              <a:xfrm rot="-5400000" flipH="1">
+                <a:off x="7959375" y="4042197"/>
+                <a:ext cx="1638300" cy="162000"/>
+              </a:xfrm>
+              <a:prstGeom prst="straightConnector1">
+                <a:avLst/>
+              </a:prstGeom>
+              <a:noFill/>
+              <a:ln w="9525" cap="flat" cmpd="sng">
+                <a:solidFill>
+                  <a:srgbClr val="7F7F7F"/>
+                </a:solidFill>
+                <a:prstDash val="solid"/>
+                <a:round/>
+                <a:headEnd type="none" w="sm" len="sm"/>
+                <a:tailEnd type="none" w="sm" len="sm"/>
+              </a:ln>
+            </p:spPr>
+          </p:cxnSp>
+          <p:cxnSp>
+            <p:nvCxnSpPr>
+              <p:cNvPr id="219" name="Google Shape;219;p26"/>
+              <p:cNvCxnSpPr/>
+              <p:nvPr/>
+            </p:nvCxnSpPr>
+            <p:spPr>
+              <a:xfrm rot="5400000">
+                <a:off x="7942650" y="2382447"/>
+                <a:ext cx="1671600" cy="162000"/>
+              </a:xfrm>
+              <a:prstGeom prst="straightConnector1">
+                <a:avLst/>
+              </a:prstGeom>
+              <a:noFill/>
+              <a:ln w="9525" cap="flat" cmpd="sng">
+                <a:solidFill>
+                  <a:srgbClr val="7F7F7F"/>
+                </a:solidFill>
+                <a:prstDash val="solid"/>
+                <a:round/>
+                <a:headEnd type="none" w="sm" len="sm"/>
+                <a:tailEnd type="none" w="sm" len="sm"/>
+              </a:ln>
+            </p:spPr>
+          </p:cxnSp>
+          <p:cxnSp>
+            <p:nvCxnSpPr>
+              <p:cNvPr id="220" name="Google Shape;220;p26"/>
+              <p:cNvCxnSpPr/>
+              <p:nvPr/>
+            </p:nvCxnSpPr>
+            <p:spPr>
+              <a:xfrm rot="-5400000" flipH="1">
+                <a:off x="7940300" y="2384897"/>
+                <a:ext cx="1671600" cy="147600"/>
+              </a:xfrm>
+              <a:prstGeom prst="straightConnector1">
+                <a:avLst/>
+              </a:prstGeom>
+              <a:noFill/>
+              <a:ln w="9525" cap="flat" cmpd="sng">
+                <a:solidFill>
+                  <a:srgbClr val="7F7F7F"/>
+                </a:solidFill>
+                <a:prstDash val="solid"/>
+                <a:round/>
+                <a:headEnd type="none" w="sm" len="sm"/>
+                <a:tailEnd type="none" w="sm" len="sm"/>
+              </a:ln>
+            </p:spPr>
+          </p:cxnSp>
+          <p:cxnSp>
+            <p:nvCxnSpPr>
+              <p:cNvPr id="221" name="Google Shape;221;p26"/>
+              <p:cNvCxnSpPr>
+                <a:cxnSpLocks/>
+              </p:cNvCxnSpPr>
+              <p:nvPr/>
+            </p:nvCxnSpPr>
+            <p:spPr>
+              <a:xfrm flipH="1">
+                <a:off x="8697449" y="1647996"/>
+                <a:ext cx="162001" cy="0"/>
+              </a:xfrm>
+              <a:prstGeom prst="straightConnector1">
+                <a:avLst/>
+              </a:prstGeom>
+              <a:noFill/>
+              <a:ln w="9525" cap="flat" cmpd="sng">
+                <a:solidFill>
+                  <a:srgbClr val="7F7F7F"/>
+                </a:solidFill>
+                <a:prstDash val="solid"/>
+                <a:round/>
+                <a:headEnd type="none" w="sm" len="sm"/>
+                <a:tailEnd type="none" w="sm" len="sm"/>
+              </a:ln>
+            </p:spPr>
+          </p:cxnSp>
+          <p:cxnSp>
+            <p:nvCxnSpPr>
+              <p:cNvPr id="222" name="Google Shape;222;p26"/>
+              <p:cNvCxnSpPr>
+                <a:cxnSpLocks/>
+              </p:cNvCxnSpPr>
+              <p:nvPr/>
+            </p:nvCxnSpPr>
+            <p:spPr>
+              <a:xfrm flipH="1">
+                <a:off x="8697449" y="3294497"/>
+                <a:ext cx="162001" cy="0"/>
+              </a:xfrm>
+              <a:prstGeom prst="straightConnector1">
+                <a:avLst/>
+              </a:prstGeom>
+              <a:noFill/>
+              <a:ln w="9525" cap="flat" cmpd="sng">
+                <a:solidFill>
+                  <a:srgbClr val="7F7F7F"/>
+                </a:solidFill>
+                <a:prstDash val="solid"/>
+                <a:round/>
+                <a:headEnd type="none" w="sm" len="sm"/>
+                <a:tailEnd type="none" w="sm" len="sm"/>
+              </a:ln>
+            </p:spPr>
+          </p:cxnSp>
+          <p:sp>
+            <p:nvSpPr>
+              <p:cNvPr id="223" name="Google Shape;223;p26"/>
+              <p:cNvSpPr/>
+              <p:nvPr/>
+            </p:nvSpPr>
+            <p:spPr>
+              <a:xfrm rot="5400000">
+                <a:off x="6097251" y="2381250"/>
+                <a:ext cx="4948500" cy="228600"/>
+              </a:xfrm>
+              <a:prstGeom prst="rect">
+                <a:avLst/>
+              </a:prstGeom>
+              <a:solidFill>
+                <a:schemeClr val="lt1"/>
+              </a:solidFill>
+              <a:ln w="9525" cap="flat" cmpd="sng">
+                <a:solidFill>
+                  <a:schemeClr val="dk2"/>
+                </a:solidFill>
+                <a:prstDash val="solid"/>
+                <a:round/>
+                <a:headEnd type="none" w="sm" len="sm"/>
+                <a:tailEnd type="none" w="sm" len="sm"/>
+              </a:ln>
+            </p:spPr>
+            <p:txBody>
+              <a:bodyPr spcFirstLastPara="1" wrap="square" lIns="91425" tIns="91425" rIns="91425" bIns="91425" anchor="ctr" anchorCtr="0">
+                <a:noAutofit/>
+              </a:bodyPr>
+              <a:lstStyle/>
+              <a:p>
+                <a:pPr marL="0" lvl="0" indent="0" algn="ctr" rtl="0">
+                  <a:spcBef>
+                    <a:spcPts val="0"/>
+                  </a:spcBef>
+                  <a:spcAft>
+                    <a:spcPts val="0"/>
+                  </a:spcAft>
+                  <a:buNone/>
+                </a:pPr>
+                <a:r>
+                  <a:rPr lang="en" sz="1200">
+                    <a:latin typeface="Palatino Linotype"/>
+                    <a:ea typeface="Palatino Linotype"/>
+                    <a:cs typeface="Palatino Linotype"/>
+                    <a:sym typeface="Palatino Linotype"/>
+                  </a:rPr>
+                  <a:t>Transformer Layer</a:t>
+                </a:r>
+                <a:endParaRPr sz="1200">
+                  <a:latin typeface="Palatino Linotype"/>
+                  <a:ea typeface="Palatino Linotype"/>
+                  <a:cs typeface="Palatino Linotype"/>
+                  <a:sym typeface="Palatino Linotype"/>
+                </a:endParaRPr>
+              </a:p>
+            </p:txBody>
+          </p:sp>
+          <p:sp>
+            <p:nvSpPr>
+              <p:cNvPr id="224" name="Google Shape;224;p26"/>
+              <p:cNvSpPr/>
+              <p:nvPr/>
+            </p:nvSpPr>
+            <p:spPr>
+              <a:xfrm rot="5400000">
+                <a:off x="6501701" y="2381250"/>
+                <a:ext cx="4948500" cy="228600"/>
+              </a:xfrm>
+              <a:prstGeom prst="rect">
+                <a:avLst/>
+              </a:prstGeom>
+              <a:solidFill>
+                <a:schemeClr val="lt1"/>
+              </a:solidFill>
+              <a:ln w="9525" cap="flat" cmpd="sng">
+                <a:solidFill>
+                  <a:schemeClr val="dk2"/>
+                </a:solidFill>
+                <a:prstDash val="solid"/>
+                <a:round/>
+                <a:headEnd type="none" w="sm" len="sm"/>
+                <a:tailEnd type="none" w="sm" len="sm"/>
+              </a:ln>
+            </p:spPr>
+            <p:txBody>
+              <a:bodyPr spcFirstLastPara="1" wrap="square" lIns="91425" tIns="91425" rIns="91425" bIns="91425" anchor="ctr" anchorCtr="0">
+                <a:noAutofit/>
+              </a:bodyPr>
+              <a:lstStyle/>
+              <a:p>
+                <a:pPr marL="0" lvl="0" indent="0" algn="ctr" rtl="0">
+                  <a:spcBef>
+                    <a:spcPts val="0"/>
+                  </a:spcBef>
+                  <a:spcAft>
+                    <a:spcPts val="0"/>
+                  </a:spcAft>
+                  <a:buNone/>
+                </a:pPr>
+                <a:r>
+                  <a:rPr lang="en" sz="1200">
+                    <a:latin typeface="Palatino Linotype"/>
+                    <a:ea typeface="Palatino Linotype"/>
+                    <a:cs typeface="Palatino Linotype"/>
+                    <a:sym typeface="Palatino Linotype"/>
+                  </a:rPr>
+                  <a:t>Transformer Layer</a:t>
+                </a:r>
+                <a:endParaRPr sz="1200">
+                  <a:latin typeface="Palatino Linotype"/>
+                  <a:ea typeface="Palatino Linotype"/>
+                  <a:cs typeface="Palatino Linotype"/>
+                  <a:sym typeface="Palatino Linotype"/>
+                </a:endParaRPr>
+              </a:p>
+            </p:txBody>
+          </p:sp>
+          <p:cxnSp>
+            <p:nvCxnSpPr>
+              <p:cNvPr id="225" name="Google Shape;225;p26"/>
+              <p:cNvCxnSpPr>
+                <a:cxnSpLocks/>
+              </p:cNvCxnSpPr>
+              <p:nvPr/>
+            </p:nvCxnSpPr>
+            <p:spPr>
+              <a:xfrm flipH="1">
+                <a:off x="8697449" y="118391"/>
+                <a:ext cx="152452" cy="0"/>
+              </a:xfrm>
+              <a:prstGeom prst="straightConnector1">
+                <a:avLst/>
+              </a:prstGeom>
+              <a:noFill/>
+              <a:ln w="9525" cap="flat" cmpd="sng">
+                <a:solidFill>
+                  <a:srgbClr val="7F7F7F"/>
+                </a:solidFill>
+                <a:prstDash val="solid"/>
+                <a:round/>
+                <a:headEnd type="none" w="sm" len="sm"/>
+                <a:tailEnd type="none" w="sm" len="sm"/>
+              </a:ln>
+            </p:spPr>
+          </p:cxnSp>
+          <p:cxnSp>
+            <p:nvCxnSpPr>
+              <p:cNvPr id="226" name="Google Shape;226;p26"/>
+              <p:cNvCxnSpPr>
+                <a:cxnSpLocks/>
+              </p:cNvCxnSpPr>
+              <p:nvPr/>
+            </p:nvCxnSpPr>
+            <p:spPr>
+              <a:xfrm flipH="1">
+                <a:off x="8697449" y="4908198"/>
+                <a:ext cx="152452" cy="0"/>
+              </a:xfrm>
+              <a:prstGeom prst="straightConnector1">
+                <a:avLst/>
+              </a:prstGeom>
+              <a:noFill/>
+              <a:ln w="9525" cap="flat" cmpd="sng">
+                <a:solidFill>
+                  <a:srgbClr val="7F7F7F"/>
+                </a:solidFill>
+                <a:prstDash val="solid"/>
+                <a:round/>
+                <a:headEnd type="none" w="sm" len="sm"/>
+                <a:tailEnd type="none" w="sm" len="sm"/>
+              </a:ln>
+            </p:spPr>
+          </p:cxnSp>
+        </p:grpSp>
+      </p:grpSp>
+      <p:cxnSp>
+        <p:nvCxnSpPr>
+          <p:cNvPr id="227" name="Google Shape;227;p26"/>
+          <p:cNvCxnSpPr>
+            <a:stCxn id="137" idx="0"/>
+            <a:endCxn id="149" idx="1"/>
+          </p:cNvCxnSpPr>
+          <p:nvPr/>
+        </p:nvCxnSpPr>
+        <p:spPr>
+          <a:xfrm rot="5400000" flipH="1" flipV="1">
+            <a:off x="698320" y="2967823"/>
+            <a:ext cx="1101026" cy="1405265"/>
+          </a:xfrm>
+          <a:prstGeom prst="bentConnector3">
+            <a:avLst>
+              <a:gd name="adj1" fmla="val 34312"/>
+            </a:avLst>
+          </a:prstGeom>
+          <a:noFill/>
+          <a:ln w="9525" cap="flat" cmpd="sng">
+            <a:solidFill>
+              <a:schemeClr val="dk2"/>
+            </a:solidFill>
+            <a:prstDash val="dot"/>
+            <a:round/>
+            <a:headEnd type="none" w="med" len="med"/>
+            <a:tailEnd type="stealth" w="med" len="med"/>
+          </a:ln>
+        </p:spPr>
+      </p:cxnSp>
+      <p:cxnSp>
+        <p:nvCxnSpPr>
+          <p:cNvPr id="228" name="Google Shape;228;p26"/>
+          <p:cNvCxnSpPr/>
+          <p:nvPr/>
+        </p:nvCxnSpPr>
+        <p:spPr>
+          <a:xfrm>
+            <a:off x="7201850" y="1606175"/>
+            <a:ext cx="551100" cy="0"/>
+          </a:xfrm>
+          <a:prstGeom prst="straightConnector1">
+            <a:avLst/>
+          </a:prstGeom>
+          <a:noFill/>
+          <a:ln w="9525" cap="flat" cmpd="sng">
+            <a:solidFill>
+              <a:schemeClr val="dk2"/>
+            </a:solidFill>
+            <a:prstDash val="dash"/>
+            <a:round/>
+            <a:headEnd type="none" w="med" len="med"/>
+            <a:tailEnd type="stealth" w="med" len="med"/>
+          </a:ln>
+        </p:spPr>
+      </p:cxnSp>
+      <p:cxnSp>
+        <p:nvCxnSpPr>
+          <p:cNvPr id="229" name="Google Shape;229;p26"/>
+          <p:cNvCxnSpPr>
+            <a:stCxn id="192" idx="3"/>
+          </p:cNvCxnSpPr>
+          <p:nvPr/>
+        </p:nvCxnSpPr>
+        <p:spPr>
+          <a:xfrm rot="10800000" flipH="1">
+            <a:off x="7172672" y="2336259"/>
+            <a:ext cx="603900" cy="3000"/>
+          </a:xfrm>
+          <a:prstGeom prst="straightConnector1">
+            <a:avLst/>
+          </a:prstGeom>
+          <a:noFill/>
+          <a:ln w="9525" cap="flat" cmpd="sng">
+            <a:solidFill>
+              <a:schemeClr val="dk2"/>
+            </a:solidFill>
+            <a:prstDash val="dash"/>
+            <a:round/>
+            <a:headEnd type="none" w="med" len="med"/>
+            <a:tailEnd type="stealth" w="med" len="med"/>
+          </a:ln>
+        </p:spPr>
+      </p:cxnSp>
+      <p:cxnSp>
+        <p:nvCxnSpPr>
+          <p:cNvPr id="230" name="Google Shape;230;p26"/>
+          <p:cNvCxnSpPr/>
+          <p:nvPr/>
+        </p:nvCxnSpPr>
+        <p:spPr>
+          <a:xfrm>
+            <a:off x="7188372" y="2986234"/>
+            <a:ext cx="564600" cy="4800"/>
+          </a:xfrm>
+          <a:prstGeom prst="straightConnector1">
+            <a:avLst/>
+          </a:prstGeom>
+          <a:noFill/>
+          <a:ln w="9525" cap="flat" cmpd="sng">
+            <a:solidFill>
+              <a:schemeClr val="dk2"/>
+            </a:solidFill>
+            <a:prstDash val="dash"/>
+            <a:round/>
+            <a:headEnd type="none" w="med" len="med"/>
+            <a:tailEnd type="stealth" w="med" len="med"/>
+          </a:ln>
+        </p:spPr>
+      </p:cxnSp>
+      <p:sp>
+        <p:nvSpPr>
+          <p:cNvPr id="231" name="Google Shape;231;p26"/>
+          <p:cNvSpPr txBox="1"/>
+          <p:nvPr/>
+        </p:nvSpPr>
+        <p:spPr>
+          <a:xfrm>
+            <a:off x="7190675" y="1384125"/>
+            <a:ext cx="527700" cy="276900"/>
+          </a:xfrm>
+          <a:prstGeom prst="rect">
+            <a:avLst/>
+          </a:prstGeom>
+          <a:noFill/>
+          <a:ln>
+            <a:noFill/>
+          </a:ln>
+        </p:spPr>
+        <p:txBody>
+          <a:bodyPr spcFirstLastPara="1" wrap="square" lIns="91425" tIns="91425" rIns="91425" bIns="91425" anchor="t" anchorCtr="0">
+            <a:spAutoFit/>
+          </a:bodyPr>
+          <a:lstStyle/>
+          <a:p>
+            <a:pPr marL="0" lvl="0" indent="0" algn="l" rtl="0">
+              <a:spcBef>
+                <a:spcPts val="0"/>
+              </a:spcBef>
+              <a:spcAft>
+                <a:spcPts val="0"/>
+              </a:spcAft>
+              <a:buNone/>
+            </a:pPr>
+            <a:r>
+              <a:rPr lang="en" sz="600" b="1">
+                <a:solidFill>
+                  <a:schemeClr val="dk1"/>
+                </a:solidFill>
+                <a:latin typeface="Palatino Linotype"/>
+                <a:ea typeface="Palatino Linotype"/>
+                <a:cs typeface="Palatino Linotype"/>
+                <a:sym typeface="Palatino Linotype"/>
+              </a:rPr>
+              <a:t>Option 3</a:t>
+            </a:r>
+            <a:endParaRPr sz="600">
+              <a:latin typeface="Calibri"/>
+              <a:ea typeface="Calibri"/>
+              <a:cs typeface="Calibri"/>
+              <a:sym typeface="Calibri"/>
+            </a:endParaRPr>
+          </a:p>
+        </p:txBody>
+      </p:sp>
+      <p:cxnSp>
+        <p:nvCxnSpPr>
+          <p:cNvPr id="232" name="Google Shape;232;p26"/>
+          <p:cNvCxnSpPr>
+            <a:stCxn id="138" idx="0"/>
+            <a:endCxn id="181" idx="1"/>
+          </p:cNvCxnSpPr>
+          <p:nvPr/>
+        </p:nvCxnSpPr>
+        <p:spPr>
+          <a:xfrm rot="5400000" flipH="1" flipV="1">
+            <a:off x="3334357" y="714434"/>
+            <a:ext cx="1101026" cy="5912042"/>
+          </a:xfrm>
+          <a:prstGeom prst="bentConnector3">
+            <a:avLst>
+              <a:gd name="adj1" fmla="val 12628"/>
+            </a:avLst>
+          </a:prstGeom>
+          <a:noFill/>
+          <a:ln w="9525" cap="flat" cmpd="sng">
+            <a:solidFill>
+              <a:schemeClr val="dk2"/>
+            </a:solidFill>
+            <a:prstDash val="dot"/>
+            <a:round/>
+            <a:headEnd type="none" w="med" len="med"/>
+            <a:tailEnd type="stealth" w="med" len="med"/>
+          </a:ln>
+        </p:spPr>
+      </p:cxnSp>
+      <p:sp>
+        <p:nvSpPr>
+          <p:cNvPr id="233" name="Google Shape;233;p26"/>
+          <p:cNvSpPr txBox="1"/>
+          <p:nvPr/>
+        </p:nvSpPr>
+        <p:spPr>
+          <a:xfrm>
+            <a:off x="7203775" y="2092950"/>
+            <a:ext cx="527700" cy="276900"/>
+          </a:xfrm>
+          <a:prstGeom prst="rect">
+            <a:avLst/>
+          </a:prstGeom>
+          <a:noFill/>
+          <a:ln>
+            <a:noFill/>
+          </a:ln>
+        </p:spPr>
+        <p:txBody>
+          <a:bodyPr spcFirstLastPara="1" wrap="square" lIns="91425" tIns="91425" rIns="91425" bIns="91425" anchor="t" anchorCtr="0">
+            <a:spAutoFit/>
+          </a:bodyPr>
+          <a:lstStyle/>
+          <a:p>
+            <a:pPr marL="0" lvl="0" indent="0" algn="l" rtl="0">
+              <a:spcBef>
+                <a:spcPts val="0"/>
+              </a:spcBef>
+              <a:spcAft>
+                <a:spcPts val="0"/>
+              </a:spcAft>
+              <a:buNone/>
+            </a:pPr>
+            <a:r>
+              <a:rPr lang="en" sz="600" b="1">
+                <a:solidFill>
+                  <a:schemeClr val="dk1"/>
+                </a:solidFill>
+                <a:latin typeface="Palatino Linotype"/>
+                <a:ea typeface="Palatino Linotype"/>
+                <a:cs typeface="Palatino Linotype"/>
+                <a:sym typeface="Palatino Linotype"/>
+              </a:rPr>
+              <a:t>Option 2</a:t>
+            </a:r>
+            <a:endParaRPr sz="600">
+              <a:latin typeface="Calibri"/>
+              <a:ea typeface="Calibri"/>
+              <a:cs typeface="Calibri"/>
+              <a:sym typeface="Calibri"/>
+            </a:endParaRPr>
+          </a:p>
+        </p:txBody>
+      </p:sp>
+      <p:sp>
+        <p:nvSpPr>
+          <p:cNvPr id="234" name="Google Shape;234;p26"/>
+          <p:cNvSpPr txBox="1"/>
+          <p:nvPr/>
+        </p:nvSpPr>
+        <p:spPr>
+          <a:xfrm>
+            <a:off x="7210763" y="2770600"/>
+            <a:ext cx="527700" cy="276900"/>
+          </a:xfrm>
+          <a:prstGeom prst="rect">
+            <a:avLst/>
+          </a:prstGeom>
+          <a:noFill/>
+          <a:ln>
+            <a:noFill/>
+          </a:ln>
+        </p:spPr>
+        <p:txBody>
+          <a:bodyPr spcFirstLastPara="1" wrap="square" lIns="91425" tIns="91425" rIns="91425" bIns="91425" anchor="t" anchorCtr="0">
+            <a:spAutoFit/>
+          </a:bodyPr>
+          <a:lstStyle/>
+          <a:p>
+            <a:pPr marL="0" lvl="0" indent="0" algn="l" rtl="0">
+              <a:spcBef>
+                <a:spcPts val="0"/>
+              </a:spcBef>
+              <a:spcAft>
+                <a:spcPts val="0"/>
+              </a:spcAft>
+              <a:buNone/>
+            </a:pPr>
+            <a:r>
+              <a:rPr lang="en" sz="600" b="1">
+                <a:solidFill>
+                  <a:schemeClr val="dk1"/>
+                </a:solidFill>
+                <a:latin typeface="Palatino Linotype"/>
+                <a:ea typeface="Palatino Linotype"/>
+                <a:cs typeface="Palatino Linotype"/>
+                <a:sym typeface="Palatino Linotype"/>
+              </a:rPr>
+              <a:t>Option 1</a:t>
+            </a:r>
+            <a:endParaRPr sz="600">
+              <a:latin typeface="Calibri"/>
+              <a:ea typeface="Calibri"/>
+              <a:cs typeface="Calibri"/>
+              <a:sym typeface="Calibri"/>
+            </a:endParaRPr>
+          </a:p>
+        </p:txBody>
+      </p:sp>
+      <p:sp>
+        <p:nvSpPr>
+          <p:cNvPr id="235" name="Google Shape;235;p26"/>
+          <p:cNvSpPr/>
+          <p:nvPr/>
+        </p:nvSpPr>
+        <p:spPr>
+          <a:xfrm>
+            <a:off x="7835250" y="1384125"/>
+            <a:ext cx="347400" cy="2265900"/>
+          </a:xfrm>
+          <a:prstGeom prst="rect">
+            <a:avLst/>
+          </a:prstGeom>
+          <a:noFill/>
+          <a:ln w="9525" cap="flat" cmpd="sng">
+            <a:solidFill>
+              <a:schemeClr val="dk2"/>
+            </a:solidFill>
+            <a:prstDash val="dot"/>
+            <a:round/>
+            <a:headEnd type="none" w="sm" len="sm"/>
+            <a:tailEnd type="none" w="sm" len="sm"/>
+          </a:ln>
+        </p:spPr>
+        <p:txBody>
+          <a:bodyPr spcFirstLastPara="1" wrap="square" lIns="91425" tIns="91425" rIns="91425" bIns="91425" anchor="ctr" anchorCtr="0">
+            <a:noAutofit/>
+          </a:bodyPr>
+          <a:lstStyle/>
+          <a:p>
+            <a:pPr marL="0" lvl="0" indent="0" algn="l" rtl="0">
+              <a:spcBef>
+                <a:spcPts val="0"/>
+              </a:spcBef>
+              <a:spcAft>
+                <a:spcPts val="0"/>
+              </a:spcAft>
+              <a:buNone/>
+            </a:pPr>
+            <a:endParaRPr/>
+          </a:p>
+        </p:txBody>
+      </p:sp>
+    </p:spTree>
+    <p:extLst>
+      <p:ext uri="{BB962C8B-B14F-4D97-AF65-F5344CB8AC3E}">
+        <p14:creationId xmlns:p14="http://schemas.microsoft.com/office/powerpoint/2010/main" val="60974697"/>
+      </p:ext>
+    </p:extLst>
   </p:cSld>
   <p:clrMapOvr>
     <a:masterClrMapping/>
